--- a/Algoritmos e Estrutura de Dados.pptx
+++ b/Algoritmos e Estrutura de Dados.pptx
@@ -10,10 +10,14 @@
     <p:sldId id="258" r:id="rId4"/>
     <p:sldId id="261" r:id="rId5"/>
     <p:sldId id="259" r:id="rId6"/>
-    <p:sldId id="260" r:id="rId7"/>
-    <p:sldId id="262" r:id="rId8"/>
-    <p:sldId id="263" r:id="rId9"/>
-    <p:sldId id="264" r:id="rId10"/>
+    <p:sldId id="268" r:id="rId7"/>
+    <p:sldId id="265" r:id="rId8"/>
+    <p:sldId id="266" r:id="rId9"/>
+    <p:sldId id="267" r:id="rId10"/>
+    <p:sldId id="260" r:id="rId11"/>
+    <p:sldId id="262" r:id="rId12"/>
+    <p:sldId id="263" r:id="rId13"/>
+    <p:sldId id="264" r:id="rId14"/>
   </p:sldIdLst>
   <p:sldSz cx="12192000" cy="6858000"/>
   <p:notesSz cx="6858000" cy="9144000"/>
@@ -120,6 +124,14 @@
 </p:presentation>
 </file>
 
+<file path=ppt/revisionInfo.xml><?xml version="1.0" encoding="utf-8"?>
+<p1510:revInfo xmlns:a="http://schemas.openxmlformats.org/drawingml/2006/main" xmlns:r="http://schemas.openxmlformats.org/officeDocument/2006/relationships" xmlns:p1510="http://schemas.microsoft.com/office/powerpoint/2015/10/main">
+  <p1510:revLst>
+    <p1510:client id="{4026D705-A1A8-2AC4-B101-F09E4B47C662}" v="171" dt="2025-01-06T20:10:14.443"/>
+  </p1510:revLst>
+</p1510:revInfo>
+</file>
+
 <file path=ppt/slideLayouts/slideLayout1.xml><?xml version="1.0" encoding="utf-8"?>
 <p:sldLayout xmlns:a="http://schemas.openxmlformats.org/drawingml/2006/main" xmlns:r="http://schemas.openxmlformats.org/officeDocument/2006/relationships" xmlns:p="http://schemas.openxmlformats.org/presentationml/2006/main" type="title" preserve="1">
   <p:cSld name="Title Slide">
@@ -321,7 +333,7 @@
           <a:p>
             <a:fld id="{4854181D-6920-4594-9A5D-6CE56DC9F8B2}" type="slidenum">
               <a:rPr lang="en-US" smtClean="0"/>
-              <a:t>‹nº›</a:t>
+              <a:t>‹#›</a:t>
             </a:fld>
             <a:endParaRPr lang="en-US"/>
           </a:p>
@@ -736,7 +748,7 @@
           <a:p>
             <a:fld id="{4854181D-6920-4594-9A5D-6CE56DC9F8B2}" type="slidenum">
               <a:rPr lang="en-US" smtClean="0"/>
-              <a:t>‹nº›</a:t>
+              <a:t>‹#›</a:t>
             </a:fld>
             <a:endParaRPr lang="en-US"/>
           </a:p>
@@ -1228,7 +1240,7 @@
           <a:p>
             <a:fld id="{4854181D-6920-4594-9A5D-6CE56DC9F8B2}" type="slidenum">
               <a:rPr lang="en-US" smtClean="0"/>
-              <a:t>‹nº›</a:t>
+              <a:t>‹#›</a:t>
             </a:fld>
             <a:endParaRPr lang="en-US"/>
           </a:p>
@@ -1715,7 +1727,7 @@
           <a:p>
             <a:fld id="{4854181D-6920-4594-9A5D-6CE56DC9F8B2}" type="slidenum">
               <a:rPr lang="en-US" smtClean="0"/>
-              <a:t>‹nº›</a:t>
+              <a:t>‹#›</a:t>
             </a:fld>
             <a:endParaRPr lang="en-US"/>
           </a:p>
@@ -2484,7 +2496,7 @@
           <a:p>
             <a:fld id="{4854181D-6920-4594-9A5D-6CE56DC9F8B2}" type="slidenum">
               <a:rPr lang="en-US" smtClean="0"/>
-              <a:t>‹nº›</a:t>
+              <a:t>‹#›</a:t>
             </a:fld>
             <a:endParaRPr lang="en-US"/>
           </a:p>
@@ -2966,7 +2978,7 @@
           <a:p>
             <a:fld id="{4854181D-6920-4594-9A5D-6CE56DC9F8B2}" type="slidenum">
               <a:rPr lang="en-US" smtClean="0"/>
-              <a:t>‹nº›</a:t>
+              <a:t>‹#›</a:t>
             </a:fld>
             <a:endParaRPr lang="en-US"/>
           </a:p>
@@ -3662,7 +3674,7 @@
           <a:p>
             <a:fld id="{4854181D-6920-4594-9A5D-6CE56DC9F8B2}" type="slidenum">
               <a:rPr lang="en-US" smtClean="0"/>
-              <a:t>‹nº›</a:t>
+              <a:t>‹#›</a:t>
             </a:fld>
             <a:endParaRPr lang="en-US"/>
           </a:p>
@@ -4087,7 +4099,7 @@
           <a:p>
             <a:fld id="{4854181D-6920-4594-9A5D-6CE56DC9F8B2}" type="slidenum">
               <a:rPr lang="en-US" smtClean="0"/>
-              <a:t>‹nº›</a:t>
+              <a:t>‹#›</a:t>
             </a:fld>
             <a:endParaRPr lang="en-US"/>
           </a:p>
@@ -4484,7 +4496,7 @@
           <a:p>
             <a:fld id="{4854181D-6920-4594-9A5D-6CE56DC9F8B2}" type="slidenum">
               <a:rPr lang="en-US" smtClean="0"/>
-              <a:t>‹nº›</a:t>
+              <a:t>‹#›</a:t>
             </a:fld>
             <a:endParaRPr lang="en-US"/>
           </a:p>
@@ -5079,7 +5091,7 @@
           <a:p>
             <a:fld id="{4854181D-6920-4594-9A5D-6CE56DC9F8B2}" type="slidenum">
               <a:rPr lang="en-US" smtClean="0"/>
-              <a:t>‹nº›</a:t>
+              <a:t>‹#›</a:t>
             </a:fld>
             <a:endParaRPr lang="en-US"/>
           </a:p>
@@ -5654,7 +5666,7 @@
           <a:p>
             <a:fld id="{4854181D-6920-4594-9A5D-6CE56DC9F8B2}" type="slidenum">
               <a:rPr lang="en-US" smtClean="0"/>
-              <a:t>‹nº›</a:t>
+              <a:t>‹#›</a:t>
             </a:fld>
             <a:endParaRPr lang="en-US"/>
           </a:p>
@@ -6220,7 +6232,7 @@
             <a:fld id="{4854181D-6920-4594-9A5D-6CE56DC9F8B2}" type="slidenum">
               <a:rPr lang="en-US" smtClean="0"/>
               <a:pPr/>
-              <a:t>‹nº›</a:t>
+              <a:t>‹#›</a:t>
             </a:fld>
             <a:endParaRPr lang="en-US"/>
           </a:p>
@@ -7104,1295 +7116,7 @@
 </p:sld>
 </file>
 
-<file path=ppt/slides/slide2.xml><?xml version="1.0" encoding="utf-8"?>
-<p:sld xmlns:a="http://schemas.openxmlformats.org/drawingml/2006/main" xmlns:r="http://schemas.openxmlformats.org/officeDocument/2006/relationships" xmlns:p="http://schemas.openxmlformats.org/presentationml/2006/main">
-  <p:cSld>
-    <p:spTree>
-      <p:nvGrpSpPr>
-        <p:cNvPr id="1" name=""/>
-        <p:cNvGrpSpPr/>
-        <p:nvPr/>
-      </p:nvGrpSpPr>
-      <p:grpSpPr>
-        <a:xfrm>
-          <a:off x="0" y="0"/>
-          <a:ext cx="0" cy="0"/>
-          <a:chOff x="0" y="0"/>
-          <a:chExt cx="0" cy="0"/>
-        </a:xfrm>
-      </p:grpSpPr>
-      <p:sp>
-        <p:nvSpPr>
-          <p:cNvPr id="2" name="Título 1">
-            <a:extLst>
-              <a:ext uri="{FF2B5EF4-FFF2-40B4-BE49-F238E27FC236}">
-                <a16:creationId xmlns:a16="http://schemas.microsoft.com/office/drawing/2014/main" id="{981436A6-4FC7-47F4-63E2-FE759C33CA9F}"/>
-              </a:ext>
-            </a:extLst>
-          </p:cNvPr>
-          <p:cNvSpPr>
-            <a:spLocks noGrp="1"/>
-          </p:cNvSpPr>
-          <p:nvPr>
-            <p:ph type="title"/>
-          </p:nvPr>
-        </p:nvSpPr>
-        <p:spPr/>
-        <p:txBody>
-          <a:bodyPr/>
-          <a:lstStyle/>
-          <a:p>
-            <a:r>
-              <a:rPr lang="pt-PT" dirty="0"/>
-              <a:t>Introdução</a:t>
-            </a:r>
-          </a:p>
-        </p:txBody>
-      </p:sp>
-      <p:sp>
-        <p:nvSpPr>
-          <p:cNvPr id="3" name="Marcador de Posição de Conteúdo 2">
-            <a:extLst>
-              <a:ext uri="{FF2B5EF4-FFF2-40B4-BE49-F238E27FC236}">
-                <a16:creationId xmlns:a16="http://schemas.microsoft.com/office/drawing/2014/main" id="{B555E9C3-1BA7-75C6-EAE6-BBBCF1A4EF06}"/>
-              </a:ext>
-            </a:extLst>
-          </p:cNvPr>
-          <p:cNvSpPr>
-            <a:spLocks noGrp="1"/>
-          </p:cNvSpPr>
-          <p:nvPr>
-            <p:ph idx="1"/>
-          </p:nvPr>
-        </p:nvSpPr>
-        <p:spPr/>
-        <p:txBody>
-          <a:bodyPr/>
-          <a:lstStyle/>
-          <a:p>
-            <a:r>
-              <a:rPr lang="pt-PT" dirty="0"/>
-              <a:t>Árvores</a:t>
-            </a:r>
-          </a:p>
-          <a:p>
-            <a:r>
-              <a:rPr lang="pt-PT" dirty="0"/>
-              <a:t>Grafos </a:t>
-            </a:r>
-          </a:p>
-          <a:p>
-            <a:r>
-              <a:rPr lang="pt-PT" dirty="0"/>
-              <a:t>Software Desenvolvido</a:t>
-            </a:r>
-          </a:p>
-          <a:p>
-            <a:r>
-              <a:rPr lang="pt-PT" dirty="0"/>
-              <a:t>Criação de uma nova estrutura de dados</a:t>
-            </a:r>
-          </a:p>
-        </p:txBody>
-      </p:sp>
-      <p:pic>
-        <p:nvPicPr>
-          <p:cNvPr id="7" name="Picture 2" descr="Plataformas – Politécnico de Santarém">
-            <a:extLst>
-              <a:ext uri="{FF2B5EF4-FFF2-40B4-BE49-F238E27FC236}">
-                <a16:creationId xmlns:a16="http://schemas.microsoft.com/office/drawing/2014/main" id="{6077B84F-D46A-617D-ECB2-2375C6730986}"/>
-              </a:ext>
-            </a:extLst>
-          </p:cNvPr>
-          <p:cNvPicPr>
-            <a:picLocks noChangeAspect="1" noChangeArrowheads="1"/>
-          </p:cNvPicPr>
-          <p:nvPr/>
-        </p:nvPicPr>
-        <p:blipFill>
-          <a:blip r:embed="rId2">
-            <a:extLst>
-              <a:ext uri="{28A0092B-C50C-407E-A947-70E740481C1C}">
-                <a14:useLocalDpi xmlns:a14="http://schemas.microsoft.com/office/drawing/2010/main" val="0"/>
-              </a:ext>
-            </a:extLst>
-          </a:blip>
-          <a:srcRect/>
-          <a:stretch>
-            <a:fillRect/>
-          </a:stretch>
-        </p:blipFill>
-        <p:spPr bwMode="auto">
-          <a:xfrm>
-            <a:off x="10130829" y="-89380"/>
-            <a:ext cx="2235225" cy="639135"/>
-          </a:xfrm>
-          <a:prstGeom prst="rect">
-            <a:avLst/>
-          </a:prstGeom>
-          <a:noFill/>
-          <a:extLst>
-            <a:ext uri="{909E8E84-426E-40DD-AFC4-6F175D3DCCD1}">
-              <a14:hiddenFill xmlns:a14="http://schemas.microsoft.com/office/drawing/2010/main">
-                <a:solidFill>
-                  <a:srgbClr val="FFFFFF"/>
-                </a:solidFill>
-              </a14:hiddenFill>
-            </a:ext>
-          </a:extLst>
-        </p:spPr>
-      </p:pic>
-    </p:spTree>
-    <p:extLst>
-      <p:ext uri="{BB962C8B-B14F-4D97-AF65-F5344CB8AC3E}">
-        <p14:creationId xmlns:p14="http://schemas.microsoft.com/office/powerpoint/2010/main" val="1126141627"/>
-      </p:ext>
-    </p:extLst>
-  </p:cSld>
-  <p:clrMapOvr>
-    <a:masterClrMapping/>
-  </p:clrMapOvr>
-</p:sld>
-</file>
-
-<file path=ppt/slides/slide3.xml><?xml version="1.0" encoding="utf-8"?>
-<p:sld xmlns:a="http://schemas.openxmlformats.org/drawingml/2006/main" xmlns:r="http://schemas.openxmlformats.org/officeDocument/2006/relationships" xmlns:p="http://schemas.openxmlformats.org/presentationml/2006/main">
-  <p:cSld>
-    <p:spTree>
-      <p:nvGrpSpPr>
-        <p:cNvPr id="1" name=""/>
-        <p:cNvGrpSpPr/>
-        <p:nvPr/>
-      </p:nvGrpSpPr>
-      <p:grpSpPr>
-        <a:xfrm>
-          <a:off x="0" y="0"/>
-          <a:ext cx="0" cy="0"/>
-          <a:chOff x="0" y="0"/>
-          <a:chExt cx="0" cy="0"/>
-        </a:xfrm>
-      </p:grpSpPr>
-      <p:sp>
-        <p:nvSpPr>
-          <p:cNvPr id="2" name="Título 1">
-            <a:extLst>
-              <a:ext uri="{FF2B5EF4-FFF2-40B4-BE49-F238E27FC236}">
-                <a16:creationId xmlns:a16="http://schemas.microsoft.com/office/drawing/2014/main" id="{DBB439D4-1B8A-E107-3475-50EA2E1691B1}"/>
-              </a:ext>
-            </a:extLst>
-          </p:cNvPr>
-          <p:cNvSpPr>
-            <a:spLocks noGrp="1"/>
-          </p:cNvSpPr>
-          <p:nvPr>
-            <p:ph type="title"/>
-          </p:nvPr>
-        </p:nvSpPr>
-        <p:spPr/>
-        <p:txBody>
-          <a:bodyPr/>
-          <a:lstStyle/>
-          <a:p>
-            <a:r>
-              <a:rPr lang="pt-PT" dirty="0">
-                <a:latin typeface="Arial" panose="020B0604020202020204" pitchFamily="34" charset="0"/>
-                <a:cs typeface="Arial" panose="020B0604020202020204" pitchFamily="34" charset="0"/>
-              </a:rPr>
-              <a:t>Árvores</a:t>
-            </a:r>
-          </a:p>
-        </p:txBody>
-      </p:sp>
-      <p:sp>
-        <p:nvSpPr>
-          <p:cNvPr id="3" name="Marcador de Posição de Conteúdo 2">
-            <a:extLst>
-              <a:ext uri="{FF2B5EF4-FFF2-40B4-BE49-F238E27FC236}">
-                <a16:creationId xmlns:a16="http://schemas.microsoft.com/office/drawing/2014/main" id="{A7748989-46CF-2C6B-0ABC-D9BDD013155C}"/>
-              </a:ext>
-            </a:extLst>
-          </p:cNvPr>
-          <p:cNvSpPr>
-            <a:spLocks noGrp="1"/>
-          </p:cNvSpPr>
-          <p:nvPr>
-            <p:ph idx="1"/>
-          </p:nvPr>
-        </p:nvSpPr>
-        <p:spPr>
-          <a:xfrm>
-            <a:off x="838200" y="1825625"/>
-            <a:ext cx="10515600" cy="845147"/>
-          </a:xfrm>
-        </p:spPr>
-        <p:txBody>
-          <a:bodyPr/>
-          <a:lstStyle/>
-          <a:p>
-            <a:r>
-              <a:rPr lang="pt-PT" b="1" dirty="0"/>
-              <a:t>Descrição:</a:t>
-            </a:r>
-          </a:p>
-          <a:p>
-            <a:pPr lvl="1"/>
-            <a:r>
-              <a:rPr lang="pt-PT" dirty="0"/>
-              <a:t>Implementa uma Árvore Binária</a:t>
-            </a:r>
-          </a:p>
-        </p:txBody>
-      </p:sp>
-      <p:sp>
-        <p:nvSpPr>
-          <p:cNvPr id="4" name="Rectangle 1">
-            <a:extLst>
-              <a:ext uri="{FF2B5EF4-FFF2-40B4-BE49-F238E27FC236}">
-                <a16:creationId xmlns:a16="http://schemas.microsoft.com/office/drawing/2014/main" id="{5668F6EF-389A-8ACE-256D-2F3399D72371}"/>
-              </a:ext>
-            </a:extLst>
-          </p:cNvPr>
-          <p:cNvSpPr>
-            <a:spLocks noChangeArrowheads="1"/>
-          </p:cNvSpPr>
-          <p:nvPr/>
-        </p:nvSpPr>
-        <p:spPr bwMode="auto">
-          <a:xfrm>
-            <a:off x="838200" y="2600206"/>
-            <a:ext cx="7536255" cy="4001095"/>
-          </a:xfrm>
-          <a:prstGeom prst="rect">
-            <a:avLst/>
-          </a:prstGeom>
-          <a:noFill/>
-          <a:ln>
-            <a:noFill/>
-          </a:ln>
-          <a:effectLst/>
-          <a:extLst>
-            <a:ext uri="{909E8E84-426E-40DD-AFC4-6F175D3DCCD1}">
-              <a14:hiddenFill xmlns:a14="http://schemas.microsoft.com/office/drawing/2010/main">
-                <a:solidFill>
-                  <a:schemeClr val="accent1"/>
-                </a:solidFill>
-              </a14:hiddenFill>
-            </a:ext>
-            <a:ext uri="{91240B29-F687-4F45-9708-019B960494DF}">
-              <a14:hiddenLine xmlns:a14="http://schemas.microsoft.com/office/drawing/2010/main" w="9525">
-                <a:solidFill>
-                  <a:schemeClr val="tx1"/>
-                </a:solidFill>
-                <a:miter lim="800000"/>
-                <a:headEnd/>
-                <a:tailEnd/>
-              </a14:hiddenLine>
-            </a:ext>
-            <a:ext uri="{AF507438-7753-43E0-B8FC-AC1667EBCBE1}">
-              <a14:hiddenEffects xmlns:a14="http://schemas.microsoft.com/office/drawing/2010/main">
-                <a:effectLst>
-                  <a:outerShdw dist="35921" dir="2700000" algn="ctr" rotWithShape="0">
-                    <a:schemeClr val="bg2"/>
-                  </a:outerShdw>
-                </a:effectLst>
-              </a14:hiddenEffects>
-            </a:ext>
-          </a:extLst>
-        </p:spPr>
-        <p:txBody>
-          <a:bodyPr vert="horz" wrap="square" lIns="91440" tIns="45720" rIns="91440" bIns="45720" numCol="1" anchor="ctr" anchorCtr="0" compatLnSpc="1">
-            <a:prstTxWarp prst="textNoShape">
-              <a:avLst/>
-            </a:prstTxWarp>
-            <a:spAutoFit/>
-          </a:bodyPr>
-          <a:lstStyle/>
-          <a:p>
-            <a:pPr marL="342900" indent="-342900">
-              <a:buFont typeface="Arial" panose="020B0604020202020204" pitchFamily="34" charset="0"/>
-              <a:buChar char="•"/>
-            </a:pPr>
-            <a:r>
-              <a:rPr lang="pt-PT" sz="2400" b="1" dirty="0">
-                <a:latin typeface="Century Gothic (corpo)"/>
-              </a:rPr>
-              <a:t>Funcionalidades Principais:</a:t>
-            </a:r>
-          </a:p>
-          <a:p>
-            <a:pPr lvl="1" eaLnBrk="0" fontAlgn="base" hangingPunct="0">
-              <a:spcBef>
-                <a:spcPct val="0"/>
-              </a:spcBef>
-              <a:spcAft>
-                <a:spcPct val="0"/>
-              </a:spcAft>
-              <a:buFontTx/>
-              <a:buChar char="•"/>
-            </a:pPr>
-            <a:r>
-              <a:rPr kumimoji="0" lang="pt-PT" altLang="pt-PT" sz="2000" b="1" i="0" u="none" strike="noStrike" cap="none" normalizeH="0" baseline="0" dirty="0">
-                <a:ln>
-                  <a:noFill/>
-                </a:ln>
-                <a:solidFill>
-                  <a:schemeClr val="tx1"/>
-                </a:solidFill>
-                <a:effectLst/>
-                <a:latin typeface="Century Gothic (corpo)"/>
-                <a:cs typeface="Arial" panose="020B0604020202020204" pitchFamily="34" charset="0"/>
-              </a:rPr>
-              <a:t>Inserção</a:t>
-            </a:r>
-            <a:r>
-              <a:rPr kumimoji="0" lang="pt-PT" altLang="pt-PT" sz="800" b="1" i="0" u="none" strike="noStrike" cap="none" normalizeH="0" baseline="0" dirty="0">
-                <a:ln>
-                  <a:noFill/>
-                </a:ln>
-                <a:solidFill>
-                  <a:schemeClr val="tx1"/>
-                </a:solidFill>
-                <a:effectLst/>
-                <a:latin typeface="Century Gothic (corpo)"/>
-                <a:cs typeface="Arial" panose="020B0604020202020204" pitchFamily="34" charset="0"/>
-              </a:rPr>
-              <a:t>:</a:t>
-            </a:r>
-            <a:r>
-              <a:rPr kumimoji="0" lang="pt-PT" altLang="pt-PT" b="0" i="0" u="none" strike="noStrike" cap="none" normalizeH="0" baseline="0" dirty="0">
-                <a:ln>
-                  <a:noFill/>
-                </a:ln>
-                <a:solidFill>
-                  <a:schemeClr val="tx1"/>
-                </a:solidFill>
-                <a:effectLst/>
-                <a:latin typeface="Century Gothic (corpo)"/>
-                <a:cs typeface="Arial" panose="020B0604020202020204" pitchFamily="34" charset="0"/>
-              </a:rPr>
-              <a:t> </a:t>
-            </a:r>
-            <a:r>
-              <a:rPr kumimoji="0" lang="pt-PT" altLang="pt-PT" b="0" i="0" u="none" strike="noStrike" cap="none" normalizeH="0" baseline="0" dirty="0" err="1">
-                <a:ln>
-                  <a:noFill/>
-                </a:ln>
-                <a:solidFill>
-                  <a:schemeClr val="tx1"/>
-                </a:solidFill>
-                <a:effectLst/>
-                <a:latin typeface="Century Gothic (corpo)"/>
-                <a:cs typeface="Arial" panose="020B0604020202020204" pitchFamily="34" charset="0"/>
-              </a:rPr>
-              <a:t>insert</a:t>
-            </a:r>
-            <a:r>
-              <a:rPr kumimoji="0" lang="pt-PT" altLang="pt-PT" b="0" i="0" u="none" strike="noStrike" cap="none" normalizeH="0" baseline="0" dirty="0">
-                <a:ln>
-                  <a:noFill/>
-                </a:ln>
-                <a:solidFill>
-                  <a:schemeClr val="tx1"/>
-                </a:solidFill>
-                <a:effectLst/>
-                <a:latin typeface="Century Gothic (corpo)"/>
-                <a:cs typeface="Arial" panose="020B0604020202020204" pitchFamily="34" charset="0"/>
-              </a:rPr>
-              <a:t>(</a:t>
-            </a:r>
-            <a:r>
-              <a:rPr kumimoji="0" lang="pt-PT" altLang="pt-PT" b="0" i="0" u="none" strike="noStrike" cap="none" normalizeH="0" baseline="0" dirty="0" err="1">
-                <a:ln>
-                  <a:noFill/>
-                </a:ln>
-                <a:solidFill>
-                  <a:schemeClr val="tx1"/>
-                </a:solidFill>
-                <a:effectLst/>
-                <a:latin typeface="Century Gothic (corpo)"/>
-                <a:cs typeface="Arial" panose="020B0604020202020204" pitchFamily="34" charset="0"/>
-              </a:rPr>
-              <a:t>value</a:t>
-            </a:r>
-            <a:r>
-              <a:rPr kumimoji="0" lang="pt-PT" altLang="pt-PT" b="0" i="0" u="none" strike="noStrike" cap="none" normalizeH="0" baseline="0" dirty="0">
-                <a:ln>
-                  <a:noFill/>
-                </a:ln>
-                <a:solidFill>
-                  <a:schemeClr val="tx1"/>
-                </a:solidFill>
-                <a:effectLst/>
-                <a:latin typeface="Century Gothic (corpo)"/>
-                <a:cs typeface="Arial" panose="020B0604020202020204" pitchFamily="34" charset="0"/>
-              </a:rPr>
-              <a:t>) - Adiciona nós com base nos valores fornecidos.</a:t>
-            </a:r>
-          </a:p>
-          <a:p>
-            <a:pPr lvl="1" eaLnBrk="0" fontAlgn="base" hangingPunct="0">
-              <a:spcBef>
-                <a:spcPct val="0"/>
-              </a:spcBef>
-              <a:spcAft>
-                <a:spcPct val="0"/>
-              </a:spcAft>
-              <a:buFontTx/>
-              <a:buChar char="•"/>
-            </a:pPr>
-            <a:r>
-              <a:rPr kumimoji="0" lang="pt-PT" altLang="pt-PT" b="1" i="0" u="none" strike="noStrike" cap="none" normalizeH="0" baseline="0" dirty="0">
-                <a:ln>
-                  <a:noFill/>
-                </a:ln>
-                <a:solidFill>
-                  <a:schemeClr val="tx1"/>
-                </a:solidFill>
-                <a:effectLst/>
-                <a:latin typeface="Century Gothic (corpo)"/>
-                <a:cs typeface="Arial" panose="020B0604020202020204" pitchFamily="34" charset="0"/>
-              </a:rPr>
-              <a:t>Remoção:</a:t>
-            </a:r>
-            <a:r>
-              <a:rPr kumimoji="0" lang="pt-PT" altLang="pt-PT" b="0" i="0" u="none" strike="noStrike" cap="none" normalizeH="0" baseline="0" dirty="0">
-                <a:ln>
-                  <a:noFill/>
-                </a:ln>
-                <a:solidFill>
-                  <a:schemeClr val="tx1"/>
-                </a:solidFill>
-                <a:effectLst/>
-                <a:latin typeface="Century Gothic (corpo)"/>
-                <a:cs typeface="Arial" panose="020B0604020202020204" pitchFamily="34" charset="0"/>
-              </a:rPr>
-              <a:t> remove(node) - Elimina um nó e ajusta a estrutura da árvore.</a:t>
-            </a:r>
-          </a:p>
-          <a:p>
-            <a:pPr lvl="1" eaLnBrk="0" fontAlgn="base" hangingPunct="0">
-              <a:spcBef>
-                <a:spcPct val="0"/>
-              </a:spcBef>
-              <a:spcAft>
-                <a:spcPct val="0"/>
-              </a:spcAft>
-            </a:pPr>
-            <a:endParaRPr kumimoji="0" lang="pt-PT" altLang="pt-PT" b="0" i="0" u="none" strike="noStrike" cap="none" normalizeH="0" baseline="0" dirty="0">
-              <a:ln>
-                <a:noFill/>
-              </a:ln>
-              <a:solidFill>
-                <a:schemeClr val="tx1"/>
-              </a:solidFill>
-              <a:effectLst/>
-              <a:latin typeface="Century Gothic (corpo)"/>
-              <a:cs typeface="Arial" panose="020B0604020202020204" pitchFamily="34" charset="0"/>
-            </a:endParaRPr>
-          </a:p>
-          <a:p>
-            <a:pPr lvl="1" eaLnBrk="0" fontAlgn="base" hangingPunct="0">
-              <a:spcBef>
-                <a:spcPct val="0"/>
-              </a:spcBef>
-              <a:spcAft>
-                <a:spcPct val="0"/>
-              </a:spcAft>
-              <a:buFontTx/>
-              <a:buChar char="•"/>
-            </a:pPr>
-            <a:r>
-              <a:rPr kumimoji="0" lang="pt-PT" altLang="pt-PT" b="1" i="0" u="none" strike="noStrike" cap="none" normalizeH="0" baseline="0" dirty="0">
-                <a:ln>
-                  <a:noFill/>
-                </a:ln>
-                <a:solidFill>
-                  <a:schemeClr val="tx1"/>
-                </a:solidFill>
-                <a:effectLst/>
-                <a:latin typeface="Century Gothic (corpo)"/>
-                <a:cs typeface="Arial" panose="020B0604020202020204" pitchFamily="34" charset="0"/>
-              </a:rPr>
-              <a:t>Exibição em Ordem:</a:t>
-            </a:r>
-            <a:r>
-              <a:rPr kumimoji="0" lang="pt-PT" altLang="pt-PT" b="0" i="0" u="none" strike="noStrike" cap="none" normalizeH="0" baseline="0" dirty="0">
-                <a:ln>
-                  <a:noFill/>
-                </a:ln>
-                <a:solidFill>
-                  <a:schemeClr val="tx1"/>
-                </a:solidFill>
-                <a:effectLst/>
-                <a:latin typeface="Century Gothic (corpo)"/>
-                <a:cs typeface="Arial" panose="020B0604020202020204" pitchFamily="34" charset="0"/>
-              </a:rPr>
-              <a:t> </a:t>
-            </a:r>
-            <a:r>
-              <a:rPr kumimoji="0" lang="pt-PT" altLang="pt-PT" b="0" i="0" u="none" strike="noStrike" cap="none" normalizeH="0" baseline="0" dirty="0" err="1">
-                <a:ln>
-                  <a:noFill/>
-                </a:ln>
-                <a:solidFill>
-                  <a:schemeClr val="tx1"/>
-                </a:solidFill>
-                <a:effectLst/>
-                <a:latin typeface="Century Gothic (corpo)"/>
-                <a:cs typeface="Arial" panose="020B0604020202020204" pitchFamily="34" charset="0"/>
-              </a:rPr>
-              <a:t>displayInOrder</a:t>
-            </a:r>
-            <a:r>
-              <a:rPr kumimoji="0" lang="pt-PT" altLang="pt-PT" b="0" i="0" u="none" strike="noStrike" cap="none" normalizeH="0" baseline="0" dirty="0">
-                <a:ln>
-                  <a:noFill/>
-                </a:ln>
-                <a:solidFill>
-                  <a:schemeClr val="tx1"/>
-                </a:solidFill>
-                <a:effectLst/>
-                <a:latin typeface="Century Gothic (corpo)"/>
-                <a:cs typeface="Arial" panose="020B0604020202020204" pitchFamily="34" charset="0"/>
-              </a:rPr>
-              <a:t>() - Mostra os valores organizados</a:t>
-            </a:r>
-            <a:r>
-              <a:rPr lang="pt-PT" altLang="pt-PT" sz="1200" dirty="0">
-                <a:latin typeface="Century Gothic (corpo)"/>
-                <a:cs typeface="Arial" panose="020B0604020202020204" pitchFamily="34" charset="0"/>
-              </a:rPr>
-              <a:t>.</a:t>
-            </a:r>
-          </a:p>
-          <a:p>
-            <a:pPr lvl="1" eaLnBrk="0" fontAlgn="base" hangingPunct="0">
-              <a:spcBef>
-                <a:spcPct val="0"/>
-              </a:spcBef>
-              <a:spcAft>
-                <a:spcPct val="0"/>
-              </a:spcAft>
-            </a:pPr>
-            <a:endParaRPr kumimoji="0" lang="pt-PT" altLang="pt-PT" sz="1200" b="0" i="0" u="none" strike="noStrike" cap="none" normalizeH="0" baseline="0" dirty="0">
-              <a:ln>
-                <a:noFill/>
-              </a:ln>
-              <a:solidFill>
-                <a:schemeClr val="tx1"/>
-              </a:solidFill>
-              <a:effectLst/>
-              <a:latin typeface="Century Gothic (corpo)"/>
-              <a:cs typeface="Arial" panose="020B0604020202020204" pitchFamily="34" charset="0"/>
-            </a:endParaRPr>
-          </a:p>
-          <a:p>
-            <a:pPr lvl="1" eaLnBrk="0" fontAlgn="base" hangingPunct="0">
-              <a:spcBef>
-                <a:spcPct val="0"/>
-              </a:spcBef>
-              <a:spcAft>
-                <a:spcPct val="0"/>
-              </a:spcAft>
-              <a:buFontTx/>
-              <a:buChar char="•"/>
-            </a:pPr>
-            <a:r>
-              <a:rPr kumimoji="0" lang="pt-PT" altLang="pt-PT" b="1" i="0" u="none" strike="noStrike" cap="none" normalizeH="0" baseline="0" dirty="0">
-                <a:ln>
-                  <a:noFill/>
-                </a:ln>
-                <a:solidFill>
-                  <a:schemeClr val="tx1"/>
-                </a:solidFill>
-                <a:effectLst/>
-                <a:latin typeface="Century Gothic (corpo)"/>
-                <a:cs typeface="Arial" panose="020B0604020202020204" pitchFamily="34" charset="0"/>
-              </a:rPr>
-              <a:t>Ordem de Inserção:</a:t>
-            </a:r>
-            <a:r>
-              <a:rPr kumimoji="0" lang="pt-PT" altLang="pt-PT" b="0" i="0" u="none" strike="noStrike" cap="none" normalizeH="0" baseline="0" dirty="0">
-                <a:ln>
-                  <a:noFill/>
-                </a:ln>
-                <a:solidFill>
-                  <a:schemeClr val="tx1"/>
-                </a:solidFill>
-                <a:effectLst/>
-                <a:latin typeface="Century Gothic (corpo)"/>
-                <a:cs typeface="Arial" panose="020B0604020202020204" pitchFamily="34" charset="0"/>
-              </a:rPr>
-              <a:t> </a:t>
-            </a:r>
-            <a:r>
-              <a:rPr kumimoji="0" lang="pt-PT" altLang="pt-PT" b="0" i="0" u="none" strike="noStrike" cap="none" normalizeH="0" baseline="0" dirty="0" err="1">
-                <a:ln>
-                  <a:noFill/>
-                </a:ln>
-                <a:solidFill>
-                  <a:schemeClr val="tx1"/>
-                </a:solidFill>
-                <a:effectLst/>
-                <a:latin typeface="Century Gothic (corpo)"/>
-                <a:cs typeface="Arial" panose="020B0604020202020204" pitchFamily="34" charset="0"/>
-              </a:rPr>
-              <a:t>showInsertionOrder</a:t>
-            </a:r>
-            <a:r>
-              <a:rPr kumimoji="0" lang="pt-PT" altLang="pt-PT" b="0" i="0" u="none" strike="noStrike" cap="none" normalizeH="0" baseline="0" dirty="0">
-                <a:ln>
-                  <a:noFill/>
-                </a:ln>
-                <a:solidFill>
-                  <a:schemeClr val="tx1"/>
-                </a:solidFill>
-                <a:effectLst/>
-                <a:latin typeface="Century Gothic (corpo)"/>
-                <a:cs typeface="Arial" panose="020B0604020202020204" pitchFamily="34" charset="0"/>
-              </a:rPr>
-              <a:t>() - Lista os valores na sequência de inserção.</a:t>
-            </a:r>
-          </a:p>
-          <a:p>
-            <a:pPr lvl="1" eaLnBrk="0" fontAlgn="base" hangingPunct="0">
-              <a:spcBef>
-                <a:spcPct val="0"/>
-              </a:spcBef>
-              <a:spcAft>
-                <a:spcPct val="0"/>
-              </a:spcAft>
-            </a:pPr>
-            <a:endParaRPr kumimoji="0" lang="pt-PT" altLang="pt-PT" b="0" i="0" u="none" strike="noStrike" cap="none" normalizeH="0" baseline="0" dirty="0">
-              <a:ln>
-                <a:noFill/>
-              </a:ln>
-              <a:solidFill>
-                <a:schemeClr val="tx1"/>
-              </a:solidFill>
-              <a:effectLst/>
-              <a:latin typeface="Century Gothic (corpo)"/>
-              <a:cs typeface="Arial" panose="020B0604020202020204" pitchFamily="34" charset="0"/>
-            </a:endParaRPr>
-          </a:p>
-          <a:p>
-            <a:pPr lvl="1" eaLnBrk="0" fontAlgn="base" hangingPunct="0">
-              <a:spcBef>
-                <a:spcPct val="0"/>
-              </a:spcBef>
-              <a:spcAft>
-                <a:spcPct val="0"/>
-              </a:spcAft>
-              <a:buFontTx/>
-              <a:buChar char="•"/>
-            </a:pPr>
-            <a:r>
-              <a:rPr kumimoji="0" lang="pt-PT" altLang="pt-PT" b="1" i="0" u="none" strike="noStrike" cap="none" normalizeH="0" baseline="0" dirty="0">
-                <a:ln>
-                  <a:noFill/>
-                </a:ln>
-                <a:solidFill>
-                  <a:schemeClr val="tx1"/>
-                </a:solidFill>
-                <a:effectLst/>
-                <a:latin typeface="Century Gothic (corpo)"/>
-                <a:cs typeface="Arial" panose="020B0604020202020204" pitchFamily="34" charset="0"/>
-              </a:rPr>
-              <a:t>Resultados</a:t>
-            </a:r>
-            <a:endParaRPr kumimoji="0" lang="pt-PT" altLang="pt-PT" b="0" i="0" u="none" strike="noStrike" cap="none" normalizeH="0" baseline="0" dirty="0">
-              <a:ln>
-                <a:noFill/>
-              </a:ln>
-              <a:solidFill>
-                <a:schemeClr val="tx1"/>
-              </a:solidFill>
-              <a:effectLst/>
-              <a:latin typeface="Century Gothic (corpo)"/>
-              <a:cs typeface="Arial" panose="020B0604020202020204" pitchFamily="34" charset="0"/>
-            </a:endParaRPr>
-          </a:p>
-          <a:p>
-            <a:pPr marL="0" marR="0" lvl="0" indent="0" algn="l" defTabSz="914400" rtl="0" eaLnBrk="0" fontAlgn="base" latinLnBrk="0" hangingPunct="0">
-              <a:lnSpc>
-                <a:spcPct val="100000"/>
-              </a:lnSpc>
-              <a:spcBef>
-                <a:spcPct val="0"/>
-              </a:spcBef>
-              <a:spcAft>
-                <a:spcPct val="0"/>
-              </a:spcAft>
-              <a:buClrTx/>
-              <a:buSzTx/>
-              <a:buFontTx/>
-              <a:buNone/>
-              <a:tabLst/>
-            </a:pPr>
-            <a:endParaRPr kumimoji="0" lang="pt-PT" altLang="pt-PT" sz="1800" b="0" i="0" u="none" strike="noStrike" cap="none" normalizeH="0" baseline="0" dirty="0">
-              <a:ln>
-                <a:noFill/>
-              </a:ln>
-              <a:solidFill>
-                <a:schemeClr val="tx1"/>
-              </a:solidFill>
-              <a:effectLst/>
-              <a:latin typeface="Arial" panose="020B0604020202020204" pitchFamily="34" charset="0"/>
-            </a:endParaRPr>
-          </a:p>
-        </p:txBody>
-      </p:sp>
-      <p:pic>
-        <p:nvPicPr>
-          <p:cNvPr id="5" name="Imagem 4" descr="Uma imagem com texto, Tipo de letra, captura de ecrã&#10;&#10;Descrição gerada automaticamente">
-            <a:extLst>
-              <a:ext uri="{FF2B5EF4-FFF2-40B4-BE49-F238E27FC236}">
-                <a16:creationId xmlns:a16="http://schemas.microsoft.com/office/drawing/2014/main" id="{2B9D0C46-035F-D2CC-F9CD-01833E7503FC}"/>
-              </a:ext>
-            </a:extLst>
-          </p:cNvPr>
-          <p:cNvPicPr>
-            <a:picLocks noChangeAspect="1"/>
-          </p:cNvPicPr>
-          <p:nvPr/>
-        </p:nvPicPr>
-        <p:blipFill>
-          <a:blip r:embed="rId2"/>
-          <a:stretch>
-            <a:fillRect/>
-          </a:stretch>
-        </p:blipFill>
-        <p:spPr>
-          <a:xfrm>
-            <a:off x="3032911" y="5803272"/>
-            <a:ext cx="2015434" cy="950676"/>
-          </a:xfrm>
-          <a:prstGeom prst="rect">
-            <a:avLst/>
-          </a:prstGeom>
-        </p:spPr>
-      </p:pic>
-      <p:pic>
-        <p:nvPicPr>
-          <p:cNvPr id="7" name="Imagem 6">
-            <a:extLst>
-              <a:ext uri="{FF2B5EF4-FFF2-40B4-BE49-F238E27FC236}">
-                <a16:creationId xmlns:a16="http://schemas.microsoft.com/office/drawing/2014/main" id="{06157F88-A515-9A0E-EC52-AF4B365E918E}"/>
-              </a:ext>
-            </a:extLst>
-          </p:cNvPr>
-          <p:cNvPicPr>
-            <a:picLocks noChangeAspect="1"/>
-          </p:cNvPicPr>
-          <p:nvPr/>
-        </p:nvPicPr>
-        <p:blipFill>
-          <a:blip r:embed="rId3"/>
-          <a:stretch>
-            <a:fillRect/>
-          </a:stretch>
-        </p:blipFill>
-        <p:spPr>
-          <a:xfrm>
-            <a:off x="8674771" y="2600206"/>
-            <a:ext cx="2679029" cy="2509040"/>
-          </a:xfrm>
-          <a:prstGeom prst="rect">
-            <a:avLst/>
-          </a:prstGeom>
-        </p:spPr>
-      </p:pic>
-      <p:pic>
-        <p:nvPicPr>
-          <p:cNvPr id="8" name="Picture 2" descr="Plataformas – Politécnico de Santarém">
-            <a:extLst>
-              <a:ext uri="{FF2B5EF4-FFF2-40B4-BE49-F238E27FC236}">
-                <a16:creationId xmlns:a16="http://schemas.microsoft.com/office/drawing/2014/main" id="{765684FE-7CF0-DDB0-BF5F-EAFFD99ADC9D}"/>
-              </a:ext>
-            </a:extLst>
-          </p:cNvPr>
-          <p:cNvPicPr>
-            <a:picLocks noChangeAspect="1" noChangeArrowheads="1"/>
-          </p:cNvPicPr>
-          <p:nvPr/>
-        </p:nvPicPr>
-        <p:blipFill>
-          <a:blip r:embed="rId4">
-            <a:extLst>
-              <a:ext uri="{28A0092B-C50C-407E-A947-70E740481C1C}">
-                <a14:useLocalDpi xmlns:a14="http://schemas.microsoft.com/office/drawing/2010/main" val="0"/>
-              </a:ext>
-            </a:extLst>
-          </a:blip>
-          <a:srcRect/>
-          <a:stretch>
-            <a:fillRect/>
-          </a:stretch>
-        </p:blipFill>
-        <p:spPr bwMode="auto">
-          <a:xfrm>
-            <a:off x="10130829" y="-89380"/>
-            <a:ext cx="2235225" cy="639135"/>
-          </a:xfrm>
-          <a:prstGeom prst="rect">
-            <a:avLst/>
-          </a:prstGeom>
-          <a:noFill/>
-          <a:extLst>
-            <a:ext uri="{909E8E84-426E-40DD-AFC4-6F175D3DCCD1}">
-              <a14:hiddenFill xmlns:a14="http://schemas.microsoft.com/office/drawing/2010/main">
-                <a:solidFill>
-                  <a:srgbClr val="FFFFFF"/>
-                </a:solidFill>
-              </a14:hiddenFill>
-            </a:ext>
-          </a:extLst>
-        </p:spPr>
-      </p:pic>
-    </p:spTree>
-    <p:extLst>
-      <p:ext uri="{BB962C8B-B14F-4D97-AF65-F5344CB8AC3E}">
-        <p14:creationId xmlns:p14="http://schemas.microsoft.com/office/powerpoint/2010/main" val="3707420379"/>
-      </p:ext>
-    </p:extLst>
-  </p:cSld>
-  <p:clrMapOvr>
-    <a:masterClrMapping/>
-  </p:clrMapOvr>
-</p:sld>
-</file>
-
-<file path=ppt/slides/slide4.xml><?xml version="1.0" encoding="utf-8"?>
-<p:sld xmlns:a="http://schemas.openxmlformats.org/drawingml/2006/main" xmlns:r="http://schemas.openxmlformats.org/officeDocument/2006/relationships" xmlns:p="http://schemas.openxmlformats.org/presentationml/2006/main">
-  <p:cSld>
-    <p:spTree>
-      <p:nvGrpSpPr>
-        <p:cNvPr id="1" name=""/>
-        <p:cNvGrpSpPr/>
-        <p:nvPr/>
-      </p:nvGrpSpPr>
-      <p:grpSpPr>
-        <a:xfrm>
-          <a:off x="0" y="0"/>
-          <a:ext cx="0" cy="0"/>
-          <a:chOff x="0" y="0"/>
-          <a:chExt cx="0" cy="0"/>
-        </a:xfrm>
-      </p:grpSpPr>
-      <p:sp>
-        <p:nvSpPr>
-          <p:cNvPr id="2" name="Título 1">
-            <a:extLst>
-              <a:ext uri="{FF2B5EF4-FFF2-40B4-BE49-F238E27FC236}">
-                <a16:creationId xmlns:a16="http://schemas.microsoft.com/office/drawing/2014/main" id="{F241855A-3072-1C03-1D41-F4DD6DA01099}"/>
-              </a:ext>
-            </a:extLst>
-          </p:cNvPr>
-          <p:cNvSpPr>
-            <a:spLocks noGrp="1"/>
-          </p:cNvSpPr>
-          <p:nvPr>
-            <p:ph type="title"/>
-          </p:nvPr>
-        </p:nvSpPr>
-        <p:spPr/>
-        <p:txBody>
-          <a:bodyPr/>
-          <a:lstStyle/>
-          <a:p>
-            <a:r>
-              <a:rPr lang="pt-PT" dirty="0"/>
-              <a:t>Grafos</a:t>
-            </a:r>
-          </a:p>
-        </p:txBody>
-      </p:sp>
-      <p:sp>
-        <p:nvSpPr>
-          <p:cNvPr id="3" name="Marcador de Posição de Conteúdo 2">
-            <a:extLst>
-              <a:ext uri="{FF2B5EF4-FFF2-40B4-BE49-F238E27FC236}">
-                <a16:creationId xmlns:a16="http://schemas.microsoft.com/office/drawing/2014/main" id="{5BEDC943-4C0F-8F90-6368-728FEDAD6D75}"/>
-              </a:ext>
-            </a:extLst>
-          </p:cNvPr>
-          <p:cNvSpPr>
-            <a:spLocks noGrp="1"/>
-          </p:cNvSpPr>
-          <p:nvPr>
-            <p:ph idx="1"/>
-          </p:nvPr>
-        </p:nvSpPr>
-        <p:spPr>
-          <a:xfrm>
-            <a:off x="838200" y="1578904"/>
-            <a:ext cx="10515600" cy="3859742"/>
-          </a:xfrm>
-        </p:spPr>
-        <p:txBody>
-          <a:bodyPr/>
-          <a:lstStyle/>
-          <a:p>
-            <a:r>
-              <a:rPr lang="pt-PT" b="1" dirty="0"/>
-              <a:t>Descrição:</a:t>
-            </a:r>
-          </a:p>
-          <a:p>
-            <a:pPr lvl="1"/>
-            <a:r>
-              <a:rPr lang="pt-PT" dirty="0"/>
-              <a:t>Representa uma estrutura de grafo com nós e arestas.</a:t>
-            </a:r>
-          </a:p>
-          <a:p>
-            <a:pPr marL="457200" lvl="1" indent="0">
-              <a:buNone/>
-            </a:pPr>
-            <a:endParaRPr lang="pt-PT" dirty="0"/>
-          </a:p>
-          <a:p>
-            <a:r>
-              <a:rPr lang="pt-PT" b="1" dirty="0"/>
-              <a:t>Funcionalidades Principais:</a:t>
-            </a:r>
-          </a:p>
-          <a:p>
-            <a:pPr lvl="1"/>
-            <a:r>
-              <a:rPr lang="pt-PT" i="1" u="sng" dirty="0"/>
-              <a:t>Adicionar nós </a:t>
-            </a:r>
-            <a:r>
-              <a:rPr lang="pt-PT" dirty="0"/>
-              <a:t>– </a:t>
-            </a:r>
-            <a:r>
-              <a:rPr lang="pt-PT" sz="1800" dirty="0" err="1"/>
-              <a:t>addNode</a:t>
-            </a:r>
-            <a:r>
-              <a:rPr lang="pt-PT" sz="1800" dirty="0"/>
-              <a:t>(node) </a:t>
-            </a:r>
-            <a:endParaRPr lang="pt-PT" dirty="0"/>
-          </a:p>
-          <a:p>
-            <a:pPr lvl="1"/>
-            <a:r>
-              <a:rPr lang="pt-PT" i="1" u="sng" dirty="0"/>
-              <a:t>Adicionar Arestas </a:t>
-            </a:r>
-            <a:r>
-              <a:rPr lang="pt-PT" dirty="0"/>
-              <a:t>– </a:t>
-            </a:r>
-            <a:r>
-              <a:rPr lang="pt-PT" dirty="0" err="1"/>
-              <a:t>addEdge</a:t>
-            </a:r>
-            <a:r>
-              <a:rPr lang="pt-PT" dirty="0"/>
-              <a:t>(node1, node2)</a:t>
-            </a:r>
-          </a:p>
-          <a:p>
-            <a:pPr lvl="1"/>
-            <a:r>
-              <a:rPr lang="pt-PT" i="1" u="sng" dirty="0"/>
-              <a:t>Remover nós </a:t>
-            </a:r>
-            <a:r>
-              <a:rPr lang="pt-PT" dirty="0"/>
-              <a:t>– </a:t>
-            </a:r>
-            <a:r>
-              <a:rPr lang="pt-PT" dirty="0" err="1"/>
-              <a:t>removeNode</a:t>
-            </a:r>
-            <a:r>
-              <a:rPr lang="pt-PT" dirty="0"/>
-              <a:t>(node)</a:t>
-            </a:r>
-          </a:p>
-          <a:p>
-            <a:pPr lvl="1"/>
-            <a:r>
-              <a:rPr lang="pt-PT" i="1" u="sng" dirty="0"/>
-              <a:t>Remover Arestas</a:t>
-            </a:r>
-            <a:r>
-              <a:rPr lang="pt-PT" dirty="0"/>
-              <a:t> - </a:t>
-            </a:r>
-            <a:r>
-              <a:rPr lang="pt-PT" dirty="0" err="1"/>
-              <a:t>removeEdge</a:t>
-            </a:r>
-            <a:r>
-              <a:rPr lang="pt-PT" dirty="0"/>
-              <a:t>(node1, node2)</a:t>
-            </a:r>
-          </a:p>
-          <a:p>
-            <a:r>
-              <a:rPr lang="pt-PT" dirty="0"/>
-              <a:t>Resultados</a:t>
-            </a:r>
-          </a:p>
-        </p:txBody>
-      </p:sp>
-      <p:pic>
-        <p:nvPicPr>
-          <p:cNvPr id="10" name="Imagem 9" descr="Uma imagem com texto, captura de ecrã, multimédia&#10;&#10;Descrição gerada automaticamente">
-            <a:extLst>
-              <a:ext uri="{FF2B5EF4-FFF2-40B4-BE49-F238E27FC236}">
-                <a16:creationId xmlns:a16="http://schemas.microsoft.com/office/drawing/2014/main" id="{3DFBDF99-2A45-E891-E546-E273C5246EAE}"/>
-              </a:ext>
-            </a:extLst>
-          </p:cNvPr>
-          <p:cNvPicPr>
-            <a:picLocks noChangeAspect="1"/>
-          </p:cNvPicPr>
-          <p:nvPr/>
-        </p:nvPicPr>
-        <p:blipFill>
-          <a:blip r:embed="rId2"/>
-          <a:stretch>
-            <a:fillRect/>
-          </a:stretch>
-        </p:blipFill>
-        <p:spPr>
-          <a:xfrm>
-            <a:off x="8696325" y="1328549"/>
-            <a:ext cx="2657475" cy="3724275"/>
-          </a:xfrm>
-          <a:prstGeom prst="rect">
-            <a:avLst/>
-          </a:prstGeom>
-        </p:spPr>
-      </p:pic>
-      <p:pic>
-        <p:nvPicPr>
-          <p:cNvPr id="11" name="Imagem 10" descr="Uma imagem com captura de ecrã, Tipo de letra, texto, tipografia&#10;&#10;Descrição gerada automaticamente">
-            <a:extLst>
-              <a:ext uri="{FF2B5EF4-FFF2-40B4-BE49-F238E27FC236}">
-                <a16:creationId xmlns:a16="http://schemas.microsoft.com/office/drawing/2014/main" id="{0E8C643D-B7E9-CAAC-3BFC-B6FE1627CED3}"/>
-              </a:ext>
-            </a:extLst>
-          </p:cNvPr>
-          <p:cNvPicPr>
-            <a:picLocks noChangeAspect="1"/>
-          </p:cNvPicPr>
-          <p:nvPr/>
-        </p:nvPicPr>
-        <p:blipFill>
-          <a:blip r:embed="rId3"/>
-          <a:stretch>
-            <a:fillRect/>
-          </a:stretch>
-        </p:blipFill>
-        <p:spPr>
-          <a:xfrm>
-            <a:off x="1222595" y="5003250"/>
-            <a:ext cx="1531435" cy="1054229"/>
-          </a:xfrm>
-          <a:prstGeom prst="rect">
-            <a:avLst/>
-          </a:prstGeom>
-        </p:spPr>
-      </p:pic>
-      <p:pic>
-        <p:nvPicPr>
-          <p:cNvPr id="5" name="Picture 2" descr="Plataformas – Politécnico de Santarém">
-            <a:extLst>
-              <a:ext uri="{FF2B5EF4-FFF2-40B4-BE49-F238E27FC236}">
-                <a16:creationId xmlns:a16="http://schemas.microsoft.com/office/drawing/2014/main" id="{32850FE6-54AB-C1DB-F968-DC04EB1B9579}"/>
-              </a:ext>
-            </a:extLst>
-          </p:cNvPr>
-          <p:cNvPicPr>
-            <a:picLocks noChangeAspect="1" noChangeArrowheads="1"/>
-          </p:cNvPicPr>
-          <p:nvPr/>
-        </p:nvPicPr>
-        <p:blipFill>
-          <a:blip r:embed="rId4">
-            <a:extLst>
-              <a:ext uri="{28A0092B-C50C-407E-A947-70E740481C1C}">
-                <a14:useLocalDpi xmlns:a14="http://schemas.microsoft.com/office/drawing/2010/main" val="0"/>
-              </a:ext>
-            </a:extLst>
-          </a:blip>
-          <a:srcRect/>
-          <a:stretch>
-            <a:fillRect/>
-          </a:stretch>
-        </p:blipFill>
-        <p:spPr bwMode="auto">
-          <a:xfrm>
-            <a:off x="10130829" y="-89380"/>
-            <a:ext cx="2235225" cy="639135"/>
-          </a:xfrm>
-          <a:prstGeom prst="rect">
-            <a:avLst/>
-          </a:prstGeom>
-          <a:noFill/>
-          <a:extLst>
-            <a:ext uri="{909E8E84-426E-40DD-AFC4-6F175D3DCCD1}">
-              <a14:hiddenFill xmlns:a14="http://schemas.microsoft.com/office/drawing/2010/main">
-                <a:solidFill>
-                  <a:srgbClr val="FFFFFF"/>
-                </a:solidFill>
-              </a14:hiddenFill>
-            </a:ext>
-          </a:extLst>
-        </p:spPr>
-      </p:pic>
-    </p:spTree>
-    <p:extLst>
-      <p:ext uri="{BB962C8B-B14F-4D97-AF65-F5344CB8AC3E}">
-        <p14:creationId xmlns:p14="http://schemas.microsoft.com/office/powerpoint/2010/main" val="324150415"/>
-      </p:ext>
-    </p:extLst>
-  </p:cSld>
-  <p:clrMapOvr>
-    <a:masterClrMapping/>
-  </p:clrMapOvr>
-</p:sld>
-</file>
-
-<file path=ppt/slides/slide5.xml><?xml version="1.0" encoding="utf-8"?>
-<p:sld xmlns:a="http://schemas.openxmlformats.org/drawingml/2006/main" xmlns:r="http://schemas.openxmlformats.org/officeDocument/2006/relationships" xmlns:p="http://schemas.openxmlformats.org/presentationml/2006/main">
-  <p:cSld>
-    <p:spTree>
-      <p:nvGrpSpPr>
-        <p:cNvPr id="1" name=""/>
-        <p:cNvGrpSpPr/>
-        <p:nvPr/>
-      </p:nvGrpSpPr>
-      <p:grpSpPr>
-        <a:xfrm>
-          <a:off x="0" y="0"/>
-          <a:ext cx="0" cy="0"/>
-          <a:chOff x="0" y="0"/>
-          <a:chExt cx="0" cy="0"/>
-        </a:xfrm>
-      </p:grpSpPr>
-      <p:sp>
-        <p:nvSpPr>
-          <p:cNvPr id="2" name="Título 1">
-            <a:extLst>
-              <a:ext uri="{FF2B5EF4-FFF2-40B4-BE49-F238E27FC236}">
-                <a16:creationId xmlns:a16="http://schemas.microsoft.com/office/drawing/2014/main" id="{DA9ACD67-9FBE-9CB2-524F-6B6659C35A45}"/>
-              </a:ext>
-            </a:extLst>
-          </p:cNvPr>
-          <p:cNvSpPr>
-            <a:spLocks noGrp="1"/>
-          </p:cNvSpPr>
-          <p:nvPr>
-            <p:ph type="title"/>
-          </p:nvPr>
-        </p:nvSpPr>
-        <p:spPr/>
-        <p:txBody>
-          <a:bodyPr/>
-          <a:lstStyle/>
-          <a:p>
-            <a:r>
-              <a:rPr lang="pt-PT" dirty="0"/>
-              <a:t>Software Desenvolvido</a:t>
-            </a:r>
-          </a:p>
-        </p:txBody>
-      </p:sp>
-      <p:sp>
-        <p:nvSpPr>
-          <p:cNvPr id="3" name="Marcador de Posição de Conteúdo 2">
-            <a:extLst>
-              <a:ext uri="{FF2B5EF4-FFF2-40B4-BE49-F238E27FC236}">
-                <a16:creationId xmlns:a16="http://schemas.microsoft.com/office/drawing/2014/main" id="{5FBACA95-0F5D-E3DC-64E5-DDD5A331C1B3}"/>
-              </a:ext>
-            </a:extLst>
-          </p:cNvPr>
-          <p:cNvSpPr>
-            <a:spLocks noGrp="1"/>
-          </p:cNvSpPr>
-          <p:nvPr>
-            <p:ph idx="1"/>
-          </p:nvPr>
-        </p:nvSpPr>
-        <p:spPr/>
-        <p:txBody>
-          <a:bodyPr/>
-          <a:lstStyle/>
-          <a:p>
-            <a:endParaRPr lang="pt-PT"/>
-          </a:p>
-        </p:txBody>
-      </p:sp>
-      <p:pic>
-        <p:nvPicPr>
-          <p:cNvPr id="5" name="Picture 2" descr="Plataformas – Politécnico de Santarém">
-            <a:extLst>
-              <a:ext uri="{FF2B5EF4-FFF2-40B4-BE49-F238E27FC236}">
-                <a16:creationId xmlns:a16="http://schemas.microsoft.com/office/drawing/2014/main" id="{686761FC-4AEE-8B12-2AB5-EBA873D26F88}"/>
-              </a:ext>
-            </a:extLst>
-          </p:cNvPr>
-          <p:cNvPicPr>
-            <a:picLocks noChangeAspect="1" noChangeArrowheads="1"/>
-          </p:cNvPicPr>
-          <p:nvPr/>
-        </p:nvPicPr>
-        <p:blipFill>
-          <a:blip r:embed="rId2">
-            <a:extLst>
-              <a:ext uri="{28A0092B-C50C-407E-A947-70E740481C1C}">
-                <a14:useLocalDpi xmlns:a14="http://schemas.microsoft.com/office/drawing/2010/main" val="0"/>
-              </a:ext>
-            </a:extLst>
-          </a:blip>
-          <a:srcRect/>
-          <a:stretch>
-            <a:fillRect/>
-          </a:stretch>
-        </p:blipFill>
-        <p:spPr bwMode="auto">
-          <a:xfrm>
-            <a:off x="10130829" y="-89380"/>
-            <a:ext cx="2235225" cy="639135"/>
-          </a:xfrm>
-          <a:prstGeom prst="rect">
-            <a:avLst/>
-          </a:prstGeom>
-          <a:noFill/>
-          <a:extLst>
-            <a:ext uri="{909E8E84-426E-40DD-AFC4-6F175D3DCCD1}">
-              <a14:hiddenFill xmlns:a14="http://schemas.microsoft.com/office/drawing/2010/main">
-                <a:solidFill>
-                  <a:srgbClr val="FFFFFF"/>
-                </a:solidFill>
-              </a14:hiddenFill>
-            </a:ext>
-          </a:extLst>
-        </p:spPr>
-      </p:pic>
-    </p:spTree>
-    <p:extLst>
-      <p:ext uri="{BB962C8B-B14F-4D97-AF65-F5344CB8AC3E}">
-        <p14:creationId xmlns:p14="http://schemas.microsoft.com/office/powerpoint/2010/main" val="2711065062"/>
-      </p:ext>
-    </p:extLst>
-  </p:cSld>
-  <p:clrMapOvr>
-    <a:masterClrMapping/>
-  </p:clrMapOvr>
-</p:sld>
-</file>
-
-<file path=ppt/slides/slide6.xml><?xml version="1.0" encoding="utf-8"?>
+<file path=ppt/slides/slide10.xml><?xml version="1.0" encoding="utf-8"?>
 <p:sld xmlns:a="http://schemas.openxmlformats.org/drawingml/2006/main" xmlns:r="http://schemas.openxmlformats.org/officeDocument/2006/relationships" xmlns:p="http://schemas.openxmlformats.org/presentationml/2006/main">
   <p:cSld>
     <p:spTree>
@@ -8559,7 +7283,7 @@
 </p:sld>
 </file>
 
-<file path=ppt/slides/slide7.xml><?xml version="1.0" encoding="utf-8"?>
+<file path=ppt/slides/slide11.xml><?xml version="1.0" encoding="utf-8"?>
 <p:sld xmlns:a="http://schemas.openxmlformats.org/drawingml/2006/main" xmlns:r="http://schemas.openxmlformats.org/officeDocument/2006/relationships" xmlns:p="http://schemas.openxmlformats.org/presentationml/2006/main">
   <p:cSld>
     <p:spTree>
@@ -9182,7 +7906,7 @@
 </p:sld>
 </file>
 
-<file path=ppt/slides/slide8.xml><?xml version="1.0" encoding="utf-8"?>
+<file path=ppt/slides/slide12.xml><?xml version="1.0" encoding="utf-8"?>
 <p:sld xmlns:a="http://schemas.openxmlformats.org/drawingml/2006/main" xmlns:r="http://schemas.openxmlformats.org/officeDocument/2006/relationships" xmlns:p="http://schemas.openxmlformats.org/presentationml/2006/main">
   <p:cSld>
     <p:bg>
@@ -9829,7 +8553,7 @@
 </p:sld>
 </file>
 
-<file path=ppt/slides/slide9.xml><?xml version="1.0" encoding="utf-8"?>
+<file path=ppt/slides/slide13.xml><?xml version="1.0" encoding="utf-8"?>
 <p:sld xmlns:a="http://schemas.openxmlformats.org/drawingml/2006/main" xmlns:r="http://schemas.openxmlformats.org/officeDocument/2006/relationships" xmlns:p="http://schemas.openxmlformats.org/presentationml/2006/main">
   <p:cSld>
     <p:spTree>
@@ -9926,6 +8650,4525 @@
     <p:extLst>
       <p:ext uri="{BB962C8B-B14F-4D97-AF65-F5344CB8AC3E}">
         <p14:creationId xmlns:p14="http://schemas.microsoft.com/office/powerpoint/2010/main" val="771768767"/>
+      </p:ext>
+    </p:extLst>
+  </p:cSld>
+  <p:clrMapOvr>
+    <a:masterClrMapping/>
+  </p:clrMapOvr>
+</p:sld>
+</file>
+
+<file path=ppt/slides/slide2.xml><?xml version="1.0" encoding="utf-8"?>
+<p:sld xmlns:a="http://schemas.openxmlformats.org/drawingml/2006/main" xmlns:r="http://schemas.openxmlformats.org/officeDocument/2006/relationships" xmlns:p="http://schemas.openxmlformats.org/presentationml/2006/main">
+  <p:cSld>
+    <p:spTree>
+      <p:nvGrpSpPr>
+        <p:cNvPr id="1" name=""/>
+        <p:cNvGrpSpPr/>
+        <p:nvPr/>
+      </p:nvGrpSpPr>
+      <p:grpSpPr>
+        <a:xfrm>
+          <a:off x="0" y="0"/>
+          <a:ext cx="0" cy="0"/>
+          <a:chOff x="0" y="0"/>
+          <a:chExt cx="0" cy="0"/>
+        </a:xfrm>
+      </p:grpSpPr>
+      <p:sp>
+        <p:nvSpPr>
+          <p:cNvPr id="2" name="Título 1">
+            <a:extLst>
+              <a:ext uri="{FF2B5EF4-FFF2-40B4-BE49-F238E27FC236}">
+                <a16:creationId xmlns:a16="http://schemas.microsoft.com/office/drawing/2014/main" id="{981436A6-4FC7-47F4-63E2-FE759C33CA9F}"/>
+              </a:ext>
+            </a:extLst>
+          </p:cNvPr>
+          <p:cNvSpPr>
+            <a:spLocks noGrp="1"/>
+          </p:cNvSpPr>
+          <p:nvPr>
+            <p:ph type="title"/>
+          </p:nvPr>
+        </p:nvSpPr>
+        <p:spPr/>
+        <p:txBody>
+          <a:bodyPr/>
+          <a:lstStyle/>
+          <a:p>
+            <a:r>
+              <a:rPr lang="pt-PT" dirty="0"/>
+              <a:t>Introdução</a:t>
+            </a:r>
+          </a:p>
+        </p:txBody>
+      </p:sp>
+      <p:sp>
+        <p:nvSpPr>
+          <p:cNvPr id="3" name="Marcador de Posição de Conteúdo 2">
+            <a:extLst>
+              <a:ext uri="{FF2B5EF4-FFF2-40B4-BE49-F238E27FC236}">
+                <a16:creationId xmlns:a16="http://schemas.microsoft.com/office/drawing/2014/main" id="{B555E9C3-1BA7-75C6-EAE6-BBBCF1A4EF06}"/>
+              </a:ext>
+            </a:extLst>
+          </p:cNvPr>
+          <p:cNvSpPr>
+            <a:spLocks noGrp="1"/>
+          </p:cNvSpPr>
+          <p:nvPr>
+            <p:ph idx="1"/>
+          </p:nvPr>
+        </p:nvSpPr>
+        <p:spPr/>
+        <p:txBody>
+          <a:bodyPr/>
+          <a:lstStyle/>
+          <a:p>
+            <a:r>
+              <a:rPr lang="pt-PT" dirty="0"/>
+              <a:t>Árvores</a:t>
+            </a:r>
+          </a:p>
+          <a:p>
+            <a:r>
+              <a:rPr lang="pt-PT" dirty="0"/>
+              <a:t>Grafos </a:t>
+            </a:r>
+          </a:p>
+          <a:p>
+            <a:r>
+              <a:rPr lang="pt-PT" dirty="0"/>
+              <a:t>Software Desenvolvido</a:t>
+            </a:r>
+          </a:p>
+          <a:p>
+            <a:r>
+              <a:rPr lang="pt-PT" dirty="0"/>
+              <a:t>Criação de uma nova estrutura de dados</a:t>
+            </a:r>
+          </a:p>
+        </p:txBody>
+      </p:sp>
+      <p:pic>
+        <p:nvPicPr>
+          <p:cNvPr id="7" name="Picture 2" descr="Plataformas – Politécnico de Santarém">
+            <a:extLst>
+              <a:ext uri="{FF2B5EF4-FFF2-40B4-BE49-F238E27FC236}">
+                <a16:creationId xmlns:a16="http://schemas.microsoft.com/office/drawing/2014/main" id="{6077B84F-D46A-617D-ECB2-2375C6730986}"/>
+              </a:ext>
+            </a:extLst>
+          </p:cNvPr>
+          <p:cNvPicPr>
+            <a:picLocks noChangeAspect="1" noChangeArrowheads="1"/>
+          </p:cNvPicPr>
+          <p:nvPr/>
+        </p:nvPicPr>
+        <p:blipFill>
+          <a:blip r:embed="rId2">
+            <a:extLst>
+              <a:ext uri="{28A0092B-C50C-407E-A947-70E740481C1C}">
+                <a14:useLocalDpi xmlns:a14="http://schemas.microsoft.com/office/drawing/2010/main" val="0"/>
+              </a:ext>
+            </a:extLst>
+          </a:blip>
+          <a:srcRect/>
+          <a:stretch>
+            <a:fillRect/>
+          </a:stretch>
+        </p:blipFill>
+        <p:spPr bwMode="auto">
+          <a:xfrm>
+            <a:off x="10130829" y="-89380"/>
+            <a:ext cx="2235225" cy="639135"/>
+          </a:xfrm>
+          <a:prstGeom prst="rect">
+            <a:avLst/>
+          </a:prstGeom>
+          <a:noFill/>
+          <a:extLst>
+            <a:ext uri="{909E8E84-426E-40DD-AFC4-6F175D3DCCD1}">
+              <a14:hiddenFill xmlns:a14="http://schemas.microsoft.com/office/drawing/2010/main">
+                <a:solidFill>
+                  <a:srgbClr val="FFFFFF"/>
+                </a:solidFill>
+              </a14:hiddenFill>
+            </a:ext>
+          </a:extLst>
+        </p:spPr>
+      </p:pic>
+    </p:spTree>
+    <p:extLst>
+      <p:ext uri="{BB962C8B-B14F-4D97-AF65-F5344CB8AC3E}">
+        <p14:creationId xmlns:p14="http://schemas.microsoft.com/office/powerpoint/2010/main" val="1126141627"/>
+      </p:ext>
+    </p:extLst>
+  </p:cSld>
+  <p:clrMapOvr>
+    <a:masterClrMapping/>
+  </p:clrMapOvr>
+</p:sld>
+</file>
+
+<file path=ppt/slides/slide3.xml><?xml version="1.0" encoding="utf-8"?>
+<p:sld xmlns:a="http://schemas.openxmlformats.org/drawingml/2006/main" xmlns:r="http://schemas.openxmlformats.org/officeDocument/2006/relationships" xmlns:p="http://schemas.openxmlformats.org/presentationml/2006/main">
+  <p:cSld>
+    <p:spTree>
+      <p:nvGrpSpPr>
+        <p:cNvPr id="1" name=""/>
+        <p:cNvGrpSpPr/>
+        <p:nvPr/>
+      </p:nvGrpSpPr>
+      <p:grpSpPr>
+        <a:xfrm>
+          <a:off x="0" y="0"/>
+          <a:ext cx="0" cy="0"/>
+          <a:chOff x="0" y="0"/>
+          <a:chExt cx="0" cy="0"/>
+        </a:xfrm>
+      </p:grpSpPr>
+      <p:sp>
+        <p:nvSpPr>
+          <p:cNvPr id="2" name="Título 1">
+            <a:extLst>
+              <a:ext uri="{FF2B5EF4-FFF2-40B4-BE49-F238E27FC236}">
+                <a16:creationId xmlns:a16="http://schemas.microsoft.com/office/drawing/2014/main" id="{DBB439D4-1B8A-E107-3475-50EA2E1691B1}"/>
+              </a:ext>
+            </a:extLst>
+          </p:cNvPr>
+          <p:cNvSpPr>
+            <a:spLocks noGrp="1"/>
+          </p:cNvSpPr>
+          <p:nvPr>
+            <p:ph type="title"/>
+          </p:nvPr>
+        </p:nvSpPr>
+        <p:spPr/>
+        <p:txBody>
+          <a:bodyPr/>
+          <a:lstStyle/>
+          <a:p>
+            <a:r>
+              <a:rPr lang="pt-PT" dirty="0">
+                <a:latin typeface="Arial" panose="020B0604020202020204" pitchFamily="34" charset="0"/>
+                <a:cs typeface="Arial" panose="020B0604020202020204" pitchFamily="34" charset="0"/>
+              </a:rPr>
+              <a:t>Árvores</a:t>
+            </a:r>
+          </a:p>
+        </p:txBody>
+      </p:sp>
+      <p:sp>
+        <p:nvSpPr>
+          <p:cNvPr id="3" name="Marcador de Posição de Conteúdo 2">
+            <a:extLst>
+              <a:ext uri="{FF2B5EF4-FFF2-40B4-BE49-F238E27FC236}">
+                <a16:creationId xmlns:a16="http://schemas.microsoft.com/office/drawing/2014/main" id="{A7748989-46CF-2C6B-0ABC-D9BDD013155C}"/>
+              </a:ext>
+            </a:extLst>
+          </p:cNvPr>
+          <p:cNvSpPr>
+            <a:spLocks noGrp="1"/>
+          </p:cNvSpPr>
+          <p:nvPr>
+            <p:ph idx="1"/>
+          </p:nvPr>
+        </p:nvSpPr>
+        <p:spPr>
+          <a:xfrm>
+            <a:off x="838200" y="1825625"/>
+            <a:ext cx="10515600" cy="845147"/>
+          </a:xfrm>
+        </p:spPr>
+        <p:txBody>
+          <a:bodyPr/>
+          <a:lstStyle/>
+          <a:p>
+            <a:r>
+              <a:rPr lang="pt-PT" b="1" dirty="0"/>
+              <a:t>Descrição:</a:t>
+            </a:r>
+          </a:p>
+          <a:p>
+            <a:pPr lvl="1"/>
+            <a:r>
+              <a:rPr lang="pt-PT" dirty="0"/>
+              <a:t>Implementa uma Árvore Binária</a:t>
+            </a:r>
+          </a:p>
+        </p:txBody>
+      </p:sp>
+      <p:sp>
+        <p:nvSpPr>
+          <p:cNvPr id="4" name="Rectangle 1">
+            <a:extLst>
+              <a:ext uri="{FF2B5EF4-FFF2-40B4-BE49-F238E27FC236}">
+                <a16:creationId xmlns:a16="http://schemas.microsoft.com/office/drawing/2014/main" id="{5668F6EF-389A-8ACE-256D-2F3399D72371}"/>
+              </a:ext>
+            </a:extLst>
+          </p:cNvPr>
+          <p:cNvSpPr>
+            <a:spLocks noChangeArrowheads="1"/>
+          </p:cNvSpPr>
+          <p:nvPr/>
+        </p:nvSpPr>
+        <p:spPr bwMode="auto">
+          <a:xfrm>
+            <a:off x="838200" y="2600206"/>
+            <a:ext cx="7536255" cy="4001095"/>
+          </a:xfrm>
+          <a:prstGeom prst="rect">
+            <a:avLst/>
+          </a:prstGeom>
+          <a:noFill/>
+          <a:ln>
+            <a:noFill/>
+          </a:ln>
+          <a:effectLst/>
+          <a:extLst>
+            <a:ext uri="{909E8E84-426E-40DD-AFC4-6F175D3DCCD1}">
+              <a14:hiddenFill xmlns:a14="http://schemas.microsoft.com/office/drawing/2010/main">
+                <a:solidFill>
+                  <a:schemeClr val="accent1"/>
+                </a:solidFill>
+              </a14:hiddenFill>
+            </a:ext>
+            <a:ext uri="{91240B29-F687-4F45-9708-019B960494DF}">
+              <a14:hiddenLine xmlns:a14="http://schemas.microsoft.com/office/drawing/2010/main" w="9525">
+                <a:solidFill>
+                  <a:schemeClr val="tx1"/>
+                </a:solidFill>
+                <a:miter lim="800000"/>
+                <a:headEnd/>
+                <a:tailEnd/>
+              </a14:hiddenLine>
+            </a:ext>
+            <a:ext uri="{AF507438-7753-43E0-B8FC-AC1667EBCBE1}">
+              <a14:hiddenEffects xmlns:a14="http://schemas.microsoft.com/office/drawing/2010/main">
+                <a:effectLst>
+                  <a:outerShdw dist="35921" dir="2700000" algn="ctr" rotWithShape="0">
+                    <a:schemeClr val="bg2"/>
+                  </a:outerShdw>
+                </a:effectLst>
+              </a14:hiddenEffects>
+            </a:ext>
+          </a:extLst>
+        </p:spPr>
+        <p:txBody>
+          <a:bodyPr vert="horz" wrap="square" lIns="91440" tIns="45720" rIns="91440" bIns="45720" numCol="1" anchor="ctr" anchorCtr="0" compatLnSpc="1">
+            <a:prstTxWarp prst="textNoShape">
+              <a:avLst/>
+            </a:prstTxWarp>
+            <a:spAutoFit/>
+          </a:bodyPr>
+          <a:lstStyle/>
+          <a:p>
+            <a:pPr marL="342900" indent="-342900">
+              <a:buFont typeface="Arial" panose="020B0604020202020204" pitchFamily="34" charset="0"/>
+              <a:buChar char="•"/>
+            </a:pPr>
+            <a:r>
+              <a:rPr lang="pt-PT" sz="2400" b="1" dirty="0">
+                <a:latin typeface="Century Gothic (corpo)"/>
+              </a:rPr>
+              <a:t>Funcionalidades Principais:</a:t>
+            </a:r>
+          </a:p>
+          <a:p>
+            <a:pPr lvl="1" eaLnBrk="0" fontAlgn="base" hangingPunct="0">
+              <a:spcBef>
+                <a:spcPct val="0"/>
+              </a:spcBef>
+              <a:spcAft>
+                <a:spcPct val="0"/>
+              </a:spcAft>
+              <a:buFontTx/>
+              <a:buChar char="•"/>
+            </a:pPr>
+            <a:r>
+              <a:rPr kumimoji="0" lang="pt-PT" altLang="pt-PT" sz="2000" b="1" i="0" u="none" strike="noStrike" cap="none" normalizeH="0" baseline="0" dirty="0">
+                <a:ln>
+                  <a:noFill/>
+                </a:ln>
+                <a:solidFill>
+                  <a:schemeClr val="tx1"/>
+                </a:solidFill>
+                <a:effectLst/>
+                <a:latin typeface="Century Gothic (corpo)"/>
+                <a:cs typeface="Arial" panose="020B0604020202020204" pitchFamily="34" charset="0"/>
+              </a:rPr>
+              <a:t>Inserção</a:t>
+            </a:r>
+            <a:r>
+              <a:rPr kumimoji="0" lang="pt-PT" altLang="pt-PT" sz="800" b="1" i="0" u="none" strike="noStrike" cap="none" normalizeH="0" baseline="0" dirty="0">
+                <a:ln>
+                  <a:noFill/>
+                </a:ln>
+                <a:solidFill>
+                  <a:schemeClr val="tx1"/>
+                </a:solidFill>
+                <a:effectLst/>
+                <a:latin typeface="Century Gothic (corpo)"/>
+                <a:cs typeface="Arial" panose="020B0604020202020204" pitchFamily="34" charset="0"/>
+              </a:rPr>
+              <a:t>:</a:t>
+            </a:r>
+            <a:r>
+              <a:rPr kumimoji="0" lang="pt-PT" altLang="pt-PT" b="0" i="0" u="none" strike="noStrike" cap="none" normalizeH="0" baseline="0" dirty="0">
+                <a:ln>
+                  <a:noFill/>
+                </a:ln>
+                <a:solidFill>
+                  <a:schemeClr val="tx1"/>
+                </a:solidFill>
+                <a:effectLst/>
+                <a:latin typeface="Century Gothic (corpo)"/>
+                <a:cs typeface="Arial" panose="020B0604020202020204" pitchFamily="34" charset="0"/>
+              </a:rPr>
+              <a:t> </a:t>
+            </a:r>
+            <a:r>
+              <a:rPr kumimoji="0" lang="pt-PT" altLang="pt-PT" b="0" i="0" u="none" strike="noStrike" cap="none" normalizeH="0" baseline="0" dirty="0" err="1">
+                <a:ln>
+                  <a:noFill/>
+                </a:ln>
+                <a:solidFill>
+                  <a:schemeClr val="tx1"/>
+                </a:solidFill>
+                <a:effectLst/>
+                <a:latin typeface="Century Gothic (corpo)"/>
+                <a:cs typeface="Arial" panose="020B0604020202020204" pitchFamily="34" charset="0"/>
+              </a:rPr>
+              <a:t>insert</a:t>
+            </a:r>
+            <a:r>
+              <a:rPr kumimoji="0" lang="pt-PT" altLang="pt-PT" b="0" i="0" u="none" strike="noStrike" cap="none" normalizeH="0" baseline="0" dirty="0">
+                <a:ln>
+                  <a:noFill/>
+                </a:ln>
+                <a:solidFill>
+                  <a:schemeClr val="tx1"/>
+                </a:solidFill>
+                <a:effectLst/>
+                <a:latin typeface="Century Gothic (corpo)"/>
+                <a:cs typeface="Arial" panose="020B0604020202020204" pitchFamily="34" charset="0"/>
+              </a:rPr>
+              <a:t>(</a:t>
+            </a:r>
+            <a:r>
+              <a:rPr kumimoji="0" lang="pt-PT" altLang="pt-PT" b="0" i="0" u="none" strike="noStrike" cap="none" normalizeH="0" baseline="0" dirty="0" err="1">
+                <a:ln>
+                  <a:noFill/>
+                </a:ln>
+                <a:solidFill>
+                  <a:schemeClr val="tx1"/>
+                </a:solidFill>
+                <a:effectLst/>
+                <a:latin typeface="Century Gothic (corpo)"/>
+                <a:cs typeface="Arial" panose="020B0604020202020204" pitchFamily="34" charset="0"/>
+              </a:rPr>
+              <a:t>value</a:t>
+            </a:r>
+            <a:r>
+              <a:rPr kumimoji="0" lang="pt-PT" altLang="pt-PT" b="0" i="0" u="none" strike="noStrike" cap="none" normalizeH="0" baseline="0" dirty="0">
+                <a:ln>
+                  <a:noFill/>
+                </a:ln>
+                <a:solidFill>
+                  <a:schemeClr val="tx1"/>
+                </a:solidFill>
+                <a:effectLst/>
+                <a:latin typeface="Century Gothic (corpo)"/>
+                <a:cs typeface="Arial" panose="020B0604020202020204" pitchFamily="34" charset="0"/>
+              </a:rPr>
+              <a:t>) - Adiciona nós com base nos valores fornecidos.</a:t>
+            </a:r>
+          </a:p>
+          <a:p>
+            <a:pPr lvl="1" eaLnBrk="0" fontAlgn="base" hangingPunct="0">
+              <a:spcBef>
+                <a:spcPct val="0"/>
+              </a:spcBef>
+              <a:spcAft>
+                <a:spcPct val="0"/>
+              </a:spcAft>
+              <a:buFontTx/>
+              <a:buChar char="•"/>
+            </a:pPr>
+            <a:r>
+              <a:rPr kumimoji="0" lang="pt-PT" altLang="pt-PT" b="1" i="0" u="none" strike="noStrike" cap="none" normalizeH="0" baseline="0" dirty="0">
+                <a:ln>
+                  <a:noFill/>
+                </a:ln>
+                <a:solidFill>
+                  <a:schemeClr val="tx1"/>
+                </a:solidFill>
+                <a:effectLst/>
+                <a:latin typeface="Century Gothic (corpo)"/>
+                <a:cs typeface="Arial" panose="020B0604020202020204" pitchFamily="34" charset="0"/>
+              </a:rPr>
+              <a:t>Remoção:</a:t>
+            </a:r>
+            <a:r>
+              <a:rPr kumimoji="0" lang="pt-PT" altLang="pt-PT" b="0" i="0" u="none" strike="noStrike" cap="none" normalizeH="0" baseline="0" dirty="0">
+                <a:ln>
+                  <a:noFill/>
+                </a:ln>
+                <a:solidFill>
+                  <a:schemeClr val="tx1"/>
+                </a:solidFill>
+                <a:effectLst/>
+                <a:latin typeface="Century Gothic (corpo)"/>
+                <a:cs typeface="Arial" panose="020B0604020202020204" pitchFamily="34" charset="0"/>
+              </a:rPr>
+              <a:t> remove(node) - Elimina um nó e ajusta a estrutura da árvore.</a:t>
+            </a:r>
+          </a:p>
+          <a:p>
+            <a:pPr lvl="1" eaLnBrk="0" fontAlgn="base" hangingPunct="0">
+              <a:spcBef>
+                <a:spcPct val="0"/>
+              </a:spcBef>
+              <a:spcAft>
+                <a:spcPct val="0"/>
+              </a:spcAft>
+            </a:pPr>
+            <a:endParaRPr kumimoji="0" lang="pt-PT" altLang="pt-PT" b="0" i="0" u="none" strike="noStrike" cap="none" normalizeH="0" baseline="0" dirty="0">
+              <a:ln>
+                <a:noFill/>
+              </a:ln>
+              <a:solidFill>
+                <a:schemeClr val="tx1"/>
+              </a:solidFill>
+              <a:effectLst/>
+              <a:latin typeface="Century Gothic (corpo)"/>
+              <a:cs typeface="Arial" panose="020B0604020202020204" pitchFamily="34" charset="0"/>
+            </a:endParaRPr>
+          </a:p>
+          <a:p>
+            <a:pPr lvl="1" eaLnBrk="0" fontAlgn="base" hangingPunct="0">
+              <a:spcBef>
+                <a:spcPct val="0"/>
+              </a:spcBef>
+              <a:spcAft>
+                <a:spcPct val="0"/>
+              </a:spcAft>
+              <a:buFontTx/>
+              <a:buChar char="•"/>
+            </a:pPr>
+            <a:r>
+              <a:rPr kumimoji="0" lang="pt-PT" altLang="pt-PT" b="1" i="0" u="none" strike="noStrike" cap="none" normalizeH="0" baseline="0" dirty="0">
+                <a:ln>
+                  <a:noFill/>
+                </a:ln>
+                <a:solidFill>
+                  <a:schemeClr val="tx1"/>
+                </a:solidFill>
+                <a:effectLst/>
+                <a:latin typeface="Century Gothic (corpo)"/>
+                <a:cs typeface="Arial" panose="020B0604020202020204" pitchFamily="34" charset="0"/>
+              </a:rPr>
+              <a:t>Exibição em Ordem:</a:t>
+            </a:r>
+            <a:r>
+              <a:rPr kumimoji="0" lang="pt-PT" altLang="pt-PT" b="0" i="0" u="none" strike="noStrike" cap="none" normalizeH="0" baseline="0" dirty="0">
+                <a:ln>
+                  <a:noFill/>
+                </a:ln>
+                <a:solidFill>
+                  <a:schemeClr val="tx1"/>
+                </a:solidFill>
+                <a:effectLst/>
+                <a:latin typeface="Century Gothic (corpo)"/>
+                <a:cs typeface="Arial" panose="020B0604020202020204" pitchFamily="34" charset="0"/>
+              </a:rPr>
+              <a:t> </a:t>
+            </a:r>
+            <a:r>
+              <a:rPr kumimoji="0" lang="pt-PT" altLang="pt-PT" b="0" i="0" u="none" strike="noStrike" cap="none" normalizeH="0" baseline="0" dirty="0" err="1">
+                <a:ln>
+                  <a:noFill/>
+                </a:ln>
+                <a:solidFill>
+                  <a:schemeClr val="tx1"/>
+                </a:solidFill>
+                <a:effectLst/>
+                <a:latin typeface="Century Gothic (corpo)"/>
+                <a:cs typeface="Arial" panose="020B0604020202020204" pitchFamily="34" charset="0"/>
+              </a:rPr>
+              <a:t>displayInOrder</a:t>
+            </a:r>
+            <a:r>
+              <a:rPr kumimoji="0" lang="pt-PT" altLang="pt-PT" b="0" i="0" u="none" strike="noStrike" cap="none" normalizeH="0" baseline="0" dirty="0">
+                <a:ln>
+                  <a:noFill/>
+                </a:ln>
+                <a:solidFill>
+                  <a:schemeClr val="tx1"/>
+                </a:solidFill>
+                <a:effectLst/>
+                <a:latin typeface="Century Gothic (corpo)"/>
+                <a:cs typeface="Arial" panose="020B0604020202020204" pitchFamily="34" charset="0"/>
+              </a:rPr>
+              <a:t>() - Mostra os valores organizados</a:t>
+            </a:r>
+            <a:r>
+              <a:rPr lang="pt-PT" altLang="pt-PT" sz="1200" dirty="0">
+                <a:latin typeface="Century Gothic (corpo)"/>
+                <a:cs typeface="Arial" panose="020B0604020202020204" pitchFamily="34" charset="0"/>
+              </a:rPr>
+              <a:t>.</a:t>
+            </a:r>
+          </a:p>
+          <a:p>
+            <a:pPr lvl="1" eaLnBrk="0" fontAlgn="base" hangingPunct="0">
+              <a:spcBef>
+                <a:spcPct val="0"/>
+              </a:spcBef>
+              <a:spcAft>
+                <a:spcPct val="0"/>
+              </a:spcAft>
+            </a:pPr>
+            <a:endParaRPr kumimoji="0" lang="pt-PT" altLang="pt-PT" sz="1200" b="0" i="0" u="none" strike="noStrike" cap="none" normalizeH="0" baseline="0" dirty="0">
+              <a:ln>
+                <a:noFill/>
+              </a:ln>
+              <a:solidFill>
+                <a:schemeClr val="tx1"/>
+              </a:solidFill>
+              <a:effectLst/>
+              <a:latin typeface="Century Gothic (corpo)"/>
+              <a:cs typeface="Arial" panose="020B0604020202020204" pitchFamily="34" charset="0"/>
+            </a:endParaRPr>
+          </a:p>
+          <a:p>
+            <a:pPr lvl="1" eaLnBrk="0" fontAlgn="base" hangingPunct="0">
+              <a:spcBef>
+                <a:spcPct val="0"/>
+              </a:spcBef>
+              <a:spcAft>
+                <a:spcPct val="0"/>
+              </a:spcAft>
+              <a:buFontTx/>
+              <a:buChar char="•"/>
+            </a:pPr>
+            <a:r>
+              <a:rPr kumimoji="0" lang="pt-PT" altLang="pt-PT" b="1" i="0" u="none" strike="noStrike" cap="none" normalizeH="0" baseline="0" dirty="0">
+                <a:ln>
+                  <a:noFill/>
+                </a:ln>
+                <a:solidFill>
+                  <a:schemeClr val="tx1"/>
+                </a:solidFill>
+                <a:effectLst/>
+                <a:latin typeface="Century Gothic (corpo)"/>
+                <a:cs typeface="Arial" panose="020B0604020202020204" pitchFamily="34" charset="0"/>
+              </a:rPr>
+              <a:t>Ordem de Inserção:</a:t>
+            </a:r>
+            <a:r>
+              <a:rPr kumimoji="0" lang="pt-PT" altLang="pt-PT" b="0" i="0" u="none" strike="noStrike" cap="none" normalizeH="0" baseline="0" dirty="0">
+                <a:ln>
+                  <a:noFill/>
+                </a:ln>
+                <a:solidFill>
+                  <a:schemeClr val="tx1"/>
+                </a:solidFill>
+                <a:effectLst/>
+                <a:latin typeface="Century Gothic (corpo)"/>
+                <a:cs typeface="Arial" panose="020B0604020202020204" pitchFamily="34" charset="0"/>
+              </a:rPr>
+              <a:t> </a:t>
+            </a:r>
+            <a:r>
+              <a:rPr kumimoji="0" lang="pt-PT" altLang="pt-PT" b="0" i="0" u="none" strike="noStrike" cap="none" normalizeH="0" baseline="0" dirty="0" err="1">
+                <a:ln>
+                  <a:noFill/>
+                </a:ln>
+                <a:solidFill>
+                  <a:schemeClr val="tx1"/>
+                </a:solidFill>
+                <a:effectLst/>
+                <a:latin typeface="Century Gothic (corpo)"/>
+                <a:cs typeface="Arial" panose="020B0604020202020204" pitchFamily="34" charset="0"/>
+              </a:rPr>
+              <a:t>showInsertionOrder</a:t>
+            </a:r>
+            <a:r>
+              <a:rPr kumimoji="0" lang="pt-PT" altLang="pt-PT" b="0" i="0" u="none" strike="noStrike" cap="none" normalizeH="0" baseline="0" dirty="0">
+                <a:ln>
+                  <a:noFill/>
+                </a:ln>
+                <a:solidFill>
+                  <a:schemeClr val="tx1"/>
+                </a:solidFill>
+                <a:effectLst/>
+                <a:latin typeface="Century Gothic (corpo)"/>
+                <a:cs typeface="Arial" panose="020B0604020202020204" pitchFamily="34" charset="0"/>
+              </a:rPr>
+              <a:t>() - Lista os valores na sequência de inserção.</a:t>
+            </a:r>
+          </a:p>
+          <a:p>
+            <a:pPr lvl="1" eaLnBrk="0" fontAlgn="base" hangingPunct="0">
+              <a:spcBef>
+                <a:spcPct val="0"/>
+              </a:spcBef>
+              <a:spcAft>
+                <a:spcPct val="0"/>
+              </a:spcAft>
+            </a:pPr>
+            <a:endParaRPr kumimoji="0" lang="pt-PT" altLang="pt-PT" b="0" i="0" u="none" strike="noStrike" cap="none" normalizeH="0" baseline="0" dirty="0">
+              <a:ln>
+                <a:noFill/>
+              </a:ln>
+              <a:solidFill>
+                <a:schemeClr val="tx1"/>
+              </a:solidFill>
+              <a:effectLst/>
+              <a:latin typeface="Century Gothic (corpo)"/>
+              <a:cs typeface="Arial" panose="020B0604020202020204" pitchFamily="34" charset="0"/>
+            </a:endParaRPr>
+          </a:p>
+          <a:p>
+            <a:pPr lvl="1" eaLnBrk="0" fontAlgn="base" hangingPunct="0">
+              <a:spcBef>
+                <a:spcPct val="0"/>
+              </a:spcBef>
+              <a:spcAft>
+                <a:spcPct val="0"/>
+              </a:spcAft>
+              <a:buFontTx/>
+              <a:buChar char="•"/>
+            </a:pPr>
+            <a:r>
+              <a:rPr kumimoji="0" lang="pt-PT" altLang="pt-PT" b="1" i="0" u="none" strike="noStrike" cap="none" normalizeH="0" baseline="0" dirty="0">
+                <a:ln>
+                  <a:noFill/>
+                </a:ln>
+                <a:solidFill>
+                  <a:schemeClr val="tx1"/>
+                </a:solidFill>
+                <a:effectLst/>
+                <a:latin typeface="Century Gothic (corpo)"/>
+                <a:cs typeface="Arial" panose="020B0604020202020204" pitchFamily="34" charset="0"/>
+              </a:rPr>
+              <a:t>Resultados</a:t>
+            </a:r>
+            <a:endParaRPr kumimoji="0" lang="pt-PT" altLang="pt-PT" b="0" i="0" u="none" strike="noStrike" cap="none" normalizeH="0" baseline="0" dirty="0">
+              <a:ln>
+                <a:noFill/>
+              </a:ln>
+              <a:solidFill>
+                <a:schemeClr val="tx1"/>
+              </a:solidFill>
+              <a:effectLst/>
+              <a:latin typeface="Century Gothic (corpo)"/>
+              <a:cs typeface="Arial" panose="020B0604020202020204" pitchFamily="34" charset="0"/>
+            </a:endParaRPr>
+          </a:p>
+          <a:p>
+            <a:pPr marL="0" marR="0" lvl="0" indent="0" algn="l" defTabSz="914400" rtl="0" eaLnBrk="0" fontAlgn="base" latinLnBrk="0" hangingPunct="0">
+              <a:lnSpc>
+                <a:spcPct val="100000"/>
+              </a:lnSpc>
+              <a:spcBef>
+                <a:spcPct val="0"/>
+              </a:spcBef>
+              <a:spcAft>
+                <a:spcPct val="0"/>
+              </a:spcAft>
+              <a:buClrTx/>
+              <a:buSzTx/>
+              <a:buFontTx/>
+              <a:buNone/>
+              <a:tabLst/>
+            </a:pPr>
+            <a:endParaRPr kumimoji="0" lang="pt-PT" altLang="pt-PT" sz="1800" b="0" i="0" u="none" strike="noStrike" cap="none" normalizeH="0" baseline="0" dirty="0">
+              <a:ln>
+                <a:noFill/>
+              </a:ln>
+              <a:solidFill>
+                <a:schemeClr val="tx1"/>
+              </a:solidFill>
+              <a:effectLst/>
+              <a:latin typeface="Arial" panose="020B0604020202020204" pitchFamily="34" charset="0"/>
+            </a:endParaRPr>
+          </a:p>
+        </p:txBody>
+      </p:sp>
+      <p:pic>
+        <p:nvPicPr>
+          <p:cNvPr id="5" name="Imagem 4" descr="Uma imagem com texto, Tipo de letra, captura de ecrã&#10;&#10;Descrição gerada automaticamente">
+            <a:extLst>
+              <a:ext uri="{FF2B5EF4-FFF2-40B4-BE49-F238E27FC236}">
+                <a16:creationId xmlns:a16="http://schemas.microsoft.com/office/drawing/2014/main" id="{2B9D0C46-035F-D2CC-F9CD-01833E7503FC}"/>
+              </a:ext>
+            </a:extLst>
+          </p:cNvPr>
+          <p:cNvPicPr>
+            <a:picLocks noChangeAspect="1"/>
+          </p:cNvPicPr>
+          <p:nvPr/>
+        </p:nvPicPr>
+        <p:blipFill>
+          <a:blip r:embed="rId2"/>
+          <a:stretch>
+            <a:fillRect/>
+          </a:stretch>
+        </p:blipFill>
+        <p:spPr>
+          <a:xfrm>
+            <a:off x="3032911" y="5803272"/>
+            <a:ext cx="2015434" cy="950676"/>
+          </a:xfrm>
+          <a:prstGeom prst="rect">
+            <a:avLst/>
+          </a:prstGeom>
+        </p:spPr>
+      </p:pic>
+      <p:pic>
+        <p:nvPicPr>
+          <p:cNvPr id="7" name="Imagem 6">
+            <a:extLst>
+              <a:ext uri="{FF2B5EF4-FFF2-40B4-BE49-F238E27FC236}">
+                <a16:creationId xmlns:a16="http://schemas.microsoft.com/office/drawing/2014/main" id="{06157F88-A515-9A0E-EC52-AF4B365E918E}"/>
+              </a:ext>
+            </a:extLst>
+          </p:cNvPr>
+          <p:cNvPicPr>
+            <a:picLocks noChangeAspect="1"/>
+          </p:cNvPicPr>
+          <p:nvPr/>
+        </p:nvPicPr>
+        <p:blipFill>
+          <a:blip r:embed="rId3"/>
+          <a:stretch>
+            <a:fillRect/>
+          </a:stretch>
+        </p:blipFill>
+        <p:spPr>
+          <a:xfrm>
+            <a:off x="8674771" y="2600206"/>
+            <a:ext cx="2679029" cy="2509040"/>
+          </a:xfrm>
+          <a:prstGeom prst="rect">
+            <a:avLst/>
+          </a:prstGeom>
+        </p:spPr>
+      </p:pic>
+      <p:pic>
+        <p:nvPicPr>
+          <p:cNvPr id="8" name="Picture 2" descr="Plataformas – Politécnico de Santarém">
+            <a:extLst>
+              <a:ext uri="{FF2B5EF4-FFF2-40B4-BE49-F238E27FC236}">
+                <a16:creationId xmlns:a16="http://schemas.microsoft.com/office/drawing/2014/main" id="{765684FE-7CF0-DDB0-BF5F-EAFFD99ADC9D}"/>
+              </a:ext>
+            </a:extLst>
+          </p:cNvPr>
+          <p:cNvPicPr>
+            <a:picLocks noChangeAspect="1" noChangeArrowheads="1"/>
+          </p:cNvPicPr>
+          <p:nvPr/>
+        </p:nvPicPr>
+        <p:blipFill>
+          <a:blip r:embed="rId4">
+            <a:extLst>
+              <a:ext uri="{28A0092B-C50C-407E-A947-70E740481C1C}">
+                <a14:useLocalDpi xmlns:a14="http://schemas.microsoft.com/office/drawing/2010/main" val="0"/>
+              </a:ext>
+            </a:extLst>
+          </a:blip>
+          <a:srcRect/>
+          <a:stretch>
+            <a:fillRect/>
+          </a:stretch>
+        </p:blipFill>
+        <p:spPr bwMode="auto">
+          <a:xfrm>
+            <a:off x="10130829" y="-89380"/>
+            <a:ext cx="2235225" cy="639135"/>
+          </a:xfrm>
+          <a:prstGeom prst="rect">
+            <a:avLst/>
+          </a:prstGeom>
+          <a:noFill/>
+          <a:extLst>
+            <a:ext uri="{909E8E84-426E-40DD-AFC4-6F175D3DCCD1}">
+              <a14:hiddenFill xmlns:a14="http://schemas.microsoft.com/office/drawing/2010/main">
+                <a:solidFill>
+                  <a:srgbClr val="FFFFFF"/>
+                </a:solidFill>
+              </a14:hiddenFill>
+            </a:ext>
+          </a:extLst>
+        </p:spPr>
+      </p:pic>
+    </p:spTree>
+    <p:extLst>
+      <p:ext uri="{BB962C8B-B14F-4D97-AF65-F5344CB8AC3E}">
+        <p14:creationId xmlns:p14="http://schemas.microsoft.com/office/powerpoint/2010/main" val="3707420379"/>
+      </p:ext>
+    </p:extLst>
+  </p:cSld>
+  <p:clrMapOvr>
+    <a:masterClrMapping/>
+  </p:clrMapOvr>
+</p:sld>
+</file>
+
+<file path=ppt/slides/slide4.xml><?xml version="1.0" encoding="utf-8"?>
+<p:sld xmlns:a="http://schemas.openxmlformats.org/drawingml/2006/main" xmlns:r="http://schemas.openxmlformats.org/officeDocument/2006/relationships" xmlns:p="http://schemas.openxmlformats.org/presentationml/2006/main">
+  <p:cSld>
+    <p:spTree>
+      <p:nvGrpSpPr>
+        <p:cNvPr id="1" name=""/>
+        <p:cNvGrpSpPr/>
+        <p:nvPr/>
+      </p:nvGrpSpPr>
+      <p:grpSpPr>
+        <a:xfrm>
+          <a:off x="0" y="0"/>
+          <a:ext cx="0" cy="0"/>
+          <a:chOff x="0" y="0"/>
+          <a:chExt cx="0" cy="0"/>
+        </a:xfrm>
+      </p:grpSpPr>
+      <p:sp>
+        <p:nvSpPr>
+          <p:cNvPr id="2" name="Título 1">
+            <a:extLst>
+              <a:ext uri="{FF2B5EF4-FFF2-40B4-BE49-F238E27FC236}">
+                <a16:creationId xmlns:a16="http://schemas.microsoft.com/office/drawing/2014/main" id="{F241855A-3072-1C03-1D41-F4DD6DA01099}"/>
+              </a:ext>
+            </a:extLst>
+          </p:cNvPr>
+          <p:cNvSpPr>
+            <a:spLocks noGrp="1"/>
+          </p:cNvSpPr>
+          <p:nvPr>
+            <p:ph type="title"/>
+          </p:nvPr>
+        </p:nvSpPr>
+        <p:spPr/>
+        <p:txBody>
+          <a:bodyPr/>
+          <a:lstStyle/>
+          <a:p>
+            <a:r>
+              <a:rPr lang="pt-PT" dirty="0"/>
+              <a:t>Grafos</a:t>
+            </a:r>
+          </a:p>
+        </p:txBody>
+      </p:sp>
+      <p:sp>
+        <p:nvSpPr>
+          <p:cNvPr id="3" name="Marcador de Posição de Conteúdo 2">
+            <a:extLst>
+              <a:ext uri="{FF2B5EF4-FFF2-40B4-BE49-F238E27FC236}">
+                <a16:creationId xmlns:a16="http://schemas.microsoft.com/office/drawing/2014/main" id="{5BEDC943-4C0F-8F90-6368-728FEDAD6D75}"/>
+              </a:ext>
+            </a:extLst>
+          </p:cNvPr>
+          <p:cNvSpPr>
+            <a:spLocks noGrp="1"/>
+          </p:cNvSpPr>
+          <p:nvPr>
+            <p:ph idx="1"/>
+          </p:nvPr>
+        </p:nvSpPr>
+        <p:spPr>
+          <a:xfrm>
+            <a:off x="838200" y="1578904"/>
+            <a:ext cx="10515600" cy="3859742"/>
+          </a:xfrm>
+        </p:spPr>
+        <p:txBody>
+          <a:bodyPr/>
+          <a:lstStyle/>
+          <a:p>
+            <a:r>
+              <a:rPr lang="pt-PT" b="1" dirty="0"/>
+              <a:t>Descrição:</a:t>
+            </a:r>
+          </a:p>
+          <a:p>
+            <a:pPr lvl="1"/>
+            <a:r>
+              <a:rPr lang="pt-PT" dirty="0"/>
+              <a:t>Representa uma estrutura de grafo com nós e arestas.</a:t>
+            </a:r>
+          </a:p>
+          <a:p>
+            <a:pPr marL="457200" lvl="1" indent="0">
+              <a:buNone/>
+            </a:pPr>
+            <a:endParaRPr lang="pt-PT" dirty="0"/>
+          </a:p>
+          <a:p>
+            <a:r>
+              <a:rPr lang="pt-PT" b="1" dirty="0"/>
+              <a:t>Funcionalidades Principais:</a:t>
+            </a:r>
+          </a:p>
+          <a:p>
+            <a:pPr lvl="1"/>
+            <a:r>
+              <a:rPr lang="pt-PT" i="1" u="sng" dirty="0"/>
+              <a:t>Adicionar nós </a:t>
+            </a:r>
+            <a:r>
+              <a:rPr lang="pt-PT" dirty="0"/>
+              <a:t>– </a:t>
+            </a:r>
+            <a:r>
+              <a:rPr lang="pt-PT" sz="1800" dirty="0" err="1"/>
+              <a:t>addNode</a:t>
+            </a:r>
+            <a:r>
+              <a:rPr lang="pt-PT" sz="1800" dirty="0"/>
+              <a:t>(node) </a:t>
+            </a:r>
+            <a:endParaRPr lang="pt-PT" dirty="0"/>
+          </a:p>
+          <a:p>
+            <a:pPr lvl="1"/>
+            <a:r>
+              <a:rPr lang="pt-PT" i="1" u="sng" dirty="0"/>
+              <a:t>Adicionar Arestas </a:t>
+            </a:r>
+            <a:r>
+              <a:rPr lang="pt-PT" dirty="0"/>
+              <a:t>– </a:t>
+            </a:r>
+            <a:r>
+              <a:rPr lang="pt-PT" dirty="0" err="1"/>
+              <a:t>addEdge</a:t>
+            </a:r>
+            <a:r>
+              <a:rPr lang="pt-PT" dirty="0"/>
+              <a:t>(node1, node2)</a:t>
+            </a:r>
+          </a:p>
+          <a:p>
+            <a:pPr lvl="1"/>
+            <a:r>
+              <a:rPr lang="pt-PT" i="1" u="sng" dirty="0"/>
+              <a:t>Remover nós </a:t>
+            </a:r>
+            <a:r>
+              <a:rPr lang="pt-PT" dirty="0"/>
+              <a:t>– </a:t>
+            </a:r>
+            <a:r>
+              <a:rPr lang="pt-PT" dirty="0" err="1"/>
+              <a:t>removeNode</a:t>
+            </a:r>
+            <a:r>
+              <a:rPr lang="pt-PT" dirty="0"/>
+              <a:t>(node)</a:t>
+            </a:r>
+          </a:p>
+          <a:p>
+            <a:pPr lvl="1"/>
+            <a:r>
+              <a:rPr lang="pt-PT" i="1" u="sng" dirty="0"/>
+              <a:t>Remover Arestas</a:t>
+            </a:r>
+            <a:r>
+              <a:rPr lang="pt-PT" dirty="0"/>
+              <a:t> - </a:t>
+            </a:r>
+            <a:r>
+              <a:rPr lang="pt-PT" dirty="0" err="1"/>
+              <a:t>removeEdge</a:t>
+            </a:r>
+            <a:r>
+              <a:rPr lang="pt-PT" dirty="0"/>
+              <a:t>(node1, node2)</a:t>
+            </a:r>
+          </a:p>
+          <a:p>
+            <a:r>
+              <a:rPr lang="pt-PT" dirty="0"/>
+              <a:t>Resultados</a:t>
+            </a:r>
+          </a:p>
+        </p:txBody>
+      </p:sp>
+      <p:pic>
+        <p:nvPicPr>
+          <p:cNvPr id="10" name="Imagem 9" descr="Uma imagem com texto, captura de ecrã, multimédia&#10;&#10;Descrição gerada automaticamente">
+            <a:extLst>
+              <a:ext uri="{FF2B5EF4-FFF2-40B4-BE49-F238E27FC236}">
+                <a16:creationId xmlns:a16="http://schemas.microsoft.com/office/drawing/2014/main" id="{3DFBDF99-2A45-E891-E546-E273C5246EAE}"/>
+              </a:ext>
+            </a:extLst>
+          </p:cNvPr>
+          <p:cNvPicPr>
+            <a:picLocks noChangeAspect="1"/>
+          </p:cNvPicPr>
+          <p:nvPr/>
+        </p:nvPicPr>
+        <p:blipFill>
+          <a:blip r:embed="rId2"/>
+          <a:stretch>
+            <a:fillRect/>
+          </a:stretch>
+        </p:blipFill>
+        <p:spPr>
+          <a:xfrm>
+            <a:off x="8696325" y="1328549"/>
+            <a:ext cx="2657475" cy="3724275"/>
+          </a:xfrm>
+          <a:prstGeom prst="rect">
+            <a:avLst/>
+          </a:prstGeom>
+        </p:spPr>
+      </p:pic>
+      <p:pic>
+        <p:nvPicPr>
+          <p:cNvPr id="11" name="Imagem 10" descr="Uma imagem com captura de ecrã, Tipo de letra, texto, tipografia&#10;&#10;Descrição gerada automaticamente">
+            <a:extLst>
+              <a:ext uri="{FF2B5EF4-FFF2-40B4-BE49-F238E27FC236}">
+                <a16:creationId xmlns:a16="http://schemas.microsoft.com/office/drawing/2014/main" id="{0E8C643D-B7E9-CAAC-3BFC-B6FE1627CED3}"/>
+              </a:ext>
+            </a:extLst>
+          </p:cNvPr>
+          <p:cNvPicPr>
+            <a:picLocks noChangeAspect="1"/>
+          </p:cNvPicPr>
+          <p:nvPr/>
+        </p:nvPicPr>
+        <p:blipFill>
+          <a:blip r:embed="rId3"/>
+          <a:stretch>
+            <a:fillRect/>
+          </a:stretch>
+        </p:blipFill>
+        <p:spPr>
+          <a:xfrm>
+            <a:off x="1222595" y="5003250"/>
+            <a:ext cx="1531435" cy="1054229"/>
+          </a:xfrm>
+          <a:prstGeom prst="rect">
+            <a:avLst/>
+          </a:prstGeom>
+        </p:spPr>
+      </p:pic>
+      <p:pic>
+        <p:nvPicPr>
+          <p:cNvPr id="5" name="Picture 2" descr="Plataformas – Politécnico de Santarém">
+            <a:extLst>
+              <a:ext uri="{FF2B5EF4-FFF2-40B4-BE49-F238E27FC236}">
+                <a16:creationId xmlns:a16="http://schemas.microsoft.com/office/drawing/2014/main" id="{32850FE6-54AB-C1DB-F968-DC04EB1B9579}"/>
+              </a:ext>
+            </a:extLst>
+          </p:cNvPr>
+          <p:cNvPicPr>
+            <a:picLocks noChangeAspect="1" noChangeArrowheads="1"/>
+          </p:cNvPicPr>
+          <p:nvPr/>
+        </p:nvPicPr>
+        <p:blipFill>
+          <a:blip r:embed="rId4">
+            <a:extLst>
+              <a:ext uri="{28A0092B-C50C-407E-A947-70E740481C1C}">
+                <a14:useLocalDpi xmlns:a14="http://schemas.microsoft.com/office/drawing/2010/main" val="0"/>
+              </a:ext>
+            </a:extLst>
+          </a:blip>
+          <a:srcRect/>
+          <a:stretch>
+            <a:fillRect/>
+          </a:stretch>
+        </p:blipFill>
+        <p:spPr bwMode="auto">
+          <a:xfrm>
+            <a:off x="10130829" y="-89380"/>
+            <a:ext cx="2235225" cy="639135"/>
+          </a:xfrm>
+          <a:prstGeom prst="rect">
+            <a:avLst/>
+          </a:prstGeom>
+          <a:noFill/>
+          <a:extLst>
+            <a:ext uri="{909E8E84-426E-40DD-AFC4-6F175D3DCCD1}">
+              <a14:hiddenFill xmlns:a14="http://schemas.microsoft.com/office/drawing/2010/main">
+                <a:solidFill>
+                  <a:srgbClr val="FFFFFF"/>
+                </a:solidFill>
+              </a14:hiddenFill>
+            </a:ext>
+          </a:extLst>
+        </p:spPr>
+      </p:pic>
+    </p:spTree>
+    <p:extLst>
+      <p:ext uri="{BB962C8B-B14F-4D97-AF65-F5344CB8AC3E}">
+        <p14:creationId xmlns:p14="http://schemas.microsoft.com/office/powerpoint/2010/main" val="324150415"/>
+      </p:ext>
+    </p:extLst>
+  </p:cSld>
+  <p:clrMapOvr>
+    <a:masterClrMapping/>
+  </p:clrMapOvr>
+</p:sld>
+</file>
+
+<file path=ppt/slides/slide5.xml><?xml version="1.0" encoding="utf-8"?>
+<p:sld xmlns:a="http://schemas.openxmlformats.org/drawingml/2006/main" xmlns:r="http://schemas.openxmlformats.org/officeDocument/2006/relationships" xmlns:p="http://schemas.openxmlformats.org/presentationml/2006/main">
+  <p:cSld>
+    <p:spTree>
+      <p:nvGrpSpPr>
+        <p:cNvPr id="1" name=""/>
+        <p:cNvGrpSpPr/>
+        <p:nvPr/>
+      </p:nvGrpSpPr>
+      <p:grpSpPr>
+        <a:xfrm>
+          <a:off x="0" y="0"/>
+          <a:ext cx="0" cy="0"/>
+          <a:chOff x="0" y="0"/>
+          <a:chExt cx="0" cy="0"/>
+        </a:xfrm>
+      </p:grpSpPr>
+      <p:sp>
+        <p:nvSpPr>
+          <p:cNvPr id="2" name="Título 1">
+            <a:extLst>
+              <a:ext uri="{FF2B5EF4-FFF2-40B4-BE49-F238E27FC236}">
+                <a16:creationId xmlns:a16="http://schemas.microsoft.com/office/drawing/2014/main" id="{DA9ACD67-9FBE-9CB2-524F-6B6659C35A45}"/>
+              </a:ext>
+            </a:extLst>
+          </p:cNvPr>
+          <p:cNvSpPr>
+            <a:spLocks noGrp="1"/>
+          </p:cNvSpPr>
+          <p:nvPr>
+            <p:ph type="title"/>
+          </p:nvPr>
+        </p:nvSpPr>
+        <p:spPr/>
+        <p:txBody>
+          <a:bodyPr/>
+          <a:lstStyle/>
+          <a:p>
+            <a:r>
+              <a:rPr lang="pt-PT" dirty="0"/>
+              <a:t>Software Desenvolvido</a:t>
+            </a:r>
+          </a:p>
+        </p:txBody>
+      </p:sp>
+      <p:sp>
+        <p:nvSpPr>
+          <p:cNvPr id="3" name="Marcador de Posição de Conteúdo 2">
+            <a:extLst>
+              <a:ext uri="{FF2B5EF4-FFF2-40B4-BE49-F238E27FC236}">
+                <a16:creationId xmlns:a16="http://schemas.microsoft.com/office/drawing/2014/main" id="{5FBACA95-0F5D-E3DC-64E5-DDD5A331C1B3}"/>
+              </a:ext>
+            </a:extLst>
+          </p:cNvPr>
+          <p:cNvSpPr>
+            <a:spLocks noGrp="1"/>
+          </p:cNvSpPr>
+          <p:nvPr>
+            <p:ph idx="1"/>
+          </p:nvPr>
+        </p:nvSpPr>
+        <p:spPr/>
+        <p:txBody>
+          <a:bodyPr vert="horz" lIns="91440" tIns="45720" rIns="91440" bIns="45720" rtlCol="0" anchor="t">
+            <a:normAutofit/>
+          </a:bodyPr>
+          <a:lstStyle/>
+          <a:p>
+            <a:r>
+              <a:rPr lang="pt-PT" dirty="0">
+                <a:latin typeface="Century Gothic"/>
+              </a:rPr>
+              <a:t>Construção de um editor de texto usando tecnologias web</a:t>
+            </a:r>
+            <a:endParaRPr lang="en-US" dirty="0"/>
+          </a:p>
+          <a:p>
+            <a:r>
+              <a:rPr lang="pt-PT" dirty="0">
+                <a:latin typeface="Century Gothic"/>
+              </a:rPr>
+              <a:t>O objetivo principal era criar uma aplicação funcional que integrasse pelo menos três estruturas de dados distintas</a:t>
+            </a:r>
+          </a:p>
+          <a:p>
+            <a:endParaRPr lang="pt-PT" dirty="0">
+              <a:latin typeface="Century Gothic"/>
+            </a:endParaRPr>
+          </a:p>
+          <a:p>
+            <a:pPr marL="0" indent="0">
+              <a:buNone/>
+            </a:pPr>
+            <a:r>
+              <a:rPr lang="pt-PT" b="1" dirty="0">
+                <a:latin typeface="Century Gothic"/>
+              </a:rPr>
+              <a:t>O que vamos falar:</a:t>
+            </a:r>
+          </a:p>
+          <a:p>
+            <a:r>
+              <a:rPr lang="pt-PT" dirty="0">
+                <a:latin typeface="Century Gothic"/>
+              </a:rPr>
+              <a:t>Processo de desenvolvimento</a:t>
+            </a:r>
+          </a:p>
+          <a:p>
+            <a:r>
+              <a:rPr lang="pt-PT" dirty="0">
+                <a:latin typeface="Century Gothic"/>
+              </a:rPr>
+              <a:t>Decisões tomadas</a:t>
+            </a:r>
+          </a:p>
+          <a:p>
+            <a:r>
+              <a:rPr lang="pt-PT" dirty="0">
+                <a:latin typeface="Century Gothic"/>
+              </a:rPr>
+              <a:t>Resultados obtidos</a:t>
+            </a:r>
+            <a:endParaRPr lang="pt-PT" dirty="0"/>
+          </a:p>
+          <a:p>
+            <a:endParaRPr lang="pt-PT" dirty="0"/>
+          </a:p>
+        </p:txBody>
+      </p:sp>
+      <p:pic>
+        <p:nvPicPr>
+          <p:cNvPr id="5" name="Picture 2" descr="Plataformas – Politécnico de Santarém">
+            <a:extLst>
+              <a:ext uri="{FF2B5EF4-FFF2-40B4-BE49-F238E27FC236}">
+                <a16:creationId xmlns:a16="http://schemas.microsoft.com/office/drawing/2014/main" id="{686761FC-4AEE-8B12-2AB5-EBA873D26F88}"/>
+              </a:ext>
+            </a:extLst>
+          </p:cNvPr>
+          <p:cNvPicPr>
+            <a:picLocks noChangeAspect="1" noChangeArrowheads="1"/>
+          </p:cNvPicPr>
+          <p:nvPr/>
+        </p:nvPicPr>
+        <p:blipFill>
+          <a:blip r:embed="rId2">
+            <a:extLst>
+              <a:ext uri="{28A0092B-C50C-407E-A947-70E740481C1C}">
+                <a14:useLocalDpi xmlns:a14="http://schemas.microsoft.com/office/drawing/2010/main" val="0"/>
+              </a:ext>
+            </a:extLst>
+          </a:blip>
+          <a:srcRect/>
+          <a:stretch>
+            <a:fillRect/>
+          </a:stretch>
+        </p:blipFill>
+        <p:spPr bwMode="auto">
+          <a:xfrm>
+            <a:off x="10130829" y="-89380"/>
+            <a:ext cx="2235225" cy="639135"/>
+          </a:xfrm>
+          <a:prstGeom prst="rect">
+            <a:avLst/>
+          </a:prstGeom>
+          <a:noFill/>
+          <a:extLst>
+            <a:ext uri="{909E8E84-426E-40DD-AFC4-6F175D3DCCD1}">
+              <a14:hiddenFill xmlns:a14="http://schemas.microsoft.com/office/drawing/2010/main">
+                <a:solidFill>
+                  <a:srgbClr val="FFFFFF"/>
+                </a:solidFill>
+              </a14:hiddenFill>
+            </a:ext>
+          </a:extLst>
+        </p:spPr>
+      </p:pic>
+    </p:spTree>
+    <p:extLst>
+      <p:ext uri="{BB962C8B-B14F-4D97-AF65-F5344CB8AC3E}">
+        <p14:creationId xmlns:p14="http://schemas.microsoft.com/office/powerpoint/2010/main" val="2711065062"/>
+      </p:ext>
+    </p:extLst>
+  </p:cSld>
+  <p:clrMapOvr>
+    <a:masterClrMapping/>
+  </p:clrMapOvr>
+</p:sld>
+</file>
+
+<file path=ppt/slides/slide6.xml><?xml version="1.0" encoding="utf-8"?>
+<p:sld xmlns:a="http://schemas.openxmlformats.org/drawingml/2006/main" xmlns:r="http://schemas.openxmlformats.org/officeDocument/2006/relationships" xmlns:p="http://schemas.openxmlformats.org/presentationml/2006/main">
+  <p:cSld>
+    <p:spTree>
+      <p:nvGrpSpPr>
+        <p:cNvPr id="1" name=""/>
+        <p:cNvGrpSpPr/>
+        <p:nvPr/>
+      </p:nvGrpSpPr>
+      <p:grpSpPr>
+        <a:xfrm>
+          <a:off x="0" y="0"/>
+          <a:ext cx="0" cy="0"/>
+          <a:chOff x="0" y="0"/>
+          <a:chExt cx="0" cy="0"/>
+        </a:xfrm>
+      </p:grpSpPr>
+      <p:sp>
+        <p:nvSpPr>
+          <p:cNvPr id="2" name="Title 1">
+            <a:extLst>
+              <a:ext uri="{FF2B5EF4-FFF2-40B4-BE49-F238E27FC236}">
+                <a16:creationId xmlns:a16="http://schemas.microsoft.com/office/drawing/2014/main" id="{FC1269A8-1954-32A2-C8A7-F3CE44FB8847}"/>
+              </a:ext>
+            </a:extLst>
+          </p:cNvPr>
+          <p:cNvSpPr>
+            <a:spLocks noGrp="1"/>
+          </p:cNvSpPr>
+          <p:nvPr>
+            <p:ph type="title"/>
+          </p:nvPr>
+        </p:nvSpPr>
+        <p:spPr/>
+        <p:txBody>
+          <a:bodyPr/>
+          <a:lstStyle/>
+          <a:p>
+            <a:r>
+              <a:rPr lang="en-US" dirty="0" err="1"/>
+              <a:t>Estruturas</a:t>
+            </a:r>
+            <a:r>
+              <a:rPr lang="en-US" dirty="0"/>
+              <a:t> de dados</a:t>
+            </a:r>
+          </a:p>
+        </p:txBody>
+      </p:sp>
+      <p:sp>
+        <p:nvSpPr>
+          <p:cNvPr id="3" name="Content Placeholder 2">
+            <a:extLst>
+              <a:ext uri="{FF2B5EF4-FFF2-40B4-BE49-F238E27FC236}">
+                <a16:creationId xmlns:a16="http://schemas.microsoft.com/office/drawing/2014/main" id="{A5D4EE02-722F-96D4-455F-ECFFA1769B8F}"/>
+              </a:ext>
+            </a:extLst>
+          </p:cNvPr>
+          <p:cNvSpPr>
+            <a:spLocks noGrp="1"/>
+          </p:cNvSpPr>
+          <p:nvPr>
+            <p:ph idx="1"/>
+          </p:nvPr>
+        </p:nvSpPr>
+        <p:spPr/>
+        <p:txBody>
+          <a:bodyPr vert="horz" lIns="91440" tIns="45720" rIns="91440" bIns="45720" rtlCol="0" anchor="t">
+            <a:normAutofit lnSpcReduction="10000"/>
+          </a:bodyPr>
+          <a:lstStyle/>
+          <a:p>
+            <a:pPr>
+              <a:lnSpc>
+                <a:spcPct val="150000"/>
+              </a:lnSpc>
+            </a:pPr>
+            <a:r>
+              <a:rPr lang="en-US" b="1" dirty="0"/>
+              <a:t>Arrays</a:t>
+            </a:r>
+            <a:r>
+              <a:rPr lang="en-US" dirty="0"/>
+              <a:t>: </a:t>
+            </a:r>
+            <a:r>
+              <a:rPr lang="en-US" sz="2000" dirty="0">
+                <a:solidFill>
+                  <a:schemeClr val="bg1">
+                    <a:lumMod val="49000"/>
+                  </a:schemeClr>
+                </a:solidFill>
+              </a:rPr>
+              <a:t>Implementados para usar </a:t>
+            </a:r>
+            <a:r>
+              <a:rPr lang="en-US" sz="2000" err="1">
+                <a:solidFill>
+                  <a:schemeClr val="bg1">
+                    <a:lumMod val="49000"/>
+                  </a:schemeClr>
+                </a:solidFill>
+              </a:rPr>
+              <a:t>em</a:t>
+            </a:r>
+            <a:r>
+              <a:rPr lang="en-US" sz="2000" dirty="0">
+                <a:solidFill>
+                  <a:schemeClr val="bg1">
+                    <a:lumMod val="49000"/>
+                  </a:schemeClr>
+                </a:solidFill>
+              </a:rPr>
+              <a:t> </a:t>
+            </a:r>
+            <a:r>
+              <a:rPr lang="en-US" sz="2000" err="1">
+                <a:solidFill>
+                  <a:schemeClr val="bg1">
+                    <a:lumMod val="49000"/>
+                  </a:schemeClr>
+                </a:solidFill>
+              </a:rPr>
+              <a:t>vez</a:t>
+            </a:r>
+            <a:r>
+              <a:rPr lang="en-US" sz="2000" dirty="0">
+                <a:solidFill>
+                  <a:schemeClr val="bg1">
+                    <a:lumMod val="49000"/>
+                  </a:schemeClr>
+                </a:solidFill>
+              </a:rPr>
+              <a:t> da </a:t>
+            </a:r>
+            <a:r>
+              <a:rPr lang="en-US" sz="2000" err="1">
+                <a:solidFill>
+                  <a:schemeClr val="bg1">
+                    <a:lumMod val="49000"/>
+                  </a:schemeClr>
+                </a:solidFill>
+              </a:rPr>
+              <a:t>solução</a:t>
+            </a:r>
+            <a:r>
+              <a:rPr lang="en-US" sz="2000" dirty="0">
+                <a:solidFill>
+                  <a:schemeClr val="bg1">
+                    <a:lumMod val="49000"/>
+                  </a:schemeClr>
+                </a:solidFill>
+              </a:rPr>
+              <a:t> </a:t>
+            </a:r>
+            <a:r>
+              <a:rPr lang="en-US" sz="2000" err="1">
+                <a:solidFill>
+                  <a:schemeClr val="bg1">
+                    <a:lumMod val="49000"/>
+                  </a:schemeClr>
+                </a:solidFill>
+              </a:rPr>
+              <a:t>padrão</a:t>
+            </a:r>
+            <a:r>
+              <a:rPr lang="en-US" sz="2000" dirty="0">
+                <a:solidFill>
+                  <a:schemeClr val="bg1">
+                    <a:lumMod val="49000"/>
+                  </a:schemeClr>
+                </a:solidFill>
+              </a:rPr>
+              <a:t> </a:t>
+            </a:r>
+            <a:r>
+              <a:rPr lang="en-US" sz="2000" err="1">
+                <a:solidFill>
+                  <a:schemeClr val="bg1">
+                    <a:lumMod val="49000"/>
+                  </a:schemeClr>
+                </a:solidFill>
+              </a:rPr>
+              <a:t>oferecida</a:t>
+            </a:r>
+            <a:r>
+              <a:rPr lang="en-US" sz="2000" dirty="0">
+                <a:solidFill>
+                  <a:schemeClr val="bg1">
+                    <a:lumMod val="49000"/>
+                  </a:schemeClr>
+                </a:solidFill>
+              </a:rPr>
+              <a:t> </a:t>
+            </a:r>
+            <a:r>
+              <a:rPr lang="en-US" sz="2000" err="1">
+                <a:solidFill>
+                  <a:schemeClr val="bg1">
+                    <a:lumMod val="49000"/>
+                  </a:schemeClr>
+                </a:solidFill>
+              </a:rPr>
+              <a:t>pelo</a:t>
+            </a:r>
+            <a:r>
+              <a:rPr lang="en-US" sz="2000" dirty="0">
+                <a:solidFill>
+                  <a:schemeClr val="bg1">
+                    <a:lumMod val="49000"/>
+                  </a:schemeClr>
+                </a:solidFill>
+              </a:rPr>
+              <a:t> JS.</a:t>
+            </a:r>
+            <a:endParaRPr lang="en-US">
+              <a:solidFill>
+                <a:schemeClr val="bg1">
+                  <a:lumMod val="49000"/>
+                </a:schemeClr>
+              </a:solidFill>
+            </a:endParaRPr>
+          </a:p>
+          <a:p>
+            <a:pPr>
+              <a:lnSpc>
+                <a:spcPct val="150000"/>
+              </a:lnSpc>
+            </a:pPr>
+            <a:r>
+              <a:rPr lang="en-US" b="1" err="1"/>
+              <a:t>DoublyLinkedLists</a:t>
+            </a:r>
+            <a:r>
+              <a:rPr lang="en-US" dirty="0"/>
+              <a:t>: </a:t>
+            </a:r>
+            <a:r>
+              <a:rPr lang="en-US" sz="2000" err="1">
+                <a:solidFill>
+                  <a:schemeClr val="bg1">
+                    <a:lumMod val="49000"/>
+                  </a:schemeClr>
+                </a:solidFill>
+              </a:rPr>
+              <a:t>Implementadas</a:t>
+            </a:r>
+            <a:r>
+              <a:rPr lang="en-US" sz="2000" dirty="0">
+                <a:solidFill>
+                  <a:schemeClr val="bg1">
+                    <a:lumMod val="49000"/>
+                  </a:schemeClr>
+                </a:solidFill>
+              </a:rPr>
+              <a:t> para </a:t>
+            </a:r>
+            <a:r>
+              <a:rPr lang="en-US" sz="2000" err="1">
+                <a:solidFill>
+                  <a:schemeClr val="bg1">
+                    <a:lumMod val="49000"/>
+                  </a:schemeClr>
+                </a:solidFill>
+              </a:rPr>
+              <a:t>gerir</a:t>
+            </a:r>
+            <a:r>
+              <a:rPr lang="en-US" sz="2000" dirty="0">
+                <a:solidFill>
+                  <a:schemeClr val="bg1">
+                    <a:lumMod val="49000"/>
+                  </a:schemeClr>
+                </a:solidFill>
+              </a:rPr>
+              <a:t> as </a:t>
+            </a:r>
+            <a:r>
+              <a:rPr lang="en-US" sz="2000" err="1">
+                <a:solidFill>
+                  <a:schemeClr val="bg1">
+                    <a:lumMod val="49000"/>
+                  </a:schemeClr>
+                </a:solidFill>
+              </a:rPr>
+              <a:t>operações</a:t>
+            </a:r>
+            <a:r>
+              <a:rPr lang="en-US" sz="2000" dirty="0">
+                <a:solidFill>
+                  <a:schemeClr val="bg1">
+                    <a:lumMod val="49000"/>
+                  </a:schemeClr>
+                </a:solidFill>
+              </a:rPr>
+              <a:t> de </a:t>
+            </a:r>
+            <a:r>
+              <a:rPr lang="en-US" sz="2000" err="1">
+                <a:solidFill>
+                  <a:schemeClr val="bg1">
+                    <a:lumMod val="49000"/>
+                  </a:schemeClr>
+                </a:solidFill>
+              </a:rPr>
+              <a:t>criação</a:t>
+            </a:r>
+            <a:r>
+              <a:rPr lang="en-US" sz="2000" dirty="0">
+                <a:solidFill>
+                  <a:schemeClr val="bg1">
+                    <a:lumMod val="49000"/>
+                  </a:schemeClr>
+                </a:solidFill>
+              </a:rPr>
+              <a:t>, </a:t>
+            </a:r>
+            <a:r>
+              <a:rPr lang="en-US" sz="2000" err="1">
+                <a:solidFill>
+                  <a:schemeClr val="bg1">
+                    <a:lumMod val="49000"/>
+                  </a:schemeClr>
+                </a:solidFill>
+              </a:rPr>
+              <a:t>remoção</a:t>
+            </a:r>
+            <a:r>
+              <a:rPr lang="en-US" sz="2000" dirty="0">
+                <a:solidFill>
+                  <a:schemeClr val="bg1">
+                    <a:lumMod val="49000"/>
+                  </a:schemeClr>
+                </a:solidFill>
+              </a:rPr>
+              <a:t> e </a:t>
+            </a:r>
+            <a:r>
+              <a:rPr lang="en-US" sz="2000" err="1">
+                <a:solidFill>
+                  <a:schemeClr val="bg1">
+                    <a:lumMod val="49000"/>
+                  </a:schemeClr>
+                </a:solidFill>
+              </a:rPr>
+              <a:t>atualização</a:t>
+            </a:r>
+            <a:r>
+              <a:rPr lang="en-US" sz="2000" dirty="0">
+                <a:solidFill>
+                  <a:schemeClr val="bg1">
+                    <a:lumMod val="49000"/>
+                  </a:schemeClr>
+                </a:solidFill>
+              </a:rPr>
+              <a:t> de </a:t>
+            </a:r>
+            <a:r>
+              <a:rPr lang="en-US" sz="2000" err="1">
+                <a:solidFill>
+                  <a:schemeClr val="bg1">
+                    <a:lumMod val="49000"/>
+                  </a:schemeClr>
+                </a:solidFill>
+              </a:rPr>
+              <a:t>linhas</a:t>
+            </a:r>
+            <a:r>
+              <a:rPr lang="en-US" sz="2000" dirty="0">
+                <a:solidFill>
+                  <a:schemeClr val="bg1">
+                    <a:lumMod val="49000"/>
+                  </a:schemeClr>
+                </a:solidFill>
+              </a:rPr>
+              <a:t>, </a:t>
+            </a:r>
+            <a:r>
+              <a:rPr lang="en-US" sz="2000" err="1">
+                <a:solidFill>
+                  <a:schemeClr val="bg1">
+                    <a:lumMod val="49000"/>
+                  </a:schemeClr>
+                </a:solidFill>
+              </a:rPr>
+              <a:t>bem</a:t>
+            </a:r>
+            <a:r>
+              <a:rPr lang="en-US" sz="2000" dirty="0">
+                <a:solidFill>
+                  <a:schemeClr val="bg1">
+                    <a:lumMod val="49000"/>
+                  </a:schemeClr>
+                </a:solidFill>
+              </a:rPr>
+              <a:t> </a:t>
+            </a:r>
+            <a:r>
+              <a:rPr lang="en-US" sz="2000" err="1">
+                <a:solidFill>
+                  <a:schemeClr val="bg1">
+                    <a:lumMod val="49000"/>
+                  </a:schemeClr>
+                </a:solidFill>
+              </a:rPr>
+              <a:t>como</a:t>
+            </a:r>
+            <a:r>
+              <a:rPr lang="en-US" sz="2000" dirty="0">
+                <a:solidFill>
+                  <a:schemeClr val="bg1">
+                    <a:lumMod val="49000"/>
+                  </a:schemeClr>
+                </a:solidFill>
+              </a:rPr>
+              <a:t> para </a:t>
+            </a:r>
+            <a:r>
+              <a:rPr lang="en-US" sz="2000" err="1">
+                <a:solidFill>
+                  <a:schemeClr val="bg1">
+                    <a:lumMod val="49000"/>
+                  </a:schemeClr>
+                </a:solidFill>
+              </a:rPr>
+              <a:t>construir</a:t>
+            </a:r>
+            <a:r>
+              <a:rPr lang="en-US" sz="2000" dirty="0">
+                <a:solidFill>
+                  <a:schemeClr val="bg1">
+                    <a:lumMod val="49000"/>
+                  </a:schemeClr>
+                </a:solidFill>
+              </a:rPr>
+              <a:t> o clipboard.</a:t>
+            </a:r>
+          </a:p>
+          <a:p>
+            <a:pPr>
+              <a:lnSpc>
+                <a:spcPct val="150000"/>
+              </a:lnSpc>
+            </a:pPr>
+            <a:r>
+              <a:rPr lang="en-US" b="1"/>
+              <a:t>Stacks</a:t>
+            </a:r>
+            <a:r>
+              <a:rPr lang="en-US"/>
+              <a:t>: </a:t>
+            </a:r>
+            <a:r>
+              <a:rPr lang="en-US" sz="2000" err="1">
+                <a:solidFill>
+                  <a:schemeClr val="bg1">
+                    <a:lumMod val="49000"/>
+                  </a:schemeClr>
+                </a:solidFill>
+              </a:rPr>
+              <a:t>Planeadas</a:t>
+            </a:r>
+            <a:r>
+              <a:rPr lang="en-US" sz="2000" dirty="0">
+                <a:solidFill>
+                  <a:schemeClr val="bg1">
+                    <a:lumMod val="49000"/>
+                  </a:schemeClr>
+                </a:solidFill>
+              </a:rPr>
+              <a:t> para </a:t>
+            </a:r>
+            <a:r>
+              <a:rPr lang="en-US" sz="2000" err="1">
+                <a:solidFill>
+                  <a:schemeClr val="bg1">
+                    <a:lumMod val="49000"/>
+                  </a:schemeClr>
+                </a:solidFill>
+              </a:rPr>
+              <a:t>funcionalidades</a:t>
+            </a:r>
+            <a:r>
+              <a:rPr lang="en-US" sz="2000" dirty="0">
+                <a:solidFill>
+                  <a:schemeClr val="bg1">
+                    <a:lumMod val="49000"/>
+                  </a:schemeClr>
+                </a:solidFill>
+              </a:rPr>
+              <a:t> </a:t>
+            </a:r>
+            <a:r>
+              <a:rPr lang="en-US" sz="2000" err="1">
+                <a:solidFill>
+                  <a:schemeClr val="bg1">
+                    <a:lumMod val="49000"/>
+                  </a:schemeClr>
+                </a:solidFill>
+              </a:rPr>
+              <a:t>futuras</a:t>
+            </a:r>
+            <a:r>
+              <a:rPr lang="en-US" sz="2000" dirty="0">
+                <a:solidFill>
+                  <a:schemeClr val="bg1">
+                    <a:lumMod val="49000"/>
+                  </a:schemeClr>
+                </a:solidFill>
+              </a:rPr>
+              <a:t> </a:t>
+            </a:r>
+            <a:r>
+              <a:rPr lang="en-US" sz="2000" err="1">
+                <a:solidFill>
+                  <a:schemeClr val="bg1">
+                    <a:lumMod val="49000"/>
+                  </a:schemeClr>
+                </a:solidFill>
+              </a:rPr>
+              <a:t>como</a:t>
+            </a:r>
+            <a:r>
+              <a:rPr lang="en-US" sz="2000" dirty="0">
+                <a:solidFill>
+                  <a:schemeClr val="bg1">
+                    <a:lumMod val="49000"/>
+                  </a:schemeClr>
+                </a:solidFill>
+              </a:rPr>
+              <a:t> undo/redo (</a:t>
+            </a:r>
+            <a:r>
+              <a:rPr lang="en-US" sz="2000" err="1">
+                <a:solidFill>
+                  <a:schemeClr val="bg1">
+                    <a:lumMod val="49000"/>
+                  </a:schemeClr>
+                </a:solidFill>
+              </a:rPr>
+              <a:t>não</a:t>
+            </a:r>
+            <a:r>
+              <a:rPr lang="en-US" sz="2000" dirty="0">
+                <a:solidFill>
+                  <a:schemeClr val="bg1">
+                    <a:lumMod val="49000"/>
+                  </a:schemeClr>
+                </a:solidFill>
+              </a:rPr>
+              <a:t> </a:t>
+            </a:r>
+            <a:r>
+              <a:rPr lang="en-US" sz="2000" err="1">
+                <a:solidFill>
+                  <a:schemeClr val="bg1">
+                    <a:lumMod val="49000"/>
+                  </a:schemeClr>
+                </a:solidFill>
+              </a:rPr>
+              <a:t>implementadas</a:t>
+            </a:r>
+            <a:r>
+              <a:rPr lang="en-US" sz="2000" dirty="0">
+                <a:solidFill>
+                  <a:schemeClr val="bg1">
+                    <a:lumMod val="49000"/>
+                  </a:schemeClr>
+                </a:solidFill>
+              </a:rPr>
+              <a:t>).</a:t>
+            </a:r>
+          </a:p>
+          <a:p>
+            <a:pPr>
+              <a:lnSpc>
+                <a:spcPct val="150000"/>
+              </a:lnSpc>
+            </a:pPr>
+            <a:r>
+              <a:rPr lang="en-US" b="1" dirty="0"/>
+              <a:t>Queues</a:t>
+            </a:r>
+            <a:r>
+              <a:rPr lang="en-US" dirty="0"/>
+              <a:t>: </a:t>
+            </a:r>
+            <a:r>
+              <a:rPr lang="en-US" sz="2000" err="1">
+                <a:solidFill>
+                  <a:schemeClr val="bg1">
+                    <a:lumMod val="49000"/>
+                  </a:schemeClr>
+                </a:solidFill>
+              </a:rPr>
+              <a:t>Utilizadas</a:t>
+            </a:r>
+            <a:r>
+              <a:rPr lang="en-US" sz="2000" dirty="0">
+                <a:solidFill>
+                  <a:schemeClr val="bg1">
+                    <a:lumMod val="49000"/>
+                  </a:schemeClr>
+                </a:solidFill>
+              </a:rPr>
+              <a:t> para </a:t>
+            </a:r>
+            <a:r>
+              <a:rPr lang="en-US" sz="2000" err="1">
+                <a:solidFill>
+                  <a:schemeClr val="bg1">
+                    <a:lumMod val="49000"/>
+                  </a:schemeClr>
+                </a:solidFill>
+              </a:rPr>
+              <a:t>capturar</a:t>
+            </a:r>
+            <a:r>
+              <a:rPr lang="en-US" sz="2000" dirty="0">
+                <a:solidFill>
+                  <a:schemeClr val="bg1">
+                    <a:lumMod val="49000"/>
+                  </a:schemeClr>
+                </a:solidFill>
+              </a:rPr>
+              <a:t> e </a:t>
+            </a:r>
+            <a:r>
+              <a:rPr lang="en-US" sz="2000" err="1">
+                <a:solidFill>
+                  <a:schemeClr val="bg1">
+                    <a:lumMod val="49000"/>
+                  </a:schemeClr>
+                </a:solidFill>
+              </a:rPr>
+              <a:t>armazenar</a:t>
+            </a:r>
+            <a:r>
+              <a:rPr lang="en-US" sz="2000" dirty="0">
+                <a:solidFill>
+                  <a:schemeClr val="bg1">
+                    <a:lumMod val="49000"/>
+                  </a:schemeClr>
+                </a:solidFill>
+              </a:rPr>
+              <a:t> as </a:t>
+            </a:r>
+            <a:r>
+              <a:rPr lang="en-US" sz="2000" err="1">
+                <a:solidFill>
+                  <a:schemeClr val="bg1">
+                    <a:lumMod val="49000"/>
+                  </a:schemeClr>
+                </a:solidFill>
+              </a:rPr>
+              <a:t>teclas</a:t>
+            </a:r>
+            <a:r>
+              <a:rPr lang="en-US" sz="2000" dirty="0">
+                <a:solidFill>
+                  <a:schemeClr val="bg1">
+                    <a:lumMod val="49000"/>
+                  </a:schemeClr>
+                </a:solidFill>
+              </a:rPr>
+              <a:t> </a:t>
+            </a:r>
+            <a:r>
+              <a:rPr lang="en-US" sz="2000" err="1">
+                <a:solidFill>
+                  <a:schemeClr val="bg1">
+                    <a:lumMod val="49000"/>
+                  </a:schemeClr>
+                </a:solidFill>
+              </a:rPr>
+              <a:t>inseridas</a:t>
+            </a:r>
+            <a:r>
+              <a:rPr lang="en-US" sz="2000" dirty="0">
+                <a:solidFill>
+                  <a:schemeClr val="bg1">
+                    <a:lumMod val="49000"/>
+                  </a:schemeClr>
+                </a:solidFill>
+              </a:rPr>
+              <a:t> </a:t>
+            </a:r>
+            <a:r>
+              <a:rPr lang="en-US" sz="2000" err="1">
+                <a:solidFill>
+                  <a:schemeClr val="bg1">
+                    <a:lumMod val="49000"/>
+                  </a:schemeClr>
+                </a:solidFill>
+              </a:rPr>
+              <a:t>pelo</a:t>
+            </a:r>
+            <a:r>
+              <a:rPr lang="en-US" sz="2000" dirty="0">
+                <a:solidFill>
+                  <a:schemeClr val="bg1">
+                    <a:lumMod val="49000"/>
+                  </a:schemeClr>
+                </a:solidFill>
+              </a:rPr>
+              <a:t> </a:t>
+            </a:r>
+            <a:r>
+              <a:rPr lang="en-US" sz="2000" err="1">
+                <a:solidFill>
+                  <a:schemeClr val="bg1">
+                    <a:lumMod val="49000"/>
+                  </a:schemeClr>
+                </a:solidFill>
+              </a:rPr>
+              <a:t>utilizador</a:t>
+            </a:r>
+            <a:r>
+              <a:rPr lang="en-US" sz="2000" dirty="0">
+                <a:solidFill>
+                  <a:schemeClr val="bg1">
+                    <a:lumMod val="49000"/>
+                  </a:schemeClr>
+                </a:solidFill>
+              </a:rPr>
+              <a:t> num buffer.</a:t>
+            </a:r>
+          </a:p>
+          <a:p>
+            <a:endParaRPr lang="en-US" dirty="0"/>
+          </a:p>
+        </p:txBody>
+      </p:sp>
+    </p:spTree>
+    <p:extLst>
+      <p:ext uri="{BB962C8B-B14F-4D97-AF65-F5344CB8AC3E}">
+        <p14:creationId xmlns:p14="http://schemas.microsoft.com/office/powerpoint/2010/main" val="2571844479"/>
+      </p:ext>
+    </p:extLst>
+  </p:cSld>
+  <p:clrMapOvr>
+    <a:masterClrMapping/>
+  </p:clrMapOvr>
+</p:sld>
+</file>
+
+<file path=ppt/slides/slide7.xml><?xml version="1.0" encoding="utf-8"?>
+<p:sld xmlns:a="http://schemas.openxmlformats.org/drawingml/2006/main" xmlns:r="http://schemas.openxmlformats.org/officeDocument/2006/relationships" xmlns:p="http://schemas.openxmlformats.org/presentationml/2006/main">
+  <p:cSld>
+    <p:bg>
+      <p:bgPr>
+        <a:solidFill>
+          <a:schemeClr val="bg1"/>
+        </a:solidFill>
+        <a:effectLst/>
+      </p:bgPr>
+    </p:bg>
+    <p:spTree>
+      <p:nvGrpSpPr>
+        <p:cNvPr id="1" name=""/>
+        <p:cNvGrpSpPr/>
+        <p:nvPr/>
+      </p:nvGrpSpPr>
+      <p:grpSpPr>
+        <a:xfrm>
+          <a:off x="0" y="0"/>
+          <a:ext cx="0" cy="0"/>
+          <a:chOff x="0" y="0"/>
+          <a:chExt cx="0" cy="0"/>
+        </a:xfrm>
+      </p:grpSpPr>
+      <p:sp>
+        <p:nvSpPr>
+          <p:cNvPr id="15" name="Freeform: Shape 14">
+            <a:extLst>
+              <a:ext uri="{FF2B5EF4-FFF2-40B4-BE49-F238E27FC236}">
+                <a16:creationId xmlns:a16="http://schemas.microsoft.com/office/drawing/2014/main" id="{8A7BA06D-B3FF-4E91-8639-B4569AE3AA23}"/>
+              </a:ext>
+              <a:ext uri="{C183D7F6-B498-43B3-948B-1728B52AA6E4}">
+                <adec:decorative xmlns:adec="http://schemas.microsoft.com/office/drawing/2017/decorative" val="1"/>
+              </a:ext>
+            </a:extLst>
+          </p:cNvPr>
+          <p:cNvSpPr>
+            <a:spLocks noGrp="1" noRot="1" noChangeAspect="1" noMove="1" noResize="1" noEditPoints="1" noAdjustHandles="1" noChangeArrowheads="1" noChangeShapeType="1" noTextEdit="1"/>
+          </p:cNvSpPr>
+          <p:nvPr>
+            <p:extLst>
+              <p:ext uri="{386F3935-93C4-4BCD-93E2-E3B085C9AB24}">
+                <p16:designElem xmlns:p16="http://schemas.microsoft.com/office/powerpoint/2015/main" val="1"/>
+              </p:ext>
+            </p:extLst>
+          </p:nvPr>
+        </p:nvSpPr>
+        <p:spPr>
+          <a:xfrm>
+            <a:off x="10208695" y="1"/>
+            <a:ext cx="1135066" cy="477997"/>
+          </a:xfrm>
+          <a:custGeom>
+            <a:avLst/>
+            <a:gdLst/>
+            <a:ahLst/>
+            <a:cxnLst/>
+            <a:rect l="l" t="t" r="r" b="b"/>
+            <a:pathLst>
+              <a:path w="1135066" h="477997">
+                <a:moveTo>
+                  <a:pt x="0" y="0"/>
+                </a:moveTo>
+                <a:lnTo>
+                  <a:pt x="1135066" y="0"/>
+                </a:lnTo>
+                <a:lnTo>
+                  <a:pt x="1133370" y="16827"/>
+                </a:lnTo>
+                <a:cubicBezTo>
+                  <a:pt x="1079514" y="280016"/>
+                  <a:pt x="846644" y="477997"/>
+                  <a:pt x="567533" y="477997"/>
+                </a:cubicBezTo>
+                <a:cubicBezTo>
+                  <a:pt x="288422" y="477997"/>
+                  <a:pt x="55552" y="280016"/>
+                  <a:pt x="1696" y="16827"/>
+                </a:cubicBezTo>
+                <a:close/>
+              </a:path>
+            </a:pathLst>
+          </a:custGeom>
+          <a:solidFill>
+            <a:schemeClr val="accent4"/>
+          </a:solidFill>
+          <a:ln>
+            <a:noFill/>
+          </a:ln>
+        </p:spPr>
+        <p:style>
+          <a:lnRef idx="2">
+            <a:schemeClr val="accent1">
+              <a:shade val="50000"/>
+            </a:schemeClr>
+          </a:lnRef>
+          <a:fillRef idx="1">
+            <a:schemeClr val="accent1"/>
+          </a:fillRef>
+          <a:effectRef idx="0">
+            <a:schemeClr val="accent1"/>
+          </a:effectRef>
+          <a:fontRef idx="minor">
+            <a:schemeClr val="lt1"/>
+          </a:fontRef>
+        </p:style>
+        <p:txBody>
+          <a:bodyPr wrap="square" rtlCol="0" anchor="ctr">
+            <a:noAutofit/>
+          </a:bodyPr>
+          <a:lstStyle/>
+          <a:p>
+            <a:pPr marL="0" marR="0" lvl="0" indent="0" algn="ctr" defTabSz="914400" rtl="0" eaLnBrk="1" fontAlgn="auto" latinLnBrk="0" hangingPunct="1">
+              <a:lnSpc>
+                <a:spcPct val="100000"/>
+              </a:lnSpc>
+              <a:spcBef>
+                <a:spcPts val="0"/>
+              </a:spcBef>
+              <a:spcAft>
+                <a:spcPts val="0"/>
+              </a:spcAft>
+              <a:buClrTx/>
+              <a:buSzTx/>
+              <a:buFontTx/>
+              <a:buNone/>
+              <a:tabLst/>
+              <a:defRPr/>
+            </a:pPr>
+            <a:endParaRPr kumimoji="0" lang="en-US" sz="1800" b="0" i="0" u="none" strike="noStrike" kern="1200" cap="none" spc="0" normalizeH="0" baseline="0" noProof="0">
+              <a:ln>
+                <a:noFill/>
+              </a:ln>
+              <a:solidFill>
+                <a:prstClr val="white"/>
+              </a:solidFill>
+              <a:effectLst/>
+              <a:uLnTx/>
+              <a:uFillTx/>
+              <a:latin typeface="Calibri" panose="020F0502020204030204"/>
+              <a:ea typeface="+mn-ea"/>
+              <a:cs typeface="+mn-cs"/>
+            </a:endParaRPr>
+          </a:p>
+        </p:txBody>
+      </p:sp>
+      <p:sp>
+        <p:nvSpPr>
+          <p:cNvPr id="30" name="Arc 29">
+            <a:extLst>
+              <a:ext uri="{FF2B5EF4-FFF2-40B4-BE49-F238E27FC236}">
+                <a16:creationId xmlns:a16="http://schemas.microsoft.com/office/drawing/2014/main" id="{2B30C86D-5A07-48BC-9C9D-6F9A2DB1E9E1}"/>
+              </a:ext>
+              <a:ext uri="{C183D7F6-B498-43B3-948B-1728B52AA6E4}">
+                <adec:decorative xmlns:adec="http://schemas.microsoft.com/office/drawing/2017/decorative" val="1"/>
+              </a:ext>
+            </a:extLst>
+          </p:cNvPr>
+          <p:cNvSpPr>
+            <a:spLocks noGrp="1" noRot="1" noChangeAspect="1" noMove="1" noResize="1" noEditPoints="1" noAdjustHandles="1" noChangeArrowheads="1" noChangeShapeType="1" noTextEdit="1"/>
+          </p:cNvSpPr>
+          <p:nvPr>
+            <p:extLst>
+              <p:ext uri="{386F3935-93C4-4BCD-93E2-E3B085C9AB24}">
+                <p16:designElem xmlns:p16="http://schemas.microsoft.com/office/powerpoint/2015/main" val="1"/>
+              </p:ext>
+            </p:extLst>
+          </p:nvPr>
+        </p:nvSpPr>
+        <p:spPr>
+          <a:xfrm rot="10800000" flipV="1">
+            <a:off x="555710" y="1064829"/>
+            <a:ext cx="4083433" cy="4083433"/>
+          </a:xfrm>
+          <a:prstGeom prst="arc">
+            <a:avLst/>
+          </a:prstGeom>
+          <a:ln w="127000" cap="rnd">
+            <a:solidFill>
+              <a:schemeClr val="accent4"/>
+            </a:solidFill>
+            <a:prstDash val="dash"/>
+          </a:ln>
+        </p:spPr>
+        <p:style>
+          <a:lnRef idx="1">
+            <a:schemeClr val="accent1"/>
+          </a:lnRef>
+          <a:fillRef idx="0">
+            <a:schemeClr val="accent1"/>
+          </a:fillRef>
+          <a:effectRef idx="0">
+            <a:schemeClr val="accent1"/>
+          </a:effectRef>
+          <a:fontRef idx="minor">
+            <a:schemeClr val="tx1"/>
+          </a:fontRef>
+        </p:style>
+        <p:txBody>
+          <a:bodyPr rtlCol="0" anchor="ctr"/>
+          <a:lstStyle/>
+          <a:p>
+            <a:pPr marL="0" marR="0" lvl="0" indent="0" algn="ctr" defTabSz="914400" rtl="0" eaLnBrk="1" fontAlgn="auto" latinLnBrk="0" hangingPunct="1">
+              <a:lnSpc>
+                <a:spcPct val="100000"/>
+              </a:lnSpc>
+              <a:spcBef>
+                <a:spcPts val="0"/>
+              </a:spcBef>
+              <a:spcAft>
+                <a:spcPts val="0"/>
+              </a:spcAft>
+              <a:buClrTx/>
+              <a:buSzTx/>
+              <a:buFontTx/>
+              <a:buNone/>
+              <a:tabLst/>
+              <a:defRPr/>
+            </a:pPr>
+            <a:endParaRPr kumimoji="0" lang="en-US" sz="1800" b="0" i="0" u="none" strike="noStrike" kern="1200" cap="none" spc="0" normalizeH="0" baseline="0" noProof="0" dirty="0">
+              <a:ln>
+                <a:noFill/>
+              </a:ln>
+              <a:solidFill>
+                <a:prstClr val="black"/>
+              </a:solidFill>
+              <a:effectLst/>
+              <a:uLnTx/>
+              <a:uFillTx/>
+              <a:latin typeface="Calibri" panose="020F0502020204030204"/>
+              <a:ea typeface="+mn-ea"/>
+              <a:cs typeface="+mn-cs"/>
+            </a:endParaRPr>
+          </a:p>
+        </p:txBody>
+      </p:sp>
+      <p:sp useBgFill="1">
+        <p:nvSpPr>
+          <p:cNvPr id="31" name="Rectangle 30">
+            <a:extLst>
+              <a:ext uri="{FF2B5EF4-FFF2-40B4-BE49-F238E27FC236}">
+                <a16:creationId xmlns:a16="http://schemas.microsoft.com/office/drawing/2014/main" id="{EF8C1CD2-E59C-42CC-91D0-39F8E0CF1653}"/>
+              </a:ext>
+              <a:ext uri="{C183D7F6-B498-43B3-948B-1728B52AA6E4}">
+                <adec:decorative xmlns:adec="http://schemas.microsoft.com/office/drawing/2017/decorative" val="1"/>
+              </a:ext>
+            </a:extLst>
+          </p:cNvPr>
+          <p:cNvSpPr>
+            <a:spLocks noGrp="1" noRot="1" noChangeAspect="1" noMove="1" noResize="1" noEditPoints="1" noAdjustHandles="1" noChangeArrowheads="1" noChangeShapeType="1" noTextEdit="1"/>
+          </p:cNvSpPr>
+          <p:nvPr>
+            <p:extLst>
+              <p:ext uri="{386F3935-93C4-4BCD-93E2-E3B085C9AB24}">
+                <p16:designElem xmlns:p16="http://schemas.microsoft.com/office/powerpoint/2015/main" val="1"/>
+              </p:ext>
+            </p:extLst>
+          </p:nvPr>
+        </p:nvSpPr>
+        <p:spPr>
+          <a:xfrm>
+            <a:off x="0" y="0"/>
+            <a:ext cx="12188952" cy="6858000"/>
+          </a:xfrm>
+          <a:prstGeom prst="rect">
+            <a:avLst/>
+          </a:prstGeom>
+        </p:spPr>
+        <p:txBody>
+          <a:bodyPr vert="horz" lIns="91440" tIns="45720" rIns="91440" bIns="45720" rtlCol="0" anchor="ctr"/>
+          <a:lstStyle/>
+          <a:p>
+            <a:endParaRPr lang="en-US" sz="1200">
+              <a:solidFill>
+                <a:prstClr val="black">
+                  <a:tint val="75000"/>
+                </a:prstClr>
+              </a:solidFill>
+            </a:endParaRPr>
+          </a:p>
+        </p:txBody>
+      </p:sp>
+      <p:sp>
+        <p:nvSpPr>
+          <p:cNvPr id="2" name="Title 1">
+            <a:extLst>
+              <a:ext uri="{FF2B5EF4-FFF2-40B4-BE49-F238E27FC236}">
+                <a16:creationId xmlns:a16="http://schemas.microsoft.com/office/drawing/2014/main" id="{C32A55BE-F1F8-EAF8-77E1-6DEAD2F7F7CE}"/>
+              </a:ext>
+            </a:extLst>
+          </p:cNvPr>
+          <p:cNvSpPr>
+            <a:spLocks noGrp="1"/>
+          </p:cNvSpPr>
+          <p:nvPr>
+            <p:ph type="title"/>
+          </p:nvPr>
+        </p:nvSpPr>
+        <p:spPr>
+          <a:xfrm>
+            <a:off x="6955477" y="241246"/>
+            <a:ext cx="4661512" cy="941490"/>
+          </a:xfrm>
+        </p:spPr>
+        <p:txBody>
+          <a:bodyPr vert="horz" lIns="91440" tIns="45720" rIns="91440" bIns="45720" rtlCol="0" anchor="b">
+            <a:normAutofit fontScale="90000"/>
+          </a:bodyPr>
+          <a:lstStyle/>
+          <a:p>
+            <a:pPr algn="ctr"/>
+            <a:r>
+              <a:rPr lang="en-US" sz="4200" kern="1200">
+                <a:solidFill>
+                  <a:schemeClr val="tx1"/>
+                </a:solidFill>
+                <a:latin typeface="+mj-lt"/>
+                <a:ea typeface="+mj-ea"/>
+                <a:cs typeface="+mj-cs"/>
+              </a:rPr>
+              <a:t>Processo de desenvolvimento</a:t>
+            </a:r>
+          </a:p>
+        </p:txBody>
+      </p:sp>
+      <p:pic>
+        <p:nvPicPr>
+          <p:cNvPr id="7" name="Content Placeholder 6" descr="A black rectangular object with a black stripe&#10;&#10;Description automatically generated">
+            <a:extLst>
+              <a:ext uri="{FF2B5EF4-FFF2-40B4-BE49-F238E27FC236}">
+                <a16:creationId xmlns:a16="http://schemas.microsoft.com/office/drawing/2014/main" id="{828377C6-9A98-08E7-8823-D83881552B01}"/>
+              </a:ext>
+            </a:extLst>
+          </p:cNvPr>
+          <p:cNvPicPr>
+            <a:picLocks noGrp="1" noChangeAspect="1"/>
+          </p:cNvPicPr>
+          <p:nvPr>
+            <p:ph idx="1"/>
+          </p:nvPr>
+        </p:nvPicPr>
+        <p:blipFill>
+          <a:blip r:embed="rId2"/>
+          <a:stretch>
+            <a:fillRect/>
+          </a:stretch>
+        </p:blipFill>
+        <p:spPr>
+          <a:xfrm>
+            <a:off x="385413" y="630049"/>
+            <a:ext cx="4766087" cy="1265369"/>
+          </a:xfrm>
+          <a:custGeom>
+            <a:avLst/>
+            <a:gdLst/>
+            <a:ahLst/>
+            <a:cxnLst/>
+            <a:rect l="l" t="t" r="r" b="b"/>
+            <a:pathLst>
+              <a:path w="1964763" h="1856167">
+                <a:moveTo>
+                  <a:pt x="34265" y="0"/>
+                </a:moveTo>
+                <a:lnTo>
+                  <a:pt x="1930498" y="0"/>
+                </a:lnTo>
+                <a:cubicBezTo>
+                  <a:pt x="1949422" y="0"/>
+                  <a:pt x="1964763" y="15341"/>
+                  <a:pt x="1964763" y="34265"/>
+                </a:cubicBezTo>
+                <a:lnTo>
+                  <a:pt x="1964763" y="1821902"/>
+                </a:lnTo>
+                <a:cubicBezTo>
+                  <a:pt x="1964763" y="1840826"/>
+                  <a:pt x="1949422" y="1856167"/>
+                  <a:pt x="1930498" y="1856167"/>
+                </a:cubicBezTo>
+                <a:lnTo>
+                  <a:pt x="34265" y="1856167"/>
+                </a:lnTo>
+                <a:cubicBezTo>
+                  <a:pt x="15341" y="1856167"/>
+                  <a:pt x="0" y="1840826"/>
+                  <a:pt x="0" y="1821902"/>
+                </a:cubicBezTo>
+                <a:lnTo>
+                  <a:pt x="0" y="34265"/>
+                </a:lnTo>
+                <a:cubicBezTo>
+                  <a:pt x="0" y="15341"/>
+                  <a:pt x="15341" y="0"/>
+                  <a:pt x="34265" y="0"/>
+                </a:cubicBezTo>
+                <a:close/>
+              </a:path>
+            </a:pathLst>
+          </a:custGeom>
+        </p:spPr>
+      </p:pic>
+      <p:sp>
+        <p:nvSpPr>
+          <p:cNvPr id="32" name="Freeform: Shape 31">
+            <a:extLst>
+              <a:ext uri="{FF2B5EF4-FFF2-40B4-BE49-F238E27FC236}">
+                <a16:creationId xmlns:a16="http://schemas.microsoft.com/office/drawing/2014/main" id="{07062BB1-E215-424E-80C4-7E1CF179A357}"/>
+              </a:ext>
+              <a:ext uri="{C183D7F6-B498-43B3-948B-1728B52AA6E4}">
+                <adec:decorative xmlns:adec="http://schemas.microsoft.com/office/drawing/2017/decorative" val="1"/>
+              </a:ext>
+            </a:extLst>
+          </p:cNvPr>
+          <p:cNvSpPr>
+            <a:spLocks noGrp="1" noRot="1" noChangeAspect="1" noMove="1" noResize="1" noEditPoints="1" noAdjustHandles="1" noChangeArrowheads="1" noChangeShapeType="1" noTextEdit="1"/>
+          </p:cNvSpPr>
+          <p:nvPr>
+            <p:extLst>
+              <p:ext uri="{386F3935-93C4-4BCD-93E2-E3B085C9AB24}">
+                <p16:designElem xmlns:p16="http://schemas.microsoft.com/office/powerpoint/2015/main" val="1"/>
+              </p:ext>
+            </p:extLst>
+          </p:nvPr>
+        </p:nvSpPr>
+        <p:spPr>
+          <a:xfrm flipH="1">
+            <a:off x="3780392" y="0"/>
+            <a:ext cx="2066948" cy="1621879"/>
+          </a:xfrm>
+          <a:custGeom>
+            <a:avLst/>
+            <a:gdLst>
+              <a:gd name="connsiteX0" fmla="*/ 0 w 2066948"/>
+              <a:gd name="connsiteY0" fmla="*/ 0 h 1621879"/>
+              <a:gd name="connsiteX1" fmla="*/ 123825 w 2066948"/>
+              <a:gd name="connsiteY1" fmla="*/ 0 h 1621879"/>
+              <a:gd name="connsiteX2" fmla="*/ 123825 w 2066948"/>
+              <a:gd name="connsiteY2" fmla="*/ 1452620 h 1621879"/>
+              <a:gd name="connsiteX3" fmla="*/ 1881378 w 2066948"/>
+              <a:gd name="connsiteY3" fmla="*/ 436017 h 1621879"/>
+              <a:gd name="connsiteX4" fmla="*/ 1127572 w 2066948"/>
+              <a:gd name="connsiteY4" fmla="*/ 0 h 1621879"/>
+              <a:gd name="connsiteX5" fmla="*/ 1374887 w 2066948"/>
+              <a:gd name="connsiteY5" fmla="*/ 0 h 1621879"/>
+              <a:gd name="connsiteX6" fmla="*/ 2035969 w 2066948"/>
+              <a:gd name="connsiteY6" fmla="*/ 382391 h 1621879"/>
+              <a:gd name="connsiteX7" fmla="*/ 2058648 w 2066948"/>
+              <a:gd name="connsiteY7" fmla="*/ 466963 h 1621879"/>
+              <a:gd name="connsiteX8" fmla="*/ 2035969 w 2066948"/>
+              <a:gd name="connsiteY8" fmla="*/ 489642 h 1621879"/>
+              <a:gd name="connsiteX9" fmla="*/ 92869 w 2066948"/>
+              <a:gd name="connsiteY9" fmla="*/ 1613592 h 1621879"/>
+              <a:gd name="connsiteX10" fmla="*/ 61913 w 2066948"/>
+              <a:gd name="connsiteY10" fmla="*/ 1621879 h 1621879"/>
+              <a:gd name="connsiteX11" fmla="*/ 0 w 2066948"/>
+              <a:gd name="connsiteY11" fmla="*/ 1559967 h 1621879"/>
+            </a:gdLst>
+            <a:ahLst/>
+            <a:cxnLst>
+              <a:cxn ang="0">
+                <a:pos x="connsiteX0" y="connsiteY0"/>
+              </a:cxn>
+              <a:cxn ang="0">
+                <a:pos x="connsiteX1" y="connsiteY1"/>
+              </a:cxn>
+              <a:cxn ang="0">
+                <a:pos x="connsiteX2" y="connsiteY2"/>
+              </a:cxn>
+              <a:cxn ang="0">
+                <a:pos x="connsiteX3" y="connsiteY3"/>
+              </a:cxn>
+              <a:cxn ang="0">
+                <a:pos x="connsiteX4" y="connsiteY4"/>
+              </a:cxn>
+              <a:cxn ang="0">
+                <a:pos x="connsiteX5" y="connsiteY5"/>
+              </a:cxn>
+              <a:cxn ang="0">
+                <a:pos x="connsiteX6" y="connsiteY6"/>
+              </a:cxn>
+              <a:cxn ang="0">
+                <a:pos x="connsiteX7" y="connsiteY7"/>
+              </a:cxn>
+              <a:cxn ang="0">
+                <a:pos x="connsiteX8" y="connsiteY8"/>
+              </a:cxn>
+              <a:cxn ang="0">
+                <a:pos x="connsiteX9" y="connsiteY9"/>
+              </a:cxn>
+              <a:cxn ang="0">
+                <a:pos x="connsiteX10" y="connsiteY10"/>
+              </a:cxn>
+              <a:cxn ang="0">
+                <a:pos x="connsiteX11" y="connsiteY11"/>
+              </a:cxn>
+            </a:cxnLst>
+            <a:rect l="l" t="t" r="r" b="b"/>
+            <a:pathLst>
+              <a:path w="2066948" h="1621879">
+                <a:moveTo>
+                  <a:pt x="0" y="0"/>
+                </a:moveTo>
+                <a:lnTo>
+                  <a:pt x="123825" y="0"/>
+                </a:lnTo>
+                <a:lnTo>
+                  <a:pt x="123825" y="1452620"/>
+                </a:lnTo>
+                <a:lnTo>
+                  <a:pt x="1881378" y="436017"/>
+                </a:lnTo>
+                <a:lnTo>
+                  <a:pt x="1127572" y="0"/>
+                </a:lnTo>
+                <a:lnTo>
+                  <a:pt x="1374887" y="0"/>
+                </a:lnTo>
+                <a:lnTo>
+                  <a:pt x="2035969" y="382391"/>
+                </a:lnTo>
+                <a:cubicBezTo>
+                  <a:pt x="2065582" y="399479"/>
+                  <a:pt x="2075745" y="437340"/>
+                  <a:pt x="2058648" y="466963"/>
+                </a:cubicBezTo>
+                <a:cubicBezTo>
+                  <a:pt x="2053219" y="476384"/>
+                  <a:pt x="2045389" y="484204"/>
+                  <a:pt x="2035969" y="489642"/>
+                </a:cubicBezTo>
+                <a:lnTo>
+                  <a:pt x="92869" y="1613592"/>
+                </a:lnTo>
+                <a:cubicBezTo>
+                  <a:pt x="83458" y="1619031"/>
+                  <a:pt x="72780" y="1621889"/>
+                  <a:pt x="61913" y="1621879"/>
+                </a:cubicBezTo>
+                <a:cubicBezTo>
+                  <a:pt x="27719" y="1621879"/>
+                  <a:pt x="0" y="1594161"/>
+                  <a:pt x="0" y="1559967"/>
+                </a:cubicBezTo>
+                <a:close/>
+              </a:path>
+            </a:pathLst>
+          </a:custGeom>
+          <a:solidFill>
+            <a:schemeClr val="accent6"/>
+          </a:solidFill>
+          <a:ln w="9525" cap="flat">
+            <a:noFill/>
+            <a:prstDash val="solid"/>
+            <a:miter/>
+          </a:ln>
+        </p:spPr>
+        <p:txBody>
+          <a:bodyPr rtlCol="0" anchor="ctr"/>
+          <a:lstStyle/>
+          <a:p>
+            <a:pPr marL="0" marR="0" lvl="0" indent="0" algn="l" defTabSz="914400" rtl="0" eaLnBrk="1" fontAlgn="auto" latinLnBrk="0" hangingPunct="1">
+              <a:lnSpc>
+                <a:spcPct val="100000"/>
+              </a:lnSpc>
+              <a:spcBef>
+                <a:spcPts val="0"/>
+              </a:spcBef>
+              <a:spcAft>
+                <a:spcPts val="0"/>
+              </a:spcAft>
+              <a:buClrTx/>
+              <a:buSzTx/>
+              <a:buFontTx/>
+              <a:buNone/>
+              <a:tabLst/>
+              <a:defRPr/>
+            </a:pPr>
+            <a:endParaRPr kumimoji="0" lang="en-US" sz="1800" b="0" i="0" u="none" strike="noStrike" kern="1200" cap="none" spc="0" normalizeH="0" baseline="0" noProof="0" dirty="0">
+              <a:ln>
+                <a:noFill/>
+              </a:ln>
+              <a:solidFill>
+                <a:prstClr val="black"/>
+              </a:solidFill>
+              <a:effectLst/>
+              <a:uLnTx/>
+              <a:uFillTx/>
+              <a:latin typeface="Calibri" panose="020F0502020204030204"/>
+              <a:ea typeface="+mn-ea"/>
+              <a:cs typeface="+mn-cs"/>
+            </a:endParaRPr>
+          </a:p>
+        </p:txBody>
+      </p:sp>
+      <p:sp>
+        <p:nvSpPr>
+          <p:cNvPr id="33" name="Freeform: Shape 32">
+            <a:extLst>
+              <a:ext uri="{FF2B5EF4-FFF2-40B4-BE49-F238E27FC236}">
+                <a16:creationId xmlns:a16="http://schemas.microsoft.com/office/drawing/2014/main" id="{B368E167-B2D7-4904-BB6B-AE0486A2C6F8}"/>
+              </a:ext>
+              <a:ext uri="{C183D7F6-B498-43B3-948B-1728B52AA6E4}">
+                <adec:decorative xmlns:adec="http://schemas.microsoft.com/office/drawing/2017/decorative" val="1"/>
+              </a:ext>
+            </a:extLst>
+          </p:cNvPr>
+          <p:cNvSpPr>
+            <a:spLocks noGrp="1" noRot="1" noChangeAspect="1" noMove="1" noResize="1" noEditPoints="1" noAdjustHandles="1" noChangeArrowheads="1" noChangeShapeType="1" noTextEdit="1"/>
+          </p:cNvSpPr>
+          <p:nvPr>
+            <p:extLst>
+              <p:ext uri="{386F3935-93C4-4BCD-93E2-E3B085C9AB24}">
+                <p16:designElem xmlns:p16="http://schemas.microsoft.com/office/powerpoint/2015/main" val="1"/>
+              </p:ext>
+            </p:extLst>
+          </p:nvPr>
+        </p:nvSpPr>
+        <p:spPr>
+          <a:xfrm flipH="1">
+            <a:off x="0" y="2775097"/>
+            <a:ext cx="765366" cy="1000485"/>
+          </a:xfrm>
+          <a:custGeom>
+            <a:avLst/>
+            <a:gdLst>
+              <a:gd name="connsiteX0" fmla="*/ 824347 w 1261243"/>
+              <a:gd name="connsiteY0" fmla="*/ 0 h 1648694"/>
+              <a:gd name="connsiteX1" fmla="*/ 1145220 w 1261243"/>
+              <a:gd name="connsiteY1" fmla="*/ 64781 h 1648694"/>
+              <a:gd name="connsiteX2" fmla="*/ 1261243 w 1261243"/>
+              <a:gd name="connsiteY2" fmla="*/ 127757 h 1648694"/>
+              <a:gd name="connsiteX3" fmla="*/ 1261243 w 1261243"/>
+              <a:gd name="connsiteY3" fmla="*/ 1520938 h 1648694"/>
+              <a:gd name="connsiteX4" fmla="*/ 1145220 w 1261243"/>
+              <a:gd name="connsiteY4" fmla="*/ 1583913 h 1648694"/>
+              <a:gd name="connsiteX5" fmla="*/ 824347 w 1261243"/>
+              <a:gd name="connsiteY5" fmla="*/ 1648694 h 1648694"/>
+              <a:gd name="connsiteX6" fmla="*/ 0 w 1261243"/>
+              <a:gd name="connsiteY6" fmla="*/ 824347 h 1648694"/>
+              <a:gd name="connsiteX7" fmla="*/ 824347 w 1261243"/>
+              <a:gd name="connsiteY7" fmla="*/ 0 h 1648694"/>
+            </a:gdLst>
+            <a:ahLst/>
+            <a:cxnLst>
+              <a:cxn ang="0">
+                <a:pos x="connsiteX0" y="connsiteY0"/>
+              </a:cxn>
+              <a:cxn ang="0">
+                <a:pos x="connsiteX1" y="connsiteY1"/>
+              </a:cxn>
+              <a:cxn ang="0">
+                <a:pos x="connsiteX2" y="connsiteY2"/>
+              </a:cxn>
+              <a:cxn ang="0">
+                <a:pos x="connsiteX3" y="connsiteY3"/>
+              </a:cxn>
+              <a:cxn ang="0">
+                <a:pos x="connsiteX4" y="connsiteY4"/>
+              </a:cxn>
+              <a:cxn ang="0">
+                <a:pos x="connsiteX5" y="connsiteY5"/>
+              </a:cxn>
+              <a:cxn ang="0">
+                <a:pos x="connsiteX6" y="connsiteY6"/>
+              </a:cxn>
+              <a:cxn ang="0">
+                <a:pos x="connsiteX7" y="connsiteY7"/>
+              </a:cxn>
+            </a:cxnLst>
+            <a:rect l="l" t="t" r="r" b="b"/>
+            <a:pathLst>
+              <a:path w="1261243" h="1648694">
+                <a:moveTo>
+                  <a:pt x="824347" y="0"/>
+                </a:moveTo>
+                <a:cubicBezTo>
+                  <a:pt x="938165" y="0"/>
+                  <a:pt x="1046596" y="23067"/>
+                  <a:pt x="1145220" y="64781"/>
+                </a:cubicBezTo>
+                <a:lnTo>
+                  <a:pt x="1261243" y="127757"/>
+                </a:lnTo>
+                <a:lnTo>
+                  <a:pt x="1261243" y="1520938"/>
+                </a:lnTo>
+                <a:lnTo>
+                  <a:pt x="1145220" y="1583913"/>
+                </a:lnTo>
+                <a:cubicBezTo>
+                  <a:pt x="1046596" y="1625627"/>
+                  <a:pt x="938165" y="1648694"/>
+                  <a:pt x="824347" y="1648694"/>
+                </a:cubicBezTo>
+                <a:cubicBezTo>
+                  <a:pt x="369073" y="1648694"/>
+                  <a:pt x="0" y="1279621"/>
+                  <a:pt x="0" y="824347"/>
+                </a:cubicBezTo>
+                <a:cubicBezTo>
+                  <a:pt x="0" y="369073"/>
+                  <a:pt x="369073" y="0"/>
+                  <a:pt x="824347" y="0"/>
+                </a:cubicBezTo>
+                <a:close/>
+              </a:path>
+            </a:pathLst>
+          </a:custGeom>
+          <a:solidFill>
+            <a:schemeClr val="accent2"/>
+          </a:solidFill>
+          <a:ln w="127000">
+            <a:noFill/>
+          </a:ln>
+        </p:spPr>
+        <p:style>
+          <a:lnRef idx="2">
+            <a:schemeClr val="accent1">
+              <a:shade val="50000"/>
+            </a:schemeClr>
+          </a:lnRef>
+          <a:fillRef idx="1">
+            <a:schemeClr val="accent1"/>
+          </a:fillRef>
+          <a:effectRef idx="0">
+            <a:schemeClr val="accent1"/>
+          </a:effectRef>
+          <a:fontRef idx="minor">
+            <a:schemeClr val="lt1"/>
+          </a:fontRef>
+        </p:style>
+        <p:txBody>
+          <a:bodyPr wrap="square" rtlCol="0" anchor="ctr">
+            <a:noAutofit/>
+          </a:bodyPr>
+          <a:lstStyle/>
+          <a:p>
+            <a:pPr marL="0" marR="0" lvl="0" indent="0" algn="ctr" defTabSz="914400" rtl="0" eaLnBrk="1" fontAlgn="auto" latinLnBrk="0" hangingPunct="1">
+              <a:lnSpc>
+                <a:spcPct val="100000"/>
+              </a:lnSpc>
+              <a:spcBef>
+                <a:spcPts val="0"/>
+              </a:spcBef>
+              <a:spcAft>
+                <a:spcPts val="0"/>
+              </a:spcAft>
+              <a:buClrTx/>
+              <a:buSzTx/>
+              <a:buFontTx/>
+              <a:buNone/>
+              <a:tabLst/>
+              <a:defRPr/>
+            </a:pPr>
+            <a:endParaRPr kumimoji="0" lang="en-US" sz="1800" b="0" i="0" u="none" strike="noStrike" kern="1200" cap="none" spc="0" normalizeH="0" baseline="0" noProof="0">
+              <a:ln>
+                <a:noFill/>
+              </a:ln>
+              <a:solidFill>
+                <a:prstClr val="white"/>
+              </a:solidFill>
+              <a:effectLst/>
+              <a:uLnTx/>
+              <a:uFillTx/>
+              <a:latin typeface="Calibri" panose="020F0502020204030204"/>
+              <a:ea typeface="+mn-ea"/>
+              <a:cs typeface="+mn-cs"/>
+            </a:endParaRPr>
+          </a:p>
+        </p:txBody>
+      </p:sp>
+      <p:sp>
+        <p:nvSpPr>
+          <p:cNvPr id="34" name="Oval 33">
+            <a:extLst>
+              <a:ext uri="{FF2B5EF4-FFF2-40B4-BE49-F238E27FC236}">
+                <a16:creationId xmlns:a16="http://schemas.microsoft.com/office/drawing/2014/main" id="{6FD0FBFA-B43E-40C1-A6E4-B88234171E7A}"/>
+              </a:ext>
+              <a:ext uri="{C183D7F6-B498-43B3-948B-1728B52AA6E4}">
+                <adec:decorative xmlns:adec="http://schemas.microsoft.com/office/drawing/2017/decorative" val="1"/>
+              </a:ext>
+            </a:extLst>
+          </p:cNvPr>
+          <p:cNvSpPr>
+            <a:spLocks noGrp="1" noRot="1" noChangeAspect="1" noMove="1" noResize="1" noEditPoints="1" noAdjustHandles="1" noChangeArrowheads="1" noChangeShapeType="1" noTextEdit="1"/>
+          </p:cNvSpPr>
+          <p:nvPr>
+            <p:extLst>
+              <p:ext uri="{386F3935-93C4-4BCD-93E2-E3B085C9AB24}">
+                <p16:designElem xmlns:p16="http://schemas.microsoft.com/office/powerpoint/2015/main" val="1"/>
+              </p:ext>
+            </p:extLst>
+          </p:nvPr>
+        </p:nvSpPr>
+        <p:spPr>
+          <a:xfrm>
+            <a:off x="2155896" y="3280331"/>
+            <a:ext cx="569514" cy="569514"/>
+          </a:xfrm>
+          <a:prstGeom prst="ellipse">
+            <a:avLst/>
+          </a:prstGeom>
+          <a:noFill/>
+          <a:ln w="127000">
+            <a:solidFill>
+              <a:schemeClr val="accent5"/>
+            </a:solidFill>
+          </a:ln>
+        </p:spPr>
+        <p:style>
+          <a:lnRef idx="2">
+            <a:schemeClr val="accent1">
+              <a:shade val="50000"/>
+            </a:schemeClr>
+          </a:lnRef>
+          <a:fillRef idx="1">
+            <a:schemeClr val="accent1"/>
+          </a:fillRef>
+          <a:effectRef idx="0">
+            <a:schemeClr val="accent1"/>
+          </a:effectRef>
+          <a:fontRef idx="minor">
+            <a:schemeClr val="lt1"/>
+          </a:fontRef>
+        </p:style>
+        <p:txBody>
+          <a:bodyPr rtlCol="0" anchor="ctr"/>
+          <a:lstStyle/>
+          <a:p>
+            <a:pPr marL="0" marR="0" lvl="0" indent="0" algn="ctr" defTabSz="914400" rtl="0" eaLnBrk="1" fontAlgn="auto" latinLnBrk="0" hangingPunct="1">
+              <a:lnSpc>
+                <a:spcPct val="100000"/>
+              </a:lnSpc>
+              <a:spcBef>
+                <a:spcPts val="0"/>
+              </a:spcBef>
+              <a:spcAft>
+                <a:spcPts val="0"/>
+              </a:spcAft>
+              <a:buClrTx/>
+              <a:buSzTx/>
+              <a:buFontTx/>
+              <a:buNone/>
+              <a:tabLst/>
+              <a:defRPr/>
+            </a:pPr>
+            <a:endParaRPr kumimoji="0" lang="en-US" sz="1800" b="0" i="0" u="none" strike="noStrike" kern="1200" cap="none" spc="0" normalizeH="0" baseline="0" noProof="0" dirty="0">
+              <a:ln>
+                <a:noFill/>
+              </a:ln>
+              <a:solidFill>
+                <a:prstClr val="white"/>
+              </a:solidFill>
+              <a:effectLst/>
+              <a:uLnTx/>
+              <a:uFillTx/>
+              <a:latin typeface="Calibri" panose="020F0502020204030204"/>
+              <a:ea typeface="+mn-ea"/>
+              <a:cs typeface="+mn-cs"/>
+            </a:endParaRPr>
+          </a:p>
+        </p:txBody>
+      </p:sp>
+      <p:pic>
+        <p:nvPicPr>
+          <p:cNvPr id="10" name="Picture 9" descr="A screenshot of a computer program&#10;&#10;Description automatically generated">
+            <a:extLst>
+              <a:ext uri="{FF2B5EF4-FFF2-40B4-BE49-F238E27FC236}">
+                <a16:creationId xmlns:a16="http://schemas.microsoft.com/office/drawing/2014/main" id="{6B86B38C-B1FC-F5E8-179D-26235D3C0073}"/>
+              </a:ext>
+            </a:extLst>
+          </p:cNvPr>
+          <p:cNvPicPr>
+            <a:picLocks noChangeAspect="1"/>
+          </p:cNvPicPr>
+          <p:nvPr/>
+        </p:nvPicPr>
+        <p:blipFill>
+          <a:blip r:embed="rId3"/>
+          <a:stretch>
+            <a:fillRect/>
+          </a:stretch>
+        </p:blipFill>
+        <p:spPr>
+          <a:xfrm>
+            <a:off x="8004942" y="1256627"/>
+            <a:ext cx="3898984" cy="3693307"/>
+          </a:xfrm>
+          <a:custGeom>
+            <a:avLst/>
+            <a:gdLst/>
+            <a:ahLst/>
+            <a:cxnLst/>
+            <a:rect l="l" t="t" r="r" b="b"/>
+            <a:pathLst>
+              <a:path w="2565029" h="2588972">
+                <a:moveTo>
+                  <a:pt x="69897" y="0"/>
+                </a:moveTo>
+                <a:lnTo>
+                  <a:pt x="2495132" y="0"/>
+                </a:lnTo>
+                <a:cubicBezTo>
+                  <a:pt x="2533735" y="0"/>
+                  <a:pt x="2565029" y="31294"/>
+                  <a:pt x="2565029" y="69897"/>
+                </a:cubicBezTo>
+                <a:lnTo>
+                  <a:pt x="2565029" y="2519075"/>
+                </a:lnTo>
+                <a:cubicBezTo>
+                  <a:pt x="2565029" y="2557678"/>
+                  <a:pt x="2533735" y="2588972"/>
+                  <a:pt x="2495132" y="2588972"/>
+                </a:cubicBezTo>
+                <a:lnTo>
+                  <a:pt x="69897" y="2588972"/>
+                </a:lnTo>
+                <a:cubicBezTo>
+                  <a:pt x="31294" y="2588972"/>
+                  <a:pt x="0" y="2557678"/>
+                  <a:pt x="0" y="2519075"/>
+                </a:cubicBezTo>
+                <a:lnTo>
+                  <a:pt x="0" y="69897"/>
+                </a:lnTo>
+                <a:cubicBezTo>
+                  <a:pt x="0" y="31294"/>
+                  <a:pt x="31294" y="0"/>
+                  <a:pt x="69897" y="0"/>
+                </a:cubicBezTo>
+                <a:close/>
+              </a:path>
+            </a:pathLst>
+          </a:custGeom>
+        </p:spPr>
+      </p:pic>
+      <p:pic>
+        <p:nvPicPr>
+          <p:cNvPr id="8" name="Picture 7" descr="A screenshot of a computer&#10;&#10;Description automatically generated">
+            <a:extLst>
+              <a:ext uri="{FF2B5EF4-FFF2-40B4-BE49-F238E27FC236}">
+                <a16:creationId xmlns:a16="http://schemas.microsoft.com/office/drawing/2014/main" id="{C4A0153F-00DA-DEC3-B7E6-143ED3EE43CD}"/>
+              </a:ext>
+            </a:extLst>
+          </p:cNvPr>
+          <p:cNvPicPr>
+            <a:picLocks noChangeAspect="1"/>
+          </p:cNvPicPr>
+          <p:nvPr/>
+        </p:nvPicPr>
+        <p:blipFill>
+          <a:blip r:embed="rId4"/>
+          <a:stretch>
+            <a:fillRect/>
+          </a:stretch>
+        </p:blipFill>
+        <p:spPr>
+          <a:xfrm>
+            <a:off x="1370757" y="3551434"/>
+            <a:ext cx="4721640" cy="2302867"/>
+          </a:xfrm>
+          <a:custGeom>
+            <a:avLst/>
+            <a:gdLst/>
+            <a:ahLst/>
+            <a:cxnLst/>
+            <a:rect l="l" t="t" r="r" b="b"/>
+            <a:pathLst>
+              <a:path w="2565029" h="2588972">
+                <a:moveTo>
+                  <a:pt x="69897" y="0"/>
+                </a:moveTo>
+                <a:lnTo>
+                  <a:pt x="2495132" y="0"/>
+                </a:lnTo>
+                <a:cubicBezTo>
+                  <a:pt x="2533735" y="0"/>
+                  <a:pt x="2565029" y="31294"/>
+                  <a:pt x="2565029" y="69897"/>
+                </a:cubicBezTo>
+                <a:lnTo>
+                  <a:pt x="2565029" y="2519075"/>
+                </a:lnTo>
+                <a:cubicBezTo>
+                  <a:pt x="2565029" y="2557678"/>
+                  <a:pt x="2533735" y="2588972"/>
+                  <a:pt x="2495132" y="2588972"/>
+                </a:cubicBezTo>
+                <a:lnTo>
+                  <a:pt x="69897" y="2588972"/>
+                </a:lnTo>
+                <a:cubicBezTo>
+                  <a:pt x="31294" y="2588972"/>
+                  <a:pt x="0" y="2557678"/>
+                  <a:pt x="0" y="2519075"/>
+                </a:cubicBezTo>
+                <a:lnTo>
+                  <a:pt x="0" y="69897"/>
+                </a:lnTo>
+                <a:cubicBezTo>
+                  <a:pt x="0" y="31294"/>
+                  <a:pt x="31294" y="0"/>
+                  <a:pt x="69897" y="0"/>
+                </a:cubicBezTo>
+                <a:close/>
+              </a:path>
+            </a:pathLst>
+          </a:custGeom>
+        </p:spPr>
+      </p:pic>
+      <p:sp>
+        <p:nvSpPr>
+          <p:cNvPr id="35" name="Freeform: Shape 34">
+            <a:extLst>
+              <a:ext uri="{FF2B5EF4-FFF2-40B4-BE49-F238E27FC236}">
+                <a16:creationId xmlns:a16="http://schemas.microsoft.com/office/drawing/2014/main" id="{E97546D8-565E-45FE-8079-058CAED5A07C}"/>
+              </a:ext>
+              <a:ext uri="{C183D7F6-B498-43B3-948B-1728B52AA6E4}">
+                <adec:decorative xmlns:adec="http://schemas.microsoft.com/office/drawing/2017/decorative" val="1"/>
+              </a:ext>
+            </a:extLst>
+          </p:cNvPr>
+          <p:cNvSpPr>
+            <a:spLocks noGrp="1" noRot="1" noChangeAspect="1" noMove="1" noResize="1" noEditPoints="1" noAdjustHandles="1" noChangeArrowheads="1" noChangeShapeType="1" noTextEdit="1"/>
+          </p:cNvSpPr>
+          <p:nvPr>
+            <p:extLst>
+              <p:ext uri="{386F3935-93C4-4BCD-93E2-E3B085C9AB24}">
+                <p16:designElem xmlns:p16="http://schemas.microsoft.com/office/powerpoint/2015/main" val="1"/>
+              </p:ext>
+            </p:extLst>
+          </p:nvPr>
+        </p:nvSpPr>
+        <p:spPr>
+          <a:xfrm rot="1136562" flipH="1">
+            <a:off x="3369694" y="5005247"/>
+            <a:ext cx="2170501" cy="2254419"/>
+          </a:xfrm>
+          <a:custGeom>
+            <a:avLst/>
+            <a:gdLst>
+              <a:gd name="connsiteX0" fmla="*/ 2129607 w 2170501"/>
+              <a:gd name="connsiteY0" fmla="*/ 1918583 h 2254419"/>
+              <a:gd name="connsiteX1" fmla="*/ 2170492 w 2170501"/>
+              <a:gd name="connsiteY1" fmla="*/ 1986678 h 2254419"/>
+              <a:gd name="connsiteX2" fmla="*/ 2143122 w 2170501"/>
+              <a:gd name="connsiteY2" fmla="*/ 2219532 h 2254419"/>
+              <a:gd name="connsiteX3" fmla="*/ 2134528 w 2170501"/>
+              <a:gd name="connsiteY3" fmla="*/ 2254419 h 2254419"/>
+              <a:gd name="connsiteX4" fmla="*/ 1992178 w 2170501"/>
+              <a:gd name="connsiteY4" fmla="*/ 2205563 h 2254419"/>
+              <a:gd name="connsiteX5" fmla="*/ 1995353 w 2170501"/>
+              <a:gd name="connsiteY5" fmla="*/ 2192695 h 2254419"/>
+              <a:gd name="connsiteX6" fmla="*/ 2020595 w 2170501"/>
+              <a:gd name="connsiteY6" fmla="*/ 1978457 h 2254419"/>
+              <a:gd name="connsiteX7" fmla="*/ 2102402 w 2170501"/>
+              <a:gd name="connsiteY7" fmla="*/ 1910681 h 2254419"/>
+              <a:gd name="connsiteX8" fmla="*/ 2129607 w 2170501"/>
+              <a:gd name="connsiteY8" fmla="*/ 1918583 h 2254419"/>
+              <a:gd name="connsiteX9" fmla="*/ 1874324 w 2170501"/>
+              <a:gd name="connsiteY9" fmla="*/ 904226 h 2254419"/>
+              <a:gd name="connsiteX10" fmla="*/ 1919011 w 2170501"/>
+              <a:gd name="connsiteY10" fmla="*/ 937393 h 2254419"/>
+              <a:gd name="connsiteX11" fmla="*/ 2101793 w 2170501"/>
+              <a:gd name="connsiteY11" fmla="*/ 1368166 h 2254419"/>
+              <a:gd name="connsiteX12" fmla="*/ 2049988 w 2170501"/>
+              <a:gd name="connsiteY12" fmla="*/ 1460853 h 2254419"/>
+              <a:gd name="connsiteX13" fmla="*/ 2029492 w 2170501"/>
+              <a:gd name="connsiteY13" fmla="*/ 1463442 h 2254419"/>
+              <a:gd name="connsiteX14" fmla="*/ 2029492 w 2170501"/>
+              <a:gd name="connsiteY14" fmla="*/ 1463668 h 2254419"/>
+              <a:gd name="connsiteX15" fmla="*/ 1957302 w 2170501"/>
+              <a:gd name="connsiteY15" fmla="*/ 1409047 h 2254419"/>
+              <a:gd name="connsiteX16" fmla="*/ 1789159 w 2170501"/>
+              <a:gd name="connsiteY16" fmla="*/ 1012848 h 2254419"/>
+              <a:gd name="connsiteX17" fmla="*/ 1819072 w 2170501"/>
+              <a:gd name="connsiteY17" fmla="*/ 910914 h 2254419"/>
+              <a:gd name="connsiteX18" fmla="*/ 1874324 w 2170501"/>
+              <a:gd name="connsiteY18" fmla="*/ 904226 h 2254419"/>
+              <a:gd name="connsiteX19" fmla="*/ 565076 w 2170501"/>
+              <a:gd name="connsiteY19" fmla="*/ 25347 h 2254419"/>
+              <a:gd name="connsiteX20" fmla="*/ 602104 w 2170501"/>
+              <a:gd name="connsiteY20" fmla="*/ 99534 h 2254419"/>
+              <a:gd name="connsiteX21" fmla="*/ 527134 w 2170501"/>
+              <a:gd name="connsiteY21" fmla="*/ 165379 h 2254419"/>
+              <a:gd name="connsiteX22" fmla="*/ 517223 w 2170501"/>
+              <a:gd name="connsiteY22" fmla="*/ 164816 h 2254419"/>
+              <a:gd name="connsiteX23" fmla="*/ 86562 w 2170501"/>
+              <a:gd name="connsiteY23" fmla="*/ 162226 h 2254419"/>
+              <a:gd name="connsiteX24" fmla="*/ 886 w 2170501"/>
+              <a:gd name="connsiteY24" fmla="*/ 99416 h 2254419"/>
+              <a:gd name="connsiteX25" fmla="*/ 63695 w 2170501"/>
+              <a:gd name="connsiteY25" fmla="*/ 13740 h 2254419"/>
+              <a:gd name="connsiteX26" fmla="*/ 68993 w 2170501"/>
+              <a:gd name="connsiteY26" fmla="*/ 13116 h 2254419"/>
+              <a:gd name="connsiteX27" fmla="*/ 536819 w 2170501"/>
+              <a:gd name="connsiteY27" fmla="*/ 15931 h 2254419"/>
+              <a:gd name="connsiteX28" fmla="*/ 565076 w 2170501"/>
+              <a:gd name="connsiteY28" fmla="*/ 25347 h 2254419"/>
+              <a:gd name="connsiteX29" fmla="*/ 1132468 w 2170501"/>
+              <a:gd name="connsiteY29" fmla="*/ 198602 h 2254419"/>
+              <a:gd name="connsiteX30" fmla="*/ 1521686 w 2170501"/>
+              <a:gd name="connsiteY30" fmla="*/ 458304 h 2254419"/>
+              <a:gd name="connsiteX31" fmla="*/ 1529659 w 2170501"/>
+              <a:gd name="connsiteY31" fmla="*/ 564078 h 2254419"/>
+              <a:gd name="connsiteX32" fmla="*/ 1472583 w 2170501"/>
+              <a:gd name="connsiteY32" fmla="*/ 590184 h 2254419"/>
+              <a:gd name="connsiteX33" fmla="*/ 1472245 w 2170501"/>
+              <a:gd name="connsiteY33" fmla="*/ 590184 h 2254419"/>
+              <a:gd name="connsiteX34" fmla="*/ 1423143 w 2170501"/>
+              <a:gd name="connsiteY34" fmla="*/ 572389 h 2254419"/>
+              <a:gd name="connsiteX35" fmla="*/ 1064896 w 2170501"/>
+              <a:gd name="connsiteY35" fmla="*/ 332846 h 2254419"/>
+              <a:gd name="connsiteX36" fmla="*/ 1031562 w 2170501"/>
+              <a:gd name="connsiteY36" fmla="*/ 231938 h 2254419"/>
+              <a:gd name="connsiteX37" fmla="*/ 1132468 w 2170501"/>
+              <a:gd name="connsiteY37" fmla="*/ 198602 h 2254419"/>
+            </a:gdLst>
+            <a:ahLst/>
+            <a:cxnLst>
+              <a:cxn ang="0">
+                <a:pos x="connsiteX0" y="connsiteY0"/>
+              </a:cxn>
+              <a:cxn ang="0">
+                <a:pos x="connsiteX1" y="connsiteY1"/>
+              </a:cxn>
+              <a:cxn ang="0">
+                <a:pos x="connsiteX2" y="connsiteY2"/>
+              </a:cxn>
+              <a:cxn ang="0">
+                <a:pos x="connsiteX3" y="connsiteY3"/>
+              </a:cxn>
+              <a:cxn ang="0">
+                <a:pos x="connsiteX4" y="connsiteY4"/>
+              </a:cxn>
+              <a:cxn ang="0">
+                <a:pos x="connsiteX5" y="connsiteY5"/>
+              </a:cxn>
+              <a:cxn ang="0">
+                <a:pos x="connsiteX6" y="connsiteY6"/>
+              </a:cxn>
+              <a:cxn ang="0">
+                <a:pos x="connsiteX7" y="connsiteY7"/>
+              </a:cxn>
+              <a:cxn ang="0">
+                <a:pos x="connsiteX8" y="connsiteY8"/>
+              </a:cxn>
+              <a:cxn ang="0">
+                <a:pos x="connsiteX9" y="connsiteY9"/>
+              </a:cxn>
+              <a:cxn ang="0">
+                <a:pos x="connsiteX10" y="connsiteY10"/>
+              </a:cxn>
+              <a:cxn ang="0">
+                <a:pos x="connsiteX11" y="connsiteY11"/>
+              </a:cxn>
+              <a:cxn ang="0">
+                <a:pos x="connsiteX12" y="connsiteY12"/>
+              </a:cxn>
+              <a:cxn ang="0">
+                <a:pos x="connsiteX13" y="connsiteY13"/>
+              </a:cxn>
+              <a:cxn ang="0">
+                <a:pos x="connsiteX14" y="connsiteY14"/>
+              </a:cxn>
+              <a:cxn ang="0">
+                <a:pos x="connsiteX15" y="connsiteY15"/>
+              </a:cxn>
+              <a:cxn ang="0">
+                <a:pos x="connsiteX16" y="connsiteY16"/>
+              </a:cxn>
+              <a:cxn ang="0">
+                <a:pos x="connsiteX17" y="connsiteY17"/>
+              </a:cxn>
+              <a:cxn ang="0">
+                <a:pos x="connsiteX18" y="connsiteY18"/>
+              </a:cxn>
+              <a:cxn ang="0">
+                <a:pos x="connsiteX19" y="connsiteY19"/>
+              </a:cxn>
+              <a:cxn ang="0">
+                <a:pos x="connsiteX20" y="connsiteY20"/>
+              </a:cxn>
+              <a:cxn ang="0">
+                <a:pos x="connsiteX21" y="connsiteY21"/>
+              </a:cxn>
+              <a:cxn ang="0">
+                <a:pos x="connsiteX22" y="connsiteY22"/>
+              </a:cxn>
+              <a:cxn ang="0">
+                <a:pos x="connsiteX23" y="connsiteY23"/>
+              </a:cxn>
+              <a:cxn ang="0">
+                <a:pos x="connsiteX24" y="connsiteY24"/>
+              </a:cxn>
+              <a:cxn ang="0">
+                <a:pos x="connsiteX25" y="connsiteY25"/>
+              </a:cxn>
+              <a:cxn ang="0">
+                <a:pos x="connsiteX26" y="connsiteY26"/>
+              </a:cxn>
+              <a:cxn ang="0">
+                <a:pos x="connsiteX27" y="connsiteY27"/>
+              </a:cxn>
+              <a:cxn ang="0">
+                <a:pos x="connsiteX28" y="connsiteY28"/>
+              </a:cxn>
+              <a:cxn ang="0">
+                <a:pos x="connsiteX29" y="connsiteY29"/>
+              </a:cxn>
+              <a:cxn ang="0">
+                <a:pos x="connsiteX30" y="connsiteY30"/>
+              </a:cxn>
+              <a:cxn ang="0">
+                <a:pos x="connsiteX31" y="connsiteY31"/>
+              </a:cxn>
+              <a:cxn ang="0">
+                <a:pos x="connsiteX32" y="connsiteY32"/>
+              </a:cxn>
+              <a:cxn ang="0">
+                <a:pos x="connsiteX33" y="connsiteY33"/>
+              </a:cxn>
+              <a:cxn ang="0">
+                <a:pos x="connsiteX34" y="connsiteY34"/>
+              </a:cxn>
+              <a:cxn ang="0">
+                <a:pos x="connsiteX35" y="connsiteY35"/>
+              </a:cxn>
+              <a:cxn ang="0">
+                <a:pos x="connsiteX36" y="connsiteY36"/>
+              </a:cxn>
+              <a:cxn ang="0">
+                <a:pos x="connsiteX37" y="connsiteY37"/>
+              </a:cxn>
+            </a:cxnLst>
+            <a:rect l="l" t="t" r="r" b="b"/>
+            <a:pathLst>
+              <a:path w="2170501" h="2254419">
+                <a:moveTo>
+                  <a:pt x="2129607" y="1918583"/>
+                </a:moveTo>
+                <a:cubicBezTo>
+                  <a:pt x="2154398" y="1931279"/>
+                  <a:pt x="2170966" y="1957258"/>
+                  <a:pt x="2170492" y="1986678"/>
+                </a:cubicBezTo>
+                <a:cubicBezTo>
+                  <a:pt x="2166208" y="2064866"/>
+                  <a:pt x="2157057" y="2142632"/>
+                  <a:pt x="2143122" y="2219532"/>
+                </a:cubicBezTo>
+                <a:lnTo>
+                  <a:pt x="2134528" y="2254419"/>
+                </a:lnTo>
+                <a:lnTo>
+                  <a:pt x="1992178" y="2205563"/>
+                </a:lnTo>
+                <a:lnTo>
+                  <a:pt x="1995353" y="2192695"/>
+                </a:lnTo>
+                <a:cubicBezTo>
+                  <a:pt x="2008198" y="2121944"/>
+                  <a:pt x="2016634" y="2050393"/>
+                  <a:pt x="2020595" y="1978457"/>
+                </a:cubicBezTo>
+                <a:cubicBezTo>
+                  <a:pt x="2024469" y="1937147"/>
+                  <a:pt x="2061092" y="1906808"/>
+                  <a:pt x="2102402" y="1910681"/>
+                </a:cubicBezTo>
+                <a:cubicBezTo>
+                  <a:pt x="2112167" y="1911596"/>
+                  <a:pt x="2121344" y="1914352"/>
+                  <a:pt x="2129607" y="1918583"/>
+                </a:cubicBezTo>
+                <a:close/>
+                <a:moveTo>
+                  <a:pt x="1874324" y="904226"/>
+                </a:moveTo>
+                <a:cubicBezTo>
+                  <a:pt x="1892306" y="908991"/>
+                  <a:pt x="1908526" y="920398"/>
+                  <a:pt x="1919011" y="937393"/>
+                </a:cubicBezTo>
+                <a:cubicBezTo>
+                  <a:pt x="1997699" y="1072785"/>
+                  <a:pt x="2059099" y="1217502"/>
+                  <a:pt x="2101793" y="1368166"/>
+                </a:cubicBezTo>
+                <a:cubicBezTo>
+                  <a:pt x="2113067" y="1408067"/>
+                  <a:pt x="2089878" y="1449546"/>
+                  <a:pt x="2049988" y="1460853"/>
+                </a:cubicBezTo>
+                <a:cubicBezTo>
+                  <a:pt x="2043310" y="1462643"/>
+                  <a:pt x="2036406" y="1463511"/>
+                  <a:pt x="2029492" y="1463442"/>
+                </a:cubicBezTo>
+                <a:lnTo>
+                  <a:pt x="2029492" y="1463668"/>
+                </a:lnTo>
+                <a:cubicBezTo>
+                  <a:pt x="1995920" y="1463668"/>
+                  <a:pt x="1966424" y="1441358"/>
+                  <a:pt x="1957302" y="1409047"/>
+                </a:cubicBezTo>
+                <a:cubicBezTo>
+                  <a:pt x="1918054" y="1270468"/>
+                  <a:pt x="1861564" y="1137362"/>
+                  <a:pt x="1789159" y="1012848"/>
+                </a:cubicBezTo>
+                <a:cubicBezTo>
+                  <a:pt x="1769270" y="976439"/>
+                  <a:pt x="1782660" y="930802"/>
+                  <a:pt x="1819072" y="910914"/>
+                </a:cubicBezTo>
+                <a:cubicBezTo>
+                  <a:pt x="1836601" y="901341"/>
+                  <a:pt x="1856343" y="899462"/>
+                  <a:pt x="1874324" y="904226"/>
+                </a:cubicBezTo>
+                <a:close/>
+                <a:moveTo>
+                  <a:pt x="565076" y="25347"/>
+                </a:moveTo>
+                <a:cubicBezTo>
+                  <a:pt x="590405" y="39934"/>
+                  <a:pt x="605899" y="68698"/>
+                  <a:pt x="602104" y="99534"/>
+                </a:cubicBezTo>
+                <a:cubicBezTo>
+                  <a:pt x="597454" y="137333"/>
+                  <a:pt x="565217" y="165647"/>
+                  <a:pt x="527134" y="165379"/>
+                </a:cubicBezTo>
+                <a:cubicBezTo>
+                  <a:pt x="523821" y="165412"/>
+                  <a:pt x="520510" y="165224"/>
+                  <a:pt x="517223" y="164816"/>
+                </a:cubicBezTo>
+                <a:cubicBezTo>
+                  <a:pt x="374328" y="146158"/>
+                  <a:pt x="229672" y="145287"/>
+                  <a:pt x="86562" y="162226"/>
+                </a:cubicBezTo>
+                <a:cubicBezTo>
+                  <a:pt x="45559" y="168541"/>
+                  <a:pt x="7201" y="140420"/>
+                  <a:pt x="886" y="99416"/>
+                </a:cubicBezTo>
+                <a:cubicBezTo>
+                  <a:pt x="-5428" y="58412"/>
+                  <a:pt x="22692" y="20054"/>
+                  <a:pt x="63695" y="13740"/>
+                </a:cubicBezTo>
+                <a:cubicBezTo>
+                  <a:pt x="65453" y="13470"/>
+                  <a:pt x="67220" y="13261"/>
+                  <a:pt x="68993" y="13116"/>
+                </a:cubicBezTo>
+                <a:cubicBezTo>
+                  <a:pt x="224454" y="-5269"/>
+                  <a:pt x="381592" y="-4323"/>
+                  <a:pt x="536819" y="15931"/>
+                </a:cubicBezTo>
+                <a:cubicBezTo>
+                  <a:pt x="547097" y="17195"/>
+                  <a:pt x="556633" y="20483"/>
+                  <a:pt x="565076" y="25347"/>
+                </a:cubicBezTo>
+                <a:close/>
+                <a:moveTo>
+                  <a:pt x="1132468" y="198602"/>
+                </a:moveTo>
+                <a:cubicBezTo>
+                  <a:pt x="1272445" y="268739"/>
+                  <a:pt x="1403185" y="355973"/>
+                  <a:pt x="1521686" y="458304"/>
+                </a:cubicBezTo>
+                <a:cubicBezTo>
+                  <a:pt x="1553095" y="485311"/>
+                  <a:pt x="1556665" y="532668"/>
+                  <a:pt x="1529659" y="564078"/>
+                </a:cubicBezTo>
+                <a:cubicBezTo>
+                  <a:pt x="1515367" y="580705"/>
+                  <a:pt x="1494511" y="590242"/>
+                  <a:pt x="1472583" y="590184"/>
+                </a:cubicBezTo>
+                <a:lnTo>
+                  <a:pt x="1472245" y="590184"/>
+                </a:lnTo>
+                <a:cubicBezTo>
+                  <a:pt x="1454271" y="590357"/>
+                  <a:pt x="1436837" y="584037"/>
+                  <a:pt x="1423143" y="572389"/>
+                </a:cubicBezTo>
+                <a:cubicBezTo>
+                  <a:pt x="1314092" y="478031"/>
+                  <a:pt x="1193758" y="397569"/>
+                  <a:pt x="1064896" y="332846"/>
+                </a:cubicBezTo>
+                <a:cubicBezTo>
+                  <a:pt x="1027826" y="314186"/>
+                  <a:pt x="1012901" y="269007"/>
+                  <a:pt x="1031562" y="231938"/>
+                </a:cubicBezTo>
+                <a:cubicBezTo>
+                  <a:pt x="1050220" y="194867"/>
+                  <a:pt x="1095399" y="179942"/>
+                  <a:pt x="1132468" y="198602"/>
+                </a:cubicBezTo>
+                <a:close/>
+              </a:path>
+            </a:pathLst>
+          </a:custGeom>
+          <a:solidFill>
+            <a:schemeClr val="accent4"/>
+          </a:solidFill>
+          <a:ln w="9525" cap="flat">
+            <a:noFill/>
+            <a:prstDash val="solid"/>
+            <a:miter/>
+          </a:ln>
+        </p:spPr>
+        <p:txBody>
+          <a:bodyPr wrap="square" rtlCol="0" anchor="ctr">
+            <a:noAutofit/>
+          </a:bodyPr>
+          <a:lstStyle/>
+          <a:p>
+            <a:pPr marL="0" marR="0" lvl="0" indent="0" algn="l" defTabSz="914400" rtl="0" eaLnBrk="1" fontAlgn="auto" latinLnBrk="0" hangingPunct="1">
+              <a:lnSpc>
+                <a:spcPct val="100000"/>
+              </a:lnSpc>
+              <a:spcBef>
+                <a:spcPts val="0"/>
+              </a:spcBef>
+              <a:spcAft>
+                <a:spcPts val="0"/>
+              </a:spcAft>
+              <a:buClrTx/>
+              <a:buSzTx/>
+              <a:buFontTx/>
+              <a:buNone/>
+              <a:tabLst/>
+              <a:defRPr/>
+            </a:pPr>
+            <a:endParaRPr kumimoji="0" lang="en-US" sz="1800" b="0" i="0" u="none" strike="noStrike" kern="1200" cap="none" spc="0" normalizeH="0" baseline="0" noProof="0">
+              <a:ln>
+                <a:noFill/>
+              </a:ln>
+              <a:solidFill>
+                <a:prstClr val="black"/>
+              </a:solidFill>
+              <a:effectLst/>
+              <a:uLnTx/>
+              <a:uFillTx/>
+              <a:latin typeface="Calibri" panose="020F0502020204030204"/>
+              <a:ea typeface="+mn-ea"/>
+              <a:cs typeface="+mn-cs"/>
+            </a:endParaRPr>
+          </a:p>
+        </p:txBody>
+      </p:sp>
+      <p:sp>
+        <p:nvSpPr>
+          <p:cNvPr id="29" name="Freeform: Shape 28">
+            <a:extLst>
+              <a:ext uri="{FF2B5EF4-FFF2-40B4-BE49-F238E27FC236}">
+                <a16:creationId xmlns:a16="http://schemas.microsoft.com/office/drawing/2014/main" id="{33E49524-66B4-4DB0-AD09-DC8B9874E1B3}"/>
+              </a:ext>
+              <a:ext uri="{C183D7F6-B498-43B3-948B-1728B52AA6E4}">
+                <adec:decorative xmlns:adec="http://schemas.microsoft.com/office/drawing/2017/decorative" val="1"/>
+              </a:ext>
+            </a:extLst>
+          </p:cNvPr>
+          <p:cNvSpPr>
+            <a:spLocks noGrp="1" noRot="1" noChangeAspect="1" noMove="1" noResize="1" noEditPoints="1" noAdjustHandles="1" noChangeArrowheads="1" noChangeShapeType="1" noTextEdit="1"/>
+          </p:cNvSpPr>
+          <p:nvPr>
+            <p:extLst>
+              <p:ext uri="{386F3935-93C4-4BCD-93E2-E3B085C9AB24}">
+                <p16:designElem xmlns:p16="http://schemas.microsoft.com/office/powerpoint/2015/main" val="1"/>
+              </p:ext>
+            </p:extLst>
+          </p:nvPr>
+        </p:nvSpPr>
+        <p:spPr>
+          <a:xfrm>
+            <a:off x="3913698" y="6039059"/>
+            <a:ext cx="1978348" cy="818941"/>
+          </a:xfrm>
+          <a:custGeom>
+            <a:avLst/>
+            <a:gdLst>
+              <a:gd name="connsiteX0" fmla="*/ 995532 w 1991064"/>
+              <a:gd name="connsiteY0" fmla="*/ 0 h 824205"/>
+              <a:gd name="connsiteX1" fmla="*/ 1984823 w 1991064"/>
+              <a:gd name="connsiteY1" fmla="*/ 784423 h 824205"/>
+              <a:gd name="connsiteX2" fmla="*/ 1991064 w 1991064"/>
+              <a:gd name="connsiteY2" fmla="*/ 824205 h 824205"/>
+              <a:gd name="connsiteX3" fmla="*/ 0 w 1991064"/>
+              <a:gd name="connsiteY3" fmla="*/ 824205 h 824205"/>
+              <a:gd name="connsiteX4" fmla="*/ 6241 w 1991064"/>
+              <a:gd name="connsiteY4" fmla="*/ 784423 h 824205"/>
+              <a:gd name="connsiteX5" fmla="*/ 995532 w 1991064"/>
+              <a:gd name="connsiteY5" fmla="*/ 0 h 824205"/>
+            </a:gdLst>
+            <a:ahLst/>
+            <a:cxnLst>
+              <a:cxn ang="0">
+                <a:pos x="connsiteX0" y="connsiteY0"/>
+              </a:cxn>
+              <a:cxn ang="0">
+                <a:pos x="connsiteX1" y="connsiteY1"/>
+              </a:cxn>
+              <a:cxn ang="0">
+                <a:pos x="connsiteX2" y="connsiteY2"/>
+              </a:cxn>
+              <a:cxn ang="0">
+                <a:pos x="connsiteX3" y="connsiteY3"/>
+              </a:cxn>
+              <a:cxn ang="0">
+                <a:pos x="connsiteX4" y="connsiteY4"/>
+              </a:cxn>
+              <a:cxn ang="0">
+                <a:pos x="connsiteX5" y="connsiteY5"/>
+              </a:cxn>
+            </a:cxnLst>
+            <a:rect l="l" t="t" r="r" b="b"/>
+            <a:pathLst>
+              <a:path w="1991064" h="824205">
+                <a:moveTo>
+                  <a:pt x="995532" y="0"/>
+                </a:moveTo>
+                <a:cubicBezTo>
+                  <a:pt x="1483521" y="0"/>
+                  <a:pt x="1890663" y="336754"/>
+                  <a:pt x="1984823" y="784423"/>
+                </a:cubicBezTo>
+                <a:lnTo>
+                  <a:pt x="1991064" y="824205"/>
+                </a:lnTo>
+                <a:lnTo>
+                  <a:pt x="0" y="824205"/>
+                </a:lnTo>
+                <a:lnTo>
+                  <a:pt x="6241" y="784423"/>
+                </a:lnTo>
+                <a:cubicBezTo>
+                  <a:pt x="100402" y="336754"/>
+                  <a:pt x="507544" y="0"/>
+                  <a:pt x="995532" y="0"/>
+                </a:cubicBezTo>
+                <a:close/>
+              </a:path>
+            </a:pathLst>
+          </a:custGeom>
+          <a:solidFill>
+            <a:schemeClr val="accent2"/>
+          </a:solidFill>
+          <a:ln>
+            <a:noFill/>
+          </a:ln>
+        </p:spPr>
+        <p:style>
+          <a:lnRef idx="2">
+            <a:schemeClr val="accent1">
+              <a:shade val="50000"/>
+            </a:schemeClr>
+          </a:lnRef>
+          <a:fillRef idx="1">
+            <a:schemeClr val="accent1"/>
+          </a:fillRef>
+          <a:effectRef idx="0">
+            <a:schemeClr val="accent1"/>
+          </a:effectRef>
+          <a:fontRef idx="minor">
+            <a:schemeClr val="lt1"/>
+          </a:fontRef>
+        </p:style>
+        <p:txBody>
+          <a:bodyPr wrap="square" rtlCol="0" anchor="ctr">
+            <a:noAutofit/>
+          </a:bodyPr>
+          <a:lstStyle/>
+          <a:p>
+            <a:pPr marL="0" marR="0" lvl="0" indent="0" algn="ctr" defTabSz="914400" rtl="0" eaLnBrk="1" fontAlgn="auto" latinLnBrk="0" hangingPunct="1">
+              <a:lnSpc>
+                <a:spcPct val="100000"/>
+              </a:lnSpc>
+              <a:spcBef>
+                <a:spcPts val="0"/>
+              </a:spcBef>
+              <a:spcAft>
+                <a:spcPts val="0"/>
+              </a:spcAft>
+              <a:buClrTx/>
+              <a:buSzTx/>
+              <a:buFontTx/>
+              <a:buNone/>
+              <a:tabLst/>
+              <a:defRPr/>
+            </a:pPr>
+            <a:endParaRPr kumimoji="0" lang="en-US" sz="1800" b="0" i="0" u="none" strike="noStrike" kern="1200" cap="none" spc="0" normalizeH="0" baseline="0" noProof="0" dirty="0">
+              <a:ln>
+                <a:noFill/>
+              </a:ln>
+              <a:solidFill>
+                <a:prstClr val="white"/>
+              </a:solidFill>
+              <a:effectLst/>
+              <a:uLnTx/>
+              <a:uFillTx/>
+              <a:latin typeface="Calibri" panose="020F0502020204030204"/>
+              <a:ea typeface="+mn-ea"/>
+              <a:cs typeface="+mn-cs"/>
+            </a:endParaRPr>
+          </a:p>
+        </p:txBody>
+      </p:sp>
+    </p:spTree>
+    <p:extLst>
+      <p:ext uri="{BB962C8B-B14F-4D97-AF65-F5344CB8AC3E}">
+        <p14:creationId xmlns:p14="http://schemas.microsoft.com/office/powerpoint/2010/main" val="817537682"/>
+      </p:ext>
+    </p:extLst>
+  </p:cSld>
+  <p:clrMapOvr>
+    <a:masterClrMapping/>
+  </p:clrMapOvr>
+</p:sld>
+</file>
+
+<file path=ppt/slides/slide8.xml><?xml version="1.0" encoding="utf-8"?>
+<p:sld xmlns:a="http://schemas.openxmlformats.org/drawingml/2006/main" xmlns:r="http://schemas.openxmlformats.org/officeDocument/2006/relationships" xmlns:p="http://schemas.openxmlformats.org/presentationml/2006/main">
+  <p:cSld>
+    <p:spTree>
+      <p:nvGrpSpPr>
+        <p:cNvPr id="1" name=""/>
+        <p:cNvGrpSpPr/>
+        <p:nvPr/>
+      </p:nvGrpSpPr>
+      <p:grpSpPr>
+        <a:xfrm>
+          <a:off x="0" y="0"/>
+          <a:ext cx="0" cy="0"/>
+          <a:chOff x="0" y="0"/>
+          <a:chExt cx="0" cy="0"/>
+        </a:xfrm>
+      </p:grpSpPr>
+      <p:sp>
+        <p:nvSpPr>
+          <p:cNvPr id="2" name="Title 1">
+            <a:extLst>
+              <a:ext uri="{FF2B5EF4-FFF2-40B4-BE49-F238E27FC236}">
+                <a16:creationId xmlns:a16="http://schemas.microsoft.com/office/drawing/2014/main" id="{E3E6159E-A8F0-2B03-B552-EEFF1F3884E9}"/>
+              </a:ext>
+            </a:extLst>
+          </p:cNvPr>
+          <p:cNvSpPr>
+            <a:spLocks noGrp="1"/>
+          </p:cNvSpPr>
+          <p:nvPr>
+            <p:ph type="title"/>
+          </p:nvPr>
+        </p:nvSpPr>
+        <p:spPr/>
+        <p:txBody>
+          <a:bodyPr/>
+          <a:lstStyle/>
+          <a:p>
+            <a:r>
+              <a:rPr lang="en-US" dirty="0" err="1"/>
+              <a:t>Processo</a:t>
+            </a:r>
+            <a:r>
+              <a:rPr lang="en-US" dirty="0"/>
+              <a:t> de </a:t>
+            </a:r>
+            <a:r>
+              <a:rPr lang="en-US" dirty="0" err="1"/>
+              <a:t>Desenvolvimento</a:t>
+            </a:r>
+          </a:p>
+        </p:txBody>
+      </p:sp>
+      <p:pic>
+        <p:nvPicPr>
+          <p:cNvPr id="4" name="Content Placeholder 3">
+            <a:extLst>
+              <a:ext uri="{FF2B5EF4-FFF2-40B4-BE49-F238E27FC236}">
+                <a16:creationId xmlns:a16="http://schemas.microsoft.com/office/drawing/2014/main" id="{31141B50-62AF-EDC5-C8F2-0992B404A5F6}"/>
+              </a:ext>
+            </a:extLst>
+          </p:cNvPr>
+          <p:cNvPicPr>
+            <a:picLocks noGrp="1" noChangeAspect="1"/>
+          </p:cNvPicPr>
+          <p:nvPr>
+            <p:ph idx="1"/>
+          </p:nvPr>
+        </p:nvPicPr>
+        <p:blipFill>
+          <a:blip r:embed="rId2"/>
+          <a:stretch>
+            <a:fillRect/>
+          </a:stretch>
+        </p:blipFill>
+        <p:spPr>
+          <a:xfrm>
+            <a:off x="2164803" y="3674369"/>
+            <a:ext cx="7494532" cy="1778218"/>
+          </a:xfrm>
+        </p:spPr>
+      </p:pic>
+      <p:pic>
+        <p:nvPicPr>
+          <p:cNvPr id="5" name="Picture 4">
+            <a:extLst>
+              <a:ext uri="{FF2B5EF4-FFF2-40B4-BE49-F238E27FC236}">
+                <a16:creationId xmlns:a16="http://schemas.microsoft.com/office/drawing/2014/main" id="{8DF6C5DA-2C36-C448-EEB3-596FAE7B78AC}"/>
+              </a:ext>
+            </a:extLst>
+          </p:cNvPr>
+          <p:cNvPicPr>
+            <a:picLocks noChangeAspect="1"/>
+          </p:cNvPicPr>
+          <p:nvPr/>
+        </p:nvPicPr>
+        <p:blipFill>
+          <a:blip r:embed="rId3"/>
+          <a:stretch>
+            <a:fillRect/>
+          </a:stretch>
+        </p:blipFill>
+        <p:spPr>
+          <a:xfrm>
+            <a:off x="574784" y="2230163"/>
+            <a:ext cx="4945773" cy="544566"/>
+          </a:xfrm>
+          <a:prstGeom prst="rect">
+            <a:avLst/>
+          </a:prstGeom>
+        </p:spPr>
+      </p:pic>
+      <p:pic>
+        <p:nvPicPr>
+          <p:cNvPr id="6" name="Picture 5" descr="A black background with white text&#10;&#10;Description automatically generated">
+            <a:extLst>
+              <a:ext uri="{FF2B5EF4-FFF2-40B4-BE49-F238E27FC236}">
+                <a16:creationId xmlns:a16="http://schemas.microsoft.com/office/drawing/2014/main" id="{24BB295A-F0A9-E21C-0B06-0E6048B2F027}"/>
+              </a:ext>
+            </a:extLst>
+          </p:cNvPr>
+          <p:cNvPicPr>
+            <a:picLocks noChangeAspect="1"/>
+          </p:cNvPicPr>
+          <p:nvPr/>
+        </p:nvPicPr>
+        <p:blipFill>
+          <a:blip r:embed="rId4"/>
+          <a:stretch>
+            <a:fillRect/>
+          </a:stretch>
+        </p:blipFill>
+        <p:spPr>
+          <a:xfrm>
+            <a:off x="6340694" y="1716140"/>
+            <a:ext cx="5387865" cy="1336130"/>
+          </a:xfrm>
+          <a:prstGeom prst="rect">
+            <a:avLst/>
+          </a:prstGeom>
+        </p:spPr>
+      </p:pic>
+    </p:spTree>
+    <p:extLst>
+      <p:ext uri="{BB962C8B-B14F-4D97-AF65-F5344CB8AC3E}">
+        <p14:creationId xmlns:p14="http://schemas.microsoft.com/office/powerpoint/2010/main" val="1833902046"/>
+      </p:ext>
+    </p:extLst>
+  </p:cSld>
+  <p:clrMapOvr>
+    <a:masterClrMapping/>
+  </p:clrMapOvr>
+</p:sld>
+</file>
+
+<file path=ppt/slides/slide9.xml><?xml version="1.0" encoding="utf-8"?>
+<p:sld xmlns:a="http://schemas.openxmlformats.org/drawingml/2006/main" xmlns:r="http://schemas.openxmlformats.org/officeDocument/2006/relationships" xmlns:p="http://schemas.openxmlformats.org/presentationml/2006/main">
+  <p:cSld>
+    <p:bg>
+      <p:bgPr>
+        <a:solidFill>
+          <a:schemeClr val="bg1"/>
+        </a:solidFill>
+        <a:effectLst/>
+      </p:bgPr>
+    </p:bg>
+    <p:spTree>
+      <p:nvGrpSpPr>
+        <p:cNvPr id="1" name=""/>
+        <p:cNvGrpSpPr/>
+        <p:nvPr/>
+      </p:nvGrpSpPr>
+      <p:grpSpPr>
+        <a:xfrm>
+          <a:off x="0" y="0"/>
+          <a:ext cx="0" cy="0"/>
+          <a:chOff x="0" y="0"/>
+          <a:chExt cx="0" cy="0"/>
+        </a:xfrm>
+      </p:grpSpPr>
+      <p:sp>
+        <p:nvSpPr>
+          <p:cNvPr id="19" name="Freeform: Shape 18">
+            <a:extLst>
+              <a:ext uri="{FF2B5EF4-FFF2-40B4-BE49-F238E27FC236}">
+                <a16:creationId xmlns:a16="http://schemas.microsoft.com/office/drawing/2014/main" id="{AA5ED585-FEBB-4DAD-84C0-97BEE6C360C3}"/>
+              </a:ext>
+              <a:ext uri="{C183D7F6-B498-43B3-948B-1728B52AA6E4}">
+                <adec:decorative xmlns:adec="http://schemas.microsoft.com/office/drawing/2017/decorative" val="1"/>
+              </a:ext>
+            </a:extLst>
+          </p:cNvPr>
+          <p:cNvSpPr>
+            <a:spLocks noGrp="1" noRot="1" noChangeAspect="1" noMove="1" noResize="1" noEditPoints="1" noAdjustHandles="1" noChangeArrowheads="1" noChangeShapeType="1" noTextEdit="1"/>
+          </p:cNvSpPr>
+          <p:nvPr>
+            <p:extLst>
+              <p:ext uri="{386F3935-93C4-4BCD-93E2-E3B085C9AB24}">
+                <p16:designElem xmlns:p16="http://schemas.microsoft.com/office/powerpoint/2015/main" val="1"/>
+              </p:ext>
+            </p:extLst>
+          </p:nvPr>
+        </p:nvSpPr>
+        <p:spPr>
+          <a:xfrm rot="16200000">
+            <a:off x="-388933" y="4841194"/>
+            <a:ext cx="1737401" cy="959536"/>
+          </a:xfrm>
+          <a:custGeom>
+            <a:avLst/>
+            <a:gdLst/>
+            <a:ahLst/>
+            <a:cxnLst/>
+            <a:rect l="l" t="t" r="r" b="b"/>
+            <a:pathLst>
+              <a:path w="1737401" h="959536">
+                <a:moveTo>
+                  <a:pt x="0" y="0"/>
+                </a:moveTo>
+                <a:lnTo>
+                  <a:pt x="123825" y="0"/>
+                </a:lnTo>
+                <a:lnTo>
+                  <a:pt x="123825" y="790277"/>
+                </a:lnTo>
+                <a:lnTo>
+                  <a:pt x="1490095" y="0"/>
+                </a:lnTo>
+                <a:lnTo>
+                  <a:pt x="1737401" y="0"/>
+                </a:lnTo>
+                <a:lnTo>
+                  <a:pt x="92869" y="951249"/>
+                </a:lnTo>
+                <a:cubicBezTo>
+                  <a:pt x="83458" y="956688"/>
+                  <a:pt x="72780" y="959546"/>
+                  <a:pt x="61913" y="959536"/>
+                </a:cubicBezTo>
+                <a:cubicBezTo>
+                  <a:pt x="27719" y="959536"/>
+                  <a:pt x="0" y="931818"/>
+                  <a:pt x="0" y="897624"/>
+                </a:cubicBezTo>
+                <a:close/>
+              </a:path>
+            </a:pathLst>
+          </a:custGeom>
+          <a:solidFill>
+            <a:schemeClr val="accent6"/>
+          </a:solidFill>
+          <a:ln w="9525" cap="flat">
+            <a:noFill/>
+            <a:prstDash val="solid"/>
+            <a:miter/>
+          </a:ln>
+        </p:spPr>
+        <p:txBody>
+          <a:bodyPr rtlCol="0" anchor="ctr"/>
+          <a:lstStyle/>
+          <a:p>
+            <a:pPr marL="0" marR="0" lvl="0" indent="0" algn="l" defTabSz="914400" rtl="0" eaLnBrk="1" fontAlgn="auto" latinLnBrk="0" hangingPunct="1">
+              <a:lnSpc>
+                <a:spcPct val="100000"/>
+              </a:lnSpc>
+              <a:spcBef>
+                <a:spcPts val="0"/>
+              </a:spcBef>
+              <a:spcAft>
+                <a:spcPts val="0"/>
+              </a:spcAft>
+              <a:buClrTx/>
+              <a:buSzTx/>
+              <a:buFontTx/>
+              <a:buNone/>
+              <a:tabLst/>
+              <a:defRPr/>
+            </a:pPr>
+            <a:endParaRPr kumimoji="0" lang="en-US" sz="1800" b="0" i="0" u="none" strike="noStrike" kern="1200" cap="none" spc="0" normalizeH="0" baseline="0" noProof="0">
+              <a:ln>
+                <a:noFill/>
+              </a:ln>
+              <a:solidFill>
+                <a:prstClr val="black"/>
+              </a:solidFill>
+              <a:effectLst/>
+              <a:uLnTx/>
+              <a:uFillTx/>
+              <a:latin typeface="Calibri" panose="020F0502020204030204"/>
+              <a:ea typeface="+mn-ea"/>
+              <a:cs typeface="+mn-cs"/>
+            </a:endParaRPr>
+          </a:p>
+        </p:txBody>
+      </p:sp>
+      <p:sp>
+        <p:nvSpPr>
+          <p:cNvPr id="20" name="Freeform: Shape 19">
+            <a:extLst>
+              <a:ext uri="{FF2B5EF4-FFF2-40B4-BE49-F238E27FC236}">
+                <a16:creationId xmlns:a16="http://schemas.microsoft.com/office/drawing/2014/main" id="{EF6AC352-A720-4DB3-87CA-A33B0607CA2F}"/>
+              </a:ext>
+              <a:ext uri="{C183D7F6-B498-43B3-948B-1728B52AA6E4}">
+                <adec:decorative xmlns:adec="http://schemas.microsoft.com/office/drawing/2017/decorative" val="1"/>
+              </a:ext>
+            </a:extLst>
+          </p:cNvPr>
+          <p:cNvSpPr>
+            <a:spLocks noGrp="1" noRot="1" noChangeAspect="1" noMove="1" noResize="1" noEditPoints="1" noAdjustHandles="1" noChangeArrowheads="1" noChangeShapeType="1" noTextEdit="1"/>
+          </p:cNvSpPr>
+          <p:nvPr>
+            <p:extLst>
+              <p:ext uri="{386F3935-93C4-4BCD-93E2-E3B085C9AB24}">
+                <p16:designElem xmlns:p16="http://schemas.microsoft.com/office/powerpoint/2015/main" val="1"/>
+              </p:ext>
+            </p:extLst>
+          </p:nvPr>
+        </p:nvSpPr>
+        <p:spPr>
+          <a:xfrm>
+            <a:off x="10494433" y="2"/>
+            <a:ext cx="849328" cy="357668"/>
+          </a:xfrm>
+          <a:custGeom>
+            <a:avLst/>
+            <a:gdLst/>
+            <a:ahLst/>
+            <a:cxnLst/>
+            <a:rect l="l" t="t" r="r" b="b"/>
+            <a:pathLst>
+              <a:path w="1135066" h="477997">
+                <a:moveTo>
+                  <a:pt x="0" y="0"/>
+                </a:moveTo>
+                <a:lnTo>
+                  <a:pt x="1135066" y="0"/>
+                </a:lnTo>
+                <a:lnTo>
+                  <a:pt x="1133370" y="16827"/>
+                </a:lnTo>
+                <a:cubicBezTo>
+                  <a:pt x="1079514" y="280016"/>
+                  <a:pt x="846644" y="477997"/>
+                  <a:pt x="567533" y="477997"/>
+                </a:cubicBezTo>
+                <a:cubicBezTo>
+                  <a:pt x="288422" y="477997"/>
+                  <a:pt x="55552" y="280016"/>
+                  <a:pt x="1696" y="16827"/>
+                </a:cubicBezTo>
+                <a:close/>
+              </a:path>
+            </a:pathLst>
+          </a:custGeom>
+          <a:solidFill>
+            <a:schemeClr val="accent4"/>
+          </a:solidFill>
+          <a:ln>
+            <a:noFill/>
+          </a:ln>
+        </p:spPr>
+        <p:style>
+          <a:lnRef idx="2">
+            <a:schemeClr val="accent1">
+              <a:shade val="50000"/>
+            </a:schemeClr>
+          </a:lnRef>
+          <a:fillRef idx="1">
+            <a:schemeClr val="accent1"/>
+          </a:fillRef>
+          <a:effectRef idx="0">
+            <a:schemeClr val="accent1"/>
+          </a:effectRef>
+          <a:fontRef idx="minor">
+            <a:schemeClr val="lt1"/>
+          </a:fontRef>
+        </p:style>
+        <p:txBody>
+          <a:bodyPr wrap="square" rtlCol="0" anchor="ctr">
+            <a:noAutofit/>
+          </a:bodyPr>
+          <a:lstStyle/>
+          <a:p>
+            <a:pPr marL="0" marR="0" lvl="0" indent="0" algn="ctr" defTabSz="914400" rtl="0" eaLnBrk="1" fontAlgn="auto" latinLnBrk="0" hangingPunct="1">
+              <a:lnSpc>
+                <a:spcPct val="100000"/>
+              </a:lnSpc>
+              <a:spcBef>
+                <a:spcPts val="0"/>
+              </a:spcBef>
+              <a:spcAft>
+                <a:spcPts val="0"/>
+              </a:spcAft>
+              <a:buClrTx/>
+              <a:buSzTx/>
+              <a:buFontTx/>
+              <a:buNone/>
+              <a:tabLst/>
+              <a:defRPr/>
+            </a:pPr>
+            <a:endParaRPr kumimoji="0" lang="en-US" sz="1800" b="0" i="0" u="none" strike="noStrike" kern="1200" cap="none" spc="0" normalizeH="0" baseline="0" noProof="0">
+              <a:ln>
+                <a:noFill/>
+              </a:ln>
+              <a:solidFill>
+                <a:prstClr val="white"/>
+              </a:solidFill>
+              <a:effectLst/>
+              <a:uLnTx/>
+              <a:uFillTx/>
+              <a:latin typeface="Calibri" panose="020F0502020204030204"/>
+              <a:ea typeface="+mn-ea"/>
+              <a:cs typeface="+mn-cs"/>
+            </a:endParaRPr>
+          </a:p>
+        </p:txBody>
+      </p:sp>
+      <p:sp>
+        <p:nvSpPr>
+          <p:cNvPr id="21" name="Rectangle 20">
+            <a:extLst>
+              <a:ext uri="{FF2B5EF4-FFF2-40B4-BE49-F238E27FC236}">
+                <a16:creationId xmlns:a16="http://schemas.microsoft.com/office/drawing/2014/main" id="{8ECBFEF8-9038-4E5E-A5F1-E4DC2303553E}"/>
+              </a:ext>
+              <a:ext uri="{C183D7F6-B498-43B3-948B-1728B52AA6E4}">
+                <adec:decorative xmlns:adec="http://schemas.microsoft.com/office/drawing/2017/decorative" val="1"/>
+              </a:ext>
+            </a:extLst>
+          </p:cNvPr>
+          <p:cNvSpPr>
+            <a:spLocks noGrp="1" noRot="1" noChangeAspect="1" noMove="1" noResize="1" noEditPoints="1" noAdjustHandles="1" noChangeArrowheads="1" noChangeShapeType="1" noTextEdit="1"/>
+          </p:cNvSpPr>
+          <p:nvPr>
+            <p:extLst>
+              <p:ext uri="{386F3935-93C4-4BCD-93E2-E3B085C9AB24}">
+                <p16:designElem xmlns:p16="http://schemas.microsoft.com/office/powerpoint/2015/main" val="1"/>
+              </p:ext>
+            </p:extLst>
+          </p:nvPr>
+        </p:nvSpPr>
+        <p:spPr>
+          <a:xfrm>
+            <a:off x="0" y="0"/>
+            <a:ext cx="12188952" cy="6858000"/>
+          </a:xfrm>
+          <a:prstGeom prst="rect">
+            <a:avLst/>
+          </a:prstGeom>
+          <a:solidFill>
+            <a:schemeClr val="accent2"/>
+          </a:solidFill>
+          <a:ln>
+            <a:noFill/>
+          </a:ln>
+        </p:spPr>
+        <p:style>
+          <a:lnRef idx="2">
+            <a:schemeClr val="accent1">
+              <a:shade val="50000"/>
+            </a:schemeClr>
+          </a:lnRef>
+          <a:fillRef idx="1">
+            <a:schemeClr val="accent1"/>
+          </a:fillRef>
+          <a:effectRef idx="0">
+            <a:schemeClr val="accent1"/>
+          </a:effectRef>
+          <a:fontRef idx="minor">
+            <a:schemeClr val="lt1"/>
+          </a:fontRef>
+        </p:style>
+        <p:txBody>
+          <a:bodyPr rtlCol="0" anchor="ctr"/>
+          <a:lstStyle/>
+          <a:p>
+            <a:pPr marL="0" marR="0" lvl="0" indent="0" algn="ctr" defTabSz="914400" rtl="0" eaLnBrk="1" fontAlgn="auto" latinLnBrk="0" hangingPunct="1">
+              <a:lnSpc>
+                <a:spcPct val="100000"/>
+              </a:lnSpc>
+              <a:spcBef>
+                <a:spcPts val="0"/>
+              </a:spcBef>
+              <a:spcAft>
+                <a:spcPts val="0"/>
+              </a:spcAft>
+              <a:buClrTx/>
+              <a:buSzTx/>
+              <a:buFontTx/>
+              <a:buNone/>
+              <a:tabLst/>
+              <a:defRPr/>
+            </a:pPr>
+            <a:endParaRPr kumimoji="0" lang="en-US" sz="1800" b="0" i="0" u="none" strike="noStrike" kern="1200" cap="none" spc="0" normalizeH="0" baseline="0" noProof="0">
+              <a:ln>
+                <a:noFill/>
+              </a:ln>
+              <a:solidFill>
+                <a:prstClr val="white"/>
+              </a:solidFill>
+              <a:effectLst/>
+              <a:uLnTx/>
+              <a:uFillTx/>
+              <a:latin typeface="Calibri" panose="020F0502020204030204"/>
+              <a:ea typeface="+mn-ea"/>
+              <a:cs typeface="+mn-cs"/>
+            </a:endParaRPr>
+          </a:p>
+        </p:txBody>
+      </p:sp>
+      <p:pic>
+        <p:nvPicPr>
+          <p:cNvPr id="4" name="Content Placeholder 3" descr="A screenshot of a computer program&#10;&#10;Description automatically generated">
+            <a:extLst>
+              <a:ext uri="{FF2B5EF4-FFF2-40B4-BE49-F238E27FC236}">
+                <a16:creationId xmlns:a16="http://schemas.microsoft.com/office/drawing/2014/main" id="{55652F0B-8BA6-4C68-2395-B073F38F12BB}"/>
+              </a:ext>
+            </a:extLst>
+          </p:cNvPr>
+          <p:cNvPicPr>
+            <a:picLocks noGrp="1" noChangeAspect="1"/>
+          </p:cNvPicPr>
+          <p:nvPr>
+            <p:ph idx="1"/>
+          </p:nvPr>
+        </p:nvPicPr>
+        <p:blipFill>
+          <a:blip r:embed="rId2"/>
+          <a:srcRect r="53" b="1"/>
+          <a:stretch/>
+        </p:blipFill>
+        <p:spPr>
+          <a:xfrm>
+            <a:off x="261682" y="233061"/>
+            <a:ext cx="11668636" cy="6391879"/>
+          </a:xfrm>
+          <a:custGeom>
+            <a:avLst/>
+            <a:gdLst/>
+            <a:ahLst/>
+            <a:cxnLst/>
+            <a:rect l="l" t="t" r="r" b="b"/>
+            <a:pathLst>
+              <a:path w="11668636" h="6391879">
+                <a:moveTo>
+                  <a:pt x="82200" y="0"/>
+                </a:moveTo>
+                <a:lnTo>
+                  <a:pt x="11586436" y="0"/>
+                </a:lnTo>
+                <a:cubicBezTo>
+                  <a:pt x="11631834" y="0"/>
+                  <a:pt x="11668636" y="36802"/>
+                  <a:pt x="11668636" y="82200"/>
+                </a:cubicBezTo>
+                <a:lnTo>
+                  <a:pt x="11668636" y="6309679"/>
+                </a:lnTo>
+                <a:cubicBezTo>
+                  <a:pt x="11668636" y="6355077"/>
+                  <a:pt x="11631834" y="6391879"/>
+                  <a:pt x="11586436" y="6391879"/>
+                </a:cubicBezTo>
+                <a:lnTo>
+                  <a:pt x="82200" y="6391879"/>
+                </a:lnTo>
+                <a:cubicBezTo>
+                  <a:pt x="36802" y="6391879"/>
+                  <a:pt x="0" y="6355077"/>
+                  <a:pt x="0" y="6309679"/>
+                </a:cubicBezTo>
+                <a:lnTo>
+                  <a:pt x="0" y="82200"/>
+                </a:lnTo>
+                <a:cubicBezTo>
+                  <a:pt x="0" y="36802"/>
+                  <a:pt x="36802" y="0"/>
+                  <a:pt x="82200" y="0"/>
+                </a:cubicBezTo>
+                <a:close/>
+              </a:path>
+            </a:pathLst>
+          </a:custGeom>
+        </p:spPr>
+      </p:pic>
+      <p:sp>
+        <p:nvSpPr>
+          <p:cNvPr id="22" name="Arc 21">
+            <a:extLst>
+              <a:ext uri="{FF2B5EF4-FFF2-40B4-BE49-F238E27FC236}">
+                <a16:creationId xmlns:a16="http://schemas.microsoft.com/office/drawing/2014/main" id="{F37E8EB2-7BE0-4F3D-921C-F4E9C2C14929}"/>
+              </a:ext>
+              <a:ext uri="{C183D7F6-B498-43B3-948B-1728B52AA6E4}">
+                <adec:decorative xmlns:adec="http://schemas.microsoft.com/office/drawing/2017/decorative" val="1"/>
+              </a:ext>
+            </a:extLst>
+          </p:cNvPr>
+          <p:cNvSpPr>
+            <a:spLocks noGrp="1" noRot="1" noChangeAspect="1" noMove="1" noResize="1" noEditPoints="1" noAdjustHandles="1" noChangeArrowheads="1" noChangeShapeType="1" noTextEdit="1"/>
+          </p:cNvSpPr>
+          <p:nvPr>
+            <p:extLst>
+              <p:ext uri="{386F3935-93C4-4BCD-93E2-E3B085C9AB24}">
+                <p16:designElem xmlns:p16="http://schemas.microsoft.com/office/powerpoint/2015/main" val="1"/>
+              </p:ext>
+            </p:extLst>
+          </p:nvPr>
+        </p:nvSpPr>
+        <p:spPr>
+          <a:xfrm rot="21427715">
+            <a:off x="8820704" y="368138"/>
+            <a:ext cx="2987899" cy="2987899"/>
+          </a:xfrm>
+          <a:prstGeom prst="arc">
+            <a:avLst>
+              <a:gd name="adj1" fmla="val 16200000"/>
+              <a:gd name="adj2" fmla="val 2287352"/>
+            </a:avLst>
+          </a:prstGeom>
+          <a:ln w="127000" cap="rnd">
+            <a:solidFill>
+              <a:schemeClr val="accent2">
+                <a:lumMod val="75000"/>
+              </a:schemeClr>
+            </a:solidFill>
+            <a:prstDash val="dash"/>
+            <a:miter lim="800000"/>
+          </a:ln>
+        </p:spPr>
+        <p:style>
+          <a:lnRef idx="1">
+            <a:schemeClr val="accent1"/>
+          </a:lnRef>
+          <a:fillRef idx="0">
+            <a:schemeClr val="accent1"/>
+          </a:fillRef>
+          <a:effectRef idx="0">
+            <a:schemeClr val="accent1"/>
+          </a:effectRef>
+          <a:fontRef idx="minor">
+            <a:schemeClr val="tx1"/>
+          </a:fontRef>
+        </p:style>
+        <p:txBody>
+          <a:bodyPr rtlCol="0" anchor="ctr"/>
+          <a:lstStyle/>
+          <a:p>
+            <a:pPr marL="0" marR="0" lvl="0" indent="0" algn="ctr" defTabSz="914400" rtl="0" eaLnBrk="1" fontAlgn="auto" latinLnBrk="0" hangingPunct="1">
+              <a:lnSpc>
+                <a:spcPct val="100000"/>
+              </a:lnSpc>
+              <a:spcBef>
+                <a:spcPts val="0"/>
+              </a:spcBef>
+              <a:spcAft>
+                <a:spcPts val="0"/>
+              </a:spcAft>
+              <a:buClrTx/>
+              <a:buSzTx/>
+              <a:buFontTx/>
+              <a:buNone/>
+              <a:tabLst/>
+              <a:defRPr/>
+            </a:pPr>
+            <a:endParaRPr kumimoji="0" lang="en-US" sz="1800" b="0" i="0" u="none" strike="noStrike" kern="1200" cap="none" spc="0" normalizeH="0" baseline="0" noProof="0">
+              <a:ln>
+                <a:noFill/>
+              </a:ln>
+              <a:solidFill>
+                <a:srgbClr val="000000"/>
+              </a:solidFill>
+              <a:effectLst/>
+              <a:uLnTx/>
+              <a:uFillTx/>
+              <a:latin typeface="Calibri" panose="020F0502020204030204"/>
+              <a:ea typeface="+mn-ea"/>
+              <a:cs typeface="+mn-cs"/>
+            </a:endParaRPr>
+          </a:p>
+        </p:txBody>
+      </p:sp>
+      <p:sp>
+        <p:nvSpPr>
+          <p:cNvPr id="23" name="Oval 22">
+            <a:extLst>
+              <a:ext uri="{FF2B5EF4-FFF2-40B4-BE49-F238E27FC236}">
+                <a16:creationId xmlns:a16="http://schemas.microsoft.com/office/drawing/2014/main" id="{E77AE46B-A945-4A7E-9911-903176079DD0}"/>
+              </a:ext>
+              <a:ext uri="{C183D7F6-B498-43B3-948B-1728B52AA6E4}">
+                <adec:decorative xmlns:adec="http://schemas.microsoft.com/office/drawing/2017/decorative" val="1"/>
+              </a:ext>
+            </a:extLst>
+          </p:cNvPr>
+          <p:cNvSpPr>
+            <a:spLocks noGrp="1" noRot="1" noChangeAspect="1" noMove="1" noResize="1" noEditPoints="1" noAdjustHandles="1" noChangeArrowheads="1" noChangeShapeType="1" noTextEdit="1"/>
+          </p:cNvSpPr>
+          <p:nvPr>
+            <p:extLst>
+              <p:ext uri="{386F3935-93C4-4BCD-93E2-E3B085C9AB24}">
+                <p16:designElem xmlns:p16="http://schemas.microsoft.com/office/powerpoint/2015/main" val="1"/>
+              </p:ext>
+            </p:extLst>
+          </p:nvPr>
+        </p:nvSpPr>
+        <p:spPr>
+          <a:xfrm>
+            <a:off x="715740" y="5694291"/>
+            <a:ext cx="546100" cy="546100"/>
+          </a:xfrm>
+          <a:prstGeom prst="ellipse">
+            <a:avLst/>
+          </a:prstGeom>
+          <a:solidFill>
+            <a:schemeClr val="accent2">
+              <a:lumMod val="75000"/>
+            </a:schemeClr>
+          </a:solidFill>
+          <a:ln>
+            <a:noFill/>
+          </a:ln>
+        </p:spPr>
+        <p:style>
+          <a:lnRef idx="2">
+            <a:schemeClr val="accent1">
+              <a:shade val="50000"/>
+            </a:schemeClr>
+          </a:lnRef>
+          <a:fillRef idx="1">
+            <a:schemeClr val="accent1"/>
+          </a:fillRef>
+          <a:effectRef idx="0">
+            <a:schemeClr val="accent1"/>
+          </a:effectRef>
+          <a:fontRef idx="minor">
+            <a:schemeClr val="lt1"/>
+          </a:fontRef>
+        </p:style>
+        <p:txBody>
+          <a:bodyPr rtlCol="0" anchor="ctr"/>
+          <a:lstStyle/>
+          <a:p>
+            <a:pPr marL="0" marR="0" lvl="0" indent="0" algn="ctr" defTabSz="914400" rtl="0" eaLnBrk="1" fontAlgn="auto" latinLnBrk="0" hangingPunct="1">
+              <a:lnSpc>
+                <a:spcPct val="100000"/>
+              </a:lnSpc>
+              <a:spcBef>
+                <a:spcPts val="0"/>
+              </a:spcBef>
+              <a:spcAft>
+                <a:spcPts val="0"/>
+              </a:spcAft>
+              <a:buClrTx/>
+              <a:buSzTx/>
+              <a:buFontTx/>
+              <a:buNone/>
+              <a:tabLst/>
+              <a:defRPr/>
+            </a:pPr>
+            <a:endParaRPr kumimoji="0" lang="en-US" sz="1800" b="0" i="0" u="none" strike="noStrike" kern="1200" cap="none" spc="0" normalizeH="0" baseline="0" noProof="0" dirty="0">
+              <a:ln>
+                <a:noFill/>
+              </a:ln>
+              <a:solidFill>
+                <a:srgbClr val="FFFFFF"/>
+              </a:solidFill>
+              <a:effectLst/>
+              <a:uLnTx/>
+              <a:uFillTx/>
+              <a:latin typeface="Calibri" panose="020F0502020204030204"/>
+              <a:ea typeface="+mn-ea"/>
+              <a:cs typeface="+mn-cs"/>
+            </a:endParaRPr>
+          </a:p>
+        </p:txBody>
+      </p:sp>
+    </p:spTree>
+    <p:extLst>
+      <p:ext uri="{BB962C8B-B14F-4D97-AF65-F5344CB8AC3E}">
+        <p14:creationId xmlns:p14="http://schemas.microsoft.com/office/powerpoint/2010/main" val="2268071976"/>
       </p:ext>
     </p:extLst>
   </p:cSld>
